--- a/project/Poster.pptx
+++ b/project/Poster.pptx
@@ -104,6 +104,11 @@
       </a:defRPr>
     </a:lvl9pPr>
   </p:defaultTextStyle>
+  <p:extLst>
+    <p:ext uri="{EFAFB233-063F-42B5-8137-9DF3F51BA10A}">
+      <p15:sldGuideLst xmlns:p15="http://schemas.microsoft.com/office/powerpoint/2012/main"/>
+    </p:ext>
+  </p:extLst>
 </p:presentation>
 </file>
 
@@ -3001,7 +3006,63 @@
             <a:pPr algn="just"/>
             <a:r>
               <a:rPr lang="en-US" sz="1000" dirty="0" smtClean="0"/>
-              <a:t>Several parameters had to be adjusted. First, the threshold above which principal components are rejected.  To compute it, a clean dataset is used as a training set, the rest of it being a testing set on which artifacts are simulated. We worked with three different kind of threshold: </a:t>
+              <a:t>To </a:t>
+            </a:r>
+            <a:r>
+              <a:rPr lang="en-US" sz="1000" dirty="0" smtClean="0"/>
+              <a:t>compute </a:t>
+            </a:r>
+            <a:r>
+              <a:rPr lang="en-US" sz="1000" dirty="0" smtClean="0"/>
+              <a:t>the threshold for rejecting components we use a </a:t>
+            </a:r>
+            <a:r>
+              <a:rPr lang="en-US" sz="1000" dirty="0" smtClean="0"/>
+              <a:t>clean dataset </a:t>
+            </a:r>
+            <a:r>
+              <a:rPr lang="en-US" sz="1000" dirty="0" smtClean="0"/>
+              <a:t>as </a:t>
+            </a:r>
+            <a:r>
+              <a:rPr lang="en-US" sz="1000" dirty="0" smtClean="0"/>
+              <a:t>a training </a:t>
+            </a:r>
+            <a:r>
+              <a:rPr lang="en-US" sz="1000" dirty="0" smtClean="0"/>
+              <a:t>set. </a:t>
+            </a:r>
+            <a:r>
+              <a:rPr lang="en-US" sz="1000" dirty="0" smtClean="0"/>
+              <a:t>We calibrate the threshold on the first 20% of the dataset and then add simulated artifacts to</a:t>
+            </a:r>
+            <a:r>
+              <a:rPr lang="en-US" sz="1000" dirty="0" smtClean="0"/>
+              <a:t> </a:t>
+            </a:r>
+            <a:r>
+              <a:rPr lang="en-US" sz="1000" dirty="0" smtClean="0"/>
+              <a:t>the rest of </a:t>
+            </a:r>
+            <a:r>
+              <a:rPr lang="en-US" sz="1000" dirty="0" smtClean="0"/>
+              <a:t>it. </a:t>
+            </a:r>
+            <a:r>
+              <a:rPr lang="en-US" sz="1000" dirty="0" smtClean="0"/>
+              <a:t>We </a:t>
+            </a:r>
+            <a:r>
+              <a:rPr lang="en-US" sz="1000" dirty="0" smtClean="0"/>
+              <a:t>use</a:t>
+            </a:r>
+            <a:r>
+              <a:rPr lang="en-US" sz="1000" dirty="0" smtClean="0"/>
+              <a:t> </a:t>
+            </a:r>
+            <a:r>
+              <a:rPr lang="en-US" sz="1000" dirty="0" smtClean="0"/>
+              <a:t>three different kind of threshold: </a:t>
             </a:r>
           </a:p>
           <a:p>
@@ -3134,39 +3195,54 @@
           </a:p>
           <a:p>
             <a:pPr algn="just"/>
-            <a:endParaRPr lang="fr-FR" sz="1000" dirty="0" smtClean="0"/>
+            <a:endParaRPr lang="en-US" sz="1000" dirty="0" smtClean="0"/>
           </a:p>
           <a:p>
             <a:pPr algn="just"/>
-            <a:endParaRPr lang="fr-FR" sz="1000" dirty="0"/>
+            <a:r>
+              <a:rPr lang="en-US" sz="1000" dirty="0" smtClean="0"/>
+              <a:t>We can measure </a:t>
+            </a:r>
+            <a:r>
+              <a:rPr lang="en-US" sz="1000" dirty="0" err="1" smtClean="0"/>
+              <a:t>sensivity</a:t>
+            </a:r>
+            <a:r>
+              <a:rPr lang="en-US" sz="1000" dirty="0" smtClean="0"/>
+              <a:t>/specificity:</a:t>
+            </a:r>
+            <a:endParaRPr lang="en-US" sz="1000" dirty="0" smtClean="0"/>
           </a:p>
           <a:p>
             <a:pPr algn="just"/>
-            <a:endParaRPr lang="fr-FR" sz="1000" dirty="0" smtClean="0"/>
+            <a:endParaRPr lang="en-US" sz="1000" dirty="0" smtClean="0"/>
           </a:p>
           <a:p>
             <a:pPr algn="just"/>
-            <a:endParaRPr lang="fr-FR" sz="1000" dirty="0"/>
+            <a:endParaRPr lang="en-US" sz="1000" dirty="0" smtClean="0"/>
           </a:p>
           <a:p>
             <a:pPr algn="just"/>
-            <a:endParaRPr lang="fr-FR" sz="1000" dirty="0" smtClean="0"/>
+            <a:endParaRPr lang="en-US" sz="1000" dirty="0" smtClean="0"/>
           </a:p>
           <a:p>
             <a:pPr algn="just"/>
-            <a:endParaRPr lang="fr-FR" sz="1000" dirty="0"/>
+            <a:endParaRPr lang="en-US" sz="1000" dirty="0" smtClean="0"/>
           </a:p>
           <a:p>
             <a:pPr algn="just"/>
-            <a:endParaRPr lang="fr-FR" sz="1000" dirty="0" smtClean="0"/>
+            <a:endParaRPr lang="en-US" sz="1000" dirty="0" smtClean="0"/>
           </a:p>
           <a:p>
             <a:pPr algn="just"/>
-            <a:endParaRPr lang="fr-FR" sz="1000" dirty="0"/>
+            <a:endParaRPr lang="en-US" sz="1000" dirty="0" smtClean="0"/>
           </a:p>
           <a:p>
             <a:pPr algn="just"/>
-            <a:endParaRPr lang="fr-FR" sz="1000" dirty="0"/>
+            <a:r>
+              <a:rPr lang="en-US" sz="1000" dirty="0" smtClean="0"/>
+              <a:t>For windows of size 128 samples, we can remove artifacts at a rate of 35Hz.</a:t>
+            </a:r>
           </a:p>
           <a:p>
             <a:pPr algn="just"/>
@@ -3182,8 +3258,8 @@
         </p:nvSpPr>
         <p:spPr>
           <a:xfrm>
-            <a:off x="4210302" y="2280062"/>
-            <a:ext cx="3978559" cy="246221"/>
+            <a:off x="4598639" y="2280062"/>
+            <a:ext cx="3201882" cy="246221"/>
           </a:xfrm>
           <a:prstGeom prst="rect">
             <a:avLst/>
@@ -3412,8 +3488,8 @@
         </p:nvSpPr>
         <p:spPr>
           <a:xfrm>
-            <a:off x="4210301" y="4262465"/>
-            <a:ext cx="3978559" cy="246221"/>
+            <a:off x="4647130" y="4262465"/>
+            <a:ext cx="3104899" cy="246221"/>
           </a:xfrm>
           <a:prstGeom prst="rect">
             <a:avLst/>
@@ -3435,7 +3511,15 @@
             </a:r>
             <a:r>
               <a:rPr lang="en-US" sz="1000" dirty="0" smtClean="0"/>
-              <a:t> artifacts are simulated and added to the original dataset</a:t>
+              <a:t> </a:t>
+            </a:r>
+            <a:r>
+              <a:rPr lang="en-US" sz="1000" dirty="0" smtClean="0"/>
+              <a:t>original dataset with si</a:t>
+            </a:r>
+            <a:r>
+              <a:rPr lang="en-US" sz="1000" dirty="0" smtClean="0"/>
+              <a:t>mulated artifacts added</a:t>
             </a:r>
             <a:endParaRPr lang="en-US" sz="1000" dirty="0"/>
           </a:p>
@@ -3449,8 +3533,8 @@
         </p:nvSpPr>
         <p:spPr>
           <a:xfrm>
-            <a:off x="4210301" y="6314485"/>
-            <a:ext cx="3978559" cy="246221"/>
+            <a:off x="4404469" y="6311813"/>
+            <a:ext cx="3590220" cy="400110"/>
           </a:xfrm>
           <a:prstGeom prst="rect">
             <a:avLst/>
@@ -3470,7 +3554,11 @@
             </a:r>
             <a:r>
               <a:rPr lang="en-US" sz="1000" dirty="0" smtClean="0"/>
-              <a:t> after PCA, artifacts are removed</a:t>
+              <a:t> </a:t>
+            </a:r>
+            <a:r>
+              <a:rPr lang="en-US" sz="1000" dirty="0" smtClean="0"/>
+              <a:t>original dataset together with the dataset reconstructed from artifact dataset</a:t>
             </a:r>
             <a:endParaRPr lang="en-US" sz="1000" dirty="0"/>
           </a:p>
@@ -3487,7 +3575,7 @@
             <p:spPr>
               <a:xfrm>
                 <a:off x="15030" y="1788675"/>
-                <a:ext cx="3852037" cy="5020926"/>
+                <a:ext cx="3852037" cy="5144293"/>
               </a:xfrm>
               <a:prstGeom prst="rect">
                 <a:avLst/>
@@ -3515,14 +3603,27 @@
                 <a:pPr algn="just"/>
                 <a:r>
                   <a:rPr lang="en-US" sz="1000" dirty="0" smtClean="0"/>
-                  <a:t>We use PCA to identify principal components with an unusual large eigenvalue that should correspond to artifacts.</a:t>
+                  <a:t>We use PCA to identify </a:t>
                 </a:r>
-              </a:p>
-              <a:p>
-                <a:pPr algn="just"/>
                 <a:r>
                   <a:rPr lang="en-US" sz="1000" dirty="0" smtClean="0"/>
-                  <a:t>We </a:t>
+                  <a:t>components </a:t>
+                </a:r>
+                <a:r>
+                  <a:rPr lang="en-US" sz="1000" dirty="0" smtClean="0"/>
+                  <a:t>with an </a:t>
+                </a:r>
+                <a:r>
+                  <a:rPr lang="en-US" sz="1000" dirty="0" smtClean="0"/>
+                  <a:t>unusually </a:t>
+                </a:r>
+                <a:r>
+                  <a:rPr lang="en-US" sz="1000" dirty="0" smtClean="0"/>
+                  <a:t>large </a:t>
+                </a:r>
+                <a:r>
+                  <a:rPr lang="en-US" sz="1000" dirty="0" smtClean="0"/>
+                  <a:t>eigenvalues. If the eigenvalue is above the threshold found during calibration, there should be an artifact in that component and we try to remove it. We </a:t>
                 </a:r>
                 <a:r>
                   <a:rPr lang="en-US" sz="1000" dirty="0"/>
@@ -3531,14 +3632,24 @@
                 <a14:m>
                   <m:oMath xmlns:m="http://schemas.openxmlformats.org/officeDocument/2006/math">
                     <m:r>
-                      <a:rPr lang="en-US" sz="1000" i="1"/>
+                      <a:rPr lang="en-US" sz="1000" i="1">
+                        <a:latin typeface="Cambria Math" panose="02040503050406030204" pitchFamily="18" charset="0"/>
+                      </a:rPr>
                       <m:t>𝑋</m:t>
                     </m:r>
                   </m:oMath>
                 </a14:m>
                 <a:r>
                   <a:rPr lang="en-US" sz="1000" dirty="0"/>
-                  <a:t>. We divide this matrix in several windows.</a:t>
+                  <a:t>. We divide this matrix </a:t>
+                </a:r>
+                <a:r>
+                  <a:rPr lang="en-US" sz="1000" dirty="0" smtClean="0"/>
+                  <a:t>into </a:t>
+                </a:r>
+                <a:r>
+                  <a:rPr lang="en-US" sz="1000" dirty="0"/>
+                  <a:t>several windows.</a:t>
                 </a:r>
                 <a:endParaRPr lang="fr-FR" sz="1000" dirty="0"/>
               </a:p>
@@ -3553,57 +3664,79 @@
                     <m:sSub>
                       <m:sSubPr>
                         <m:ctrlPr>
-                          <a:rPr lang="fr-FR" sz="1000" i="1"/>
+                          <a:rPr lang="fr-FR" sz="1000" i="1">
+                            <a:latin typeface="Cambria Math" panose="02040503050406030204" pitchFamily="18" charset="0"/>
+                          </a:rPr>
                         </m:ctrlPr>
                       </m:sSubPr>
                       <m:e>
                         <m:r>
-                          <a:rPr lang="en-US" sz="1000" i="1"/>
+                          <a:rPr lang="en-US" sz="1000" i="1">
+                            <a:latin typeface="Cambria Math" panose="02040503050406030204" pitchFamily="18" charset="0"/>
+                          </a:rPr>
                           <m:t>𝑌</m:t>
                         </m:r>
                       </m:e>
                       <m:sub>
                         <m:r>
-                          <a:rPr lang="en-US" sz="1000" i="1"/>
+                          <a:rPr lang="en-US" sz="1000" i="1">
+                            <a:latin typeface="Cambria Math" panose="02040503050406030204" pitchFamily="18" charset="0"/>
+                          </a:rPr>
                           <m:t>𝑗</m:t>
                         </m:r>
                         <m:r>
-                          <a:rPr lang="en-US" sz="1000" i="1"/>
+                          <a:rPr lang="en-US" sz="1000" i="1">
+                            <a:latin typeface="Cambria Math" panose="02040503050406030204" pitchFamily="18" charset="0"/>
+                          </a:rPr>
                           <m:t>,</m:t>
                         </m:r>
                         <m:r>
-                          <a:rPr lang="en-US" sz="1000" i="1"/>
+                          <a:rPr lang="en-US" sz="1000" i="1">
+                            <a:latin typeface="Cambria Math" panose="02040503050406030204" pitchFamily="18" charset="0"/>
+                          </a:rPr>
                           <m:t>𝑡</m:t>
                         </m:r>
                       </m:sub>
                     </m:sSub>
                     <m:r>
-                      <a:rPr lang="en-US" sz="1000" i="1"/>
+                      <a:rPr lang="en-US" sz="1000" i="1">
+                        <a:latin typeface="Cambria Math" panose="02040503050406030204" pitchFamily="18" charset="0"/>
+                      </a:rPr>
                       <m:t>=</m:t>
                     </m:r>
                     <m:sSub>
                       <m:sSubPr>
                         <m:ctrlPr>
-                          <a:rPr lang="fr-FR" sz="1000" i="1"/>
+                          <a:rPr lang="fr-FR" sz="1000" i="1">
+                            <a:latin typeface="Cambria Math" panose="02040503050406030204" pitchFamily="18" charset="0"/>
+                          </a:rPr>
                         </m:ctrlPr>
                       </m:sSubPr>
                       <m:e>
                         <m:r>
-                          <a:rPr lang="en-US" sz="1000" i="1"/>
+                          <a:rPr lang="en-US" sz="1000" i="1">
+                            <a:latin typeface="Cambria Math" panose="02040503050406030204" pitchFamily="18" charset="0"/>
+                          </a:rPr>
                           <m:t>𝑋</m:t>
                         </m:r>
                       </m:e>
                       <m:sub>
                         <m:r>
-                          <a:rPr lang="en-US" sz="1000" i="1"/>
+                          <a:rPr lang="en-US" sz="1000" i="1">
+                            <a:latin typeface="Cambria Math" panose="02040503050406030204" pitchFamily="18" charset="0"/>
+                          </a:rPr>
                           <m:t>𝑗</m:t>
                         </m:r>
                         <m:r>
-                          <a:rPr lang="en-US" sz="1000" i="1"/>
+                          <a:rPr lang="en-US" sz="1000" i="1">
+                            <a:latin typeface="Cambria Math" panose="02040503050406030204" pitchFamily="18" charset="0"/>
+                          </a:rPr>
                           <m:t>,</m:t>
                         </m:r>
                         <m:r>
-                          <a:rPr lang="en-US" sz="1000" i="1"/>
+                          <a:rPr lang="en-US" sz="1000" i="1">
+                            <a:latin typeface="Cambria Math" panose="02040503050406030204" pitchFamily="18" charset="0"/>
+                          </a:rPr>
                           <m:t>𝑡</m:t>
                         </m:r>
                       </m:sub>
@@ -3617,11 +3750,15 @@
                 <a14:m>
                   <m:oMath xmlns:m="http://schemas.openxmlformats.org/officeDocument/2006/math">
                     <m:r>
-                      <a:rPr lang="en-US" sz="1000" i="1"/>
+                      <a:rPr lang="en-US" sz="1000" i="1">
+                        <a:latin typeface="Cambria Math" panose="02040503050406030204" pitchFamily="18" charset="0"/>
+                      </a:rPr>
                       <m:t>𝑡</m:t>
                     </m:r>
                     <m:r>
-                      <a:rPr lang="en-US" sz="1000" i="1"/>
+                      <a:rPr lang="en-US" sz="1000" i="1">
+                        <a:latin typeface="Cambria Math" panose="02040503050406030204" pitchFamily="18" charset="0"/>
+                      </a:rPr>
                       <m:t>1</m:t>
                     </m:r>
                   </m:oMath>
@@ -3633,11 +3770,15 @@
                 <a14:m>
                   <m:oMath xmlns:m="http://schemas.openxmlformats.org/officeDocument/2006/math">
                     <m:r>
-                      <a:rPr lang="en-US" sz="1000" i="1"/>
+                      <a:rPr lang="en-US" sz="1000" i="1">
+                        <a:latin typeface="Cambria Math" panose="02040503050406030204" pitchFamily="18" charset="0"/>
+                      </a:rPr>
                       <m:t>𝑡</m:t>
                     </m:r>
                     <m:r>
-                      <a:rPr lang="en-US" sz="1000" i="1"/>
+                      <a:rPr lang="en-US" sz="1000" i="1">
+                        <a:latin typeface="Cambria Math" panose="02040503050406030204" pitchFamily="18" charset="0"/>
+                      </a:rPr>
                       <m:t>2</m:t>
                     </m:r>
                   </m:oMath>
@@ -3653,7 +3794,9 @@
                 <a14:m>
                   <m:oMath xmlns:m="http://schemas.openxmlformats.org/officeDocument/2006/math">
                     <m:r>
-                      <a:rPr lang="en-US" sz="1000" i="1"/>
+                      <a:rPr lang="en-US" sz="1000" i="1">
+                        <a:latin typeface="Cambria Math" panose="02040503050406030204" pitchFamily="18" charset="0"/>
+                      </a:rPr>
                       <m:t>𝑌</m:t>
                     </m:r>
                   </m:oMath>
@@ -3665,7 +3808,9 @@
                 <a14:m>
                   <m:oMath xmlns:m="http://schemas.openxmlformats.org/officeDocument/2006/math">
                     <m:r>
-                      <a:rPr lang="en-US" sz="1000" i="1"/>
+                      <a:rPr lang="en-US" sz="1000" i="1">
+                        <a:latin typeface="Cambria Math" panose="02040503050406030204" pitchFamily="18" charset="0"/>
+                      </a:rPr>
                       <m:t>𝐽</m:t>
                     </m:r>
                   </m:oMath>
@@ -3677,11 +3822,15 @@
                 <a14:m>
                   <m:oMath xmlns:m="http://schemas.openxmlformats.org/officeDocument/2006/math">
                     <m:r>
-                      <a:rPr lang="en-US" sz="1000" i="1"/>
+                      <a:rPr lang="en-US" sz="1000" i="1">
+                        <a:latin typeface="Cambria Math" panose="02040503050406030204" pitchFamily="18" charset="0"/>
+                      </a:rPr>
                       <m:t>×</m:t>
                     </m:r>
                     <m:r>
-                      <a:rPr lang="en-US" sz="1000" i="1"/>
+                      <a:rPr lang="en-US" sz="1000" i="1">
+                        <a:latin typeface="Cambria Math" panose="02040503050406030204" pitchFamily="18" charset="0"/>
+                      </a:rPr>
                       <m:t>𝑇</m:t>
                     </m:r>
                   </m:oMath>
@@ -3693,27 +3842,39 @@
                 <a14:m>
                   <m:oMath xmlns:m="http://schemas.openxmlformats.org/officeDocument/2006/math">
                     <m:r>
-                      <a:rPr lang="en-US" sz="1000" i="1"/>
+                      <a:rPr lang="en-US" sz="1000" i="1">
+                        <a:latin typeface="Cambria Math" panose="02040503050406030204" pitchFamily="18" charset="0"/>
+                      </a:rPr>
                       <m:t>𝑇</m:t>
                     </m:r>
                     <m:r>
-                      <a:rPr lang="en-US" sz="1000" i="1"/>
+                      <a:rPr lang="en-US" sz="1000" i="1">
+                        <a:latin typeface="Cambria Math" panose="02040503050406030204" pitchFamily="18" charset="0"/>
+                      </a:rPr>
                       <m:t> = </m:t>
                     </m:r>
                     <m:r>
-                      <a:rPr lang="en-US" sz="1000" i="1"/>
+                      <a:rPr lang="en-US" sz="1000" i="1">
+                        <a:latin typeface="Cambria Math" panose="02040503050406030204" pitchFamily="18" charset="0"/>
+                      </a:rPr>
                       <m:t>𝑡</m:t>
                     </m:r>
                     <m:r>
-                      <a:rPr lang="en-US" sz="1000" i="1"/>
+                      <a:rPr lang="en-US" sz="1000" i="1">
+                        <a:latin typeface="Cambria Math" panose="02040503050406030204" pitchFamily="18" charset="0"/>
+                      </a:rPr>
                       <m:t>2−</m:t>
                     </m:r>
                     <m:r>
-                      <a:rPr lang="en-US" sz="1000" i="1"/>
+                      <a:rPr lang="en-US" sz="1000" i="1">
+                        <a:latin typeface="Cambria Math" panose="02040503050406030204" pitchFamily="18" charset="0"/>
+                      </a:rPr>
                       <m:t>𝑡</m:t>
                     </m:r>
                     <m:r>
-                      <a:rPr lang="en-US" sz="1000" i="1"/>
+                      <a:rPr lang="en-US" sz="1000" i="1">
+                        <a:latin typeface="Cambria Math" panose="02040503050406030204" pitchFamily="18" charset="0"/>
+                      </a:rPr>
                       <m:t>1+1</m:t>
                     </m:r>
                   </m:oMath>
@@ -3732,7 +3893,15 @@
                 <a:pPr algn="just"/>
                 <a:r>
                   <a:rPr lang="en-US" sz="1000" dirty="0"/>
-                  <a:t>We normalize data by subtracting the mean:</a:t>
+                  <a:t>We normalize </a:t>
+                </a:r>
+                <a:r>
+                  <a:rPr lang="en-US" sz="1000" dirty="0" smtClean="0"/>
+                  <a:t>the data </a:t>
+                </a:r>
+                <a:r>
+                  <a:rPr lang="en-US" sz="1000" dirty="0"/>
+                  <a:t>by subtracting the mean:</a:t>
                 </a:r>
                 <a:endParaRPr lang="fr-FR" sz="1000" dirty="0"/>
               </a:p>
@@ -3745,38 +3914,52 @@
                     </m:oMathParaPr>
                     <m:oMath xmlns:m="http://schemas.openxmlformats.org/officeDocument/2006/math">
                       <m:r>
-                        <a:rPr lang="en-US" sz="1000" i="1"/>
+                        <a:rPr lang="en-US" sz="1000" i="1">
+                          <a:latin typeface="Cambria Math" panose="02040503050406030204" pitchFamily="18" charset="0"/>
+                        </a:rPr>
                         <m:t>µ_</m:t>
                       </m:r>
                       <m:r>
-                        <a:rPr lang="en-US" sz="1000" i="1"/>
+                        <a:rPr lang="en-US" sz="1000" i="1">
+                          <a:latin typeface="Cambria Math" panose="02040503050406030204" pitchFamily="18" charset="0"/>
+                        </a:rPr>
                         <m:t>𝑗</m:t>
                       </m:r>
                       <m:r>
-                        <a:rPr lang="en-US" sz="1000" i="1"/>
+                        <a:rPr lang="en-US" sz="1000" i="1">
+                          <a:latin typeface="Cambria Math" panose="02040503050406030204" pitchFamily="18" charset="0"/>
+                        </a:rPr>
                         <m:t>= </m:t>
                       </m:r>
                       <m:f>
                         <m:fPr>
                           <m:ctrlPr>
-                            <a:rPr lang="fr-FR" sz="1000" i="1"/>
+                            <a:rPr lang="fr-FR" sz="1000" i="1">
+                              <a:latin typeface="Cambria Math" panose="02040503050406030204" pitchFamily="18" charset="0"/>
+                            </a:rPr>
                           </m:ctrlPr>
                         </m:fPr>
                         <m:num>
                           <m:r>
-                            <a:rPr lang="en-US" sz="1000" i="1"/>
+                            <a:rPr lang="en-US" sz="1000" i="1">
+                              <a:latin typeface="Cambria Math" panose="02040503050406030204" pitchFamily="18" charset="0"/>
+                            </a:rPr>
                             <m:t>1</m:t>
                           </m:r>
                         </m:num>
                         <m:den>
                           <m:r>
-                            <a:rPr lang="en-US" sz="1000" i="1"/>
+                            <a:rPr lang="en-US" sz="1000" i="1">
+                              <a:latin typeface="Cambria Math" panose="02040503050406030204" pitchFamily="18" charset="0"/>
+                            </a:rPr>
                             <m:t>𝑇</m:t>
                           </m:r>
                         </m:den>
                       </m:f>
                       <m:r>
-                        <a:rPr lang="en-US" sz="1000" i="1"/>
+                        <a:rPr lang="en-US" sz="1000" i="1">
+                          <a:latin typeface="Cambria Math" panose="02040503050406030204" pitchFamily="18" charset="0"/>
+                        </a:rPr>
                         <m:t> × </m:t>
                       </m:r>
                       <m:nary>
@@ -3784,18 +3967,24 @@
                           <m:chr m:val="∑"/>
                           <m:limLoc m:val="undOvr"/>
                           <m:ctrlPr>
-                            <a:rPr lang="fr-FR" sz="1000" i="1"/>
+                            <a:rPr lang="fr-FR" sz="1000" i="1">
+                              <a:latin typeface="Cambria Math" panose="02040503050406030204" pitchFamily="18" charset="0"/>
+                            </a:rPr>
                           </m:ctrlPr>
                         </m:naryPr>
                         <m:sub>
                           <m:r>
-                            <a:rPr lang="en-US" sz="1000" i="1"/>
+                            <a:rPr lang="en-US" sz="1000" i="1">
+                              <a:latin typeface="Cambria Math" panose="02040503050406030204" pitchFamily="18" charset="0"/>
+                            </a:rPr>
                             <m:t>𝑡</m:t>
                           </m:r>
                         </m:sub>
                         <m:sup>
                           <m:r>
-                            <a:rPr lang="en-US" sz="1000" i="1"/>
+                            <a:rPr lang="en-US" sz="1000" i="1">
+                              <a:latin typeface="Cambria Math" panose="02040503050406030204" pitchFamily="18" charset="0"/>
+                            </a:rPr>
                             <m:t> </m:t>
                           </m:r>
                         </m:sup>
@@ -3803,26 +3992,36 @@
                           <m:sSub>
                             <m:sSubPr>
                               <m:ctrlPr>
-                                <a:rPr lang="fr-FR" sz="1000" i="1"/>
+                                <a:rPr lang="fr-FR" sz="1000" i="1">
+                                  <a:latin typeface="Cambria Math" panose="02040503050406030204" pitchFamily="18" charset="0"/>
+                                </a:rPr>
                               </m:ctrlPr>
                             </m:sSubPr>
                             <m:e>
                               <m:r>
-                                <a:rPr lang="en-US" sz="1000" i="1"/>
+                                <a:rPr lang="en-US" sz="1000" i="1">
+                                  <a:latin typeface="Cambria Math" panose="02040503050406030204" pitchFamily="18" charset="0"/>
+                                </a:rPr>
                                 <m:t>𝑌</m:t>
                               </m:r>
                             </m:e>
                             <m:sub>
                               <m:r>
-                                <a:rPr lang="en-US" sz="1000" i="1"/>
+                                <a:rPr lang="en-US" sz="1000" i="1">
+                                  <a:latin typeface="Cambria Math" panose="02040503050406030204" pitchFamily="18" charset="0"/>
+                                </a:rPr>
                                 <m:t>𝑗</m:t>
                               </m:r>
                               <m:r>
-                                <a:rPr lang="en-US" sz="1000" i="1"/>
+                                <a:rPr lang="en-US" sz="1000" i="1">
+                                  <a:latin typeface="Cambria Math" panose="02040503050406030204" pitchFamily="18" charset="0"/>
+                                </a:rPr>
                                 <m:t>,</m:t>
                               </m:r>
                               <m:r>
-                                <a:rPr lang="en-US" sz="1000" i="1"/>
+                                <a:rPr lang="en-US" sz="1000" i="1">
+                                  <a:latin typeface="Cambria Math" panose="02040503050406030204" pitchFamily="18" charset="0"/>
+                                </a:rPr>
                                 <m:t>𝑡</m:t>
                               </m:r>
                             </m:sub>
@@ -3841,80 +4040,110 @@
                     <m:sSub>
                       <m:sSubPr>
                         <m:ctrlPr>
-                          <a:rPr lang="fr-FR" sz="1000" i="1"/>
+                          <a:rPr lang="fr-FR" sz="1000" i="1">
+                            <a:latin typeface="Cambria Math" panose="02040503050406030204" pitchFamily="18" charset="0"/>
+                          </a:rPr>
                         </m:ctrlPr>
                       </m:sSubPr>
                       <m:e>
                         <m:r>
-                          <a:rPr lang="en-US" sz="1000" i="1"/>
+                          <a:rPr lang="en-US" sz="1000" i="1">
+                            <a:latin typeface="Cambria Math" panose="02040503050406030204" pitchFamily="18" charset="0"/>
+                          </a:rPr>
                           <m:t>𝑍</m:t>
                         </m:r>
                       </m:e>
                       <m:sub>
                         <m:r>
-                          <a:rPr lang="en-US" sz="1000" i="1"/>
+                          <a:rPr lang="en-US" sz="1000" i="1">
+                            <a:latin typeface="Cambria Math" panose="02040503050406030204" pitchFamily="18" charset="0"/>
+                          </a:rPr>
                           <m:t>𝑗</m:t>
                         </m:r>
                         <m:r>
-                          <a:rPr lang="en-US" sz="1000" i="1"/>
+                          <a:rPr lang="en-US" sz="1000" i="1">
+                            <a:latin typeface="Cambria Math" panose="02040503050406030204" pitchFamily="18" charset="0"/>
+                          </a:rPr>
                           <m:t>,</m:t>
                         </m:r>
                         <m:r>
-                          <a:rPr lang="en-US" sz="1000" i="1"/>
+                          <a:rPr lang="en-US" sz="1000" i="1">
+                            <a:latin typeface="Cambria Math" panose="02040503050406030204" pitchFamily="18" charset="0"/>
+                          </a:rPr>
                           <m:t>𝑡</m:t>
                         </m:r>
                       </m:sub>
                     </m:sSub>
                     <m:r>
-                      <a:rPr lang="en-US" sz="1000" i="1"/>
+                      <a:rPr lang="en-US" sz="1000" i="1">
+                        <a:latin typeface="Cambria Math" panose="02040503050406030204" pitchFamily="18" charset="0"/>
+                      </a:rPr>
                       <m:t>= </m:t>
                     </m:r>
                     <m:sSub>
                       <m:sSubPr>
                         <m:ctrlPr>
-                          <a:rPr lang="fr-FR" sz="1000" i="1"/>
+                          <a:rPr lang="fr-FR" sz="1000" i="1">
+                            <a:latin typeface="Cambria Math" panose="02040503050406030204" pitchFamily="18" charset="0"/>
+                          </a:rPr>
                         </m:ctrlPr>
                       </m:sSubPr>
                       <m:e>
                         <m:r>
-                          <a:rPr lang="en-US" sz="1000" i="1"/>
+                          <a:rPr lang="en-US" sz="1000" i="1">
+                            <a:latin typeface="Cambria Math" panose="02040503050406030204" pitchFamily="18" charset="0"/>
+                          </a:rPr>
                           <m:t>𝑌</m:t>
                         </m:r>
                       </m:e>
                       <m:sub>
                         <m:r>
-                          <a:rPr lang="en-US" sz="1000" i="1"/>
+                          <a:rPr lang="en-US" sz="1000" i="1">
+                            <a:latin typeface="Cambria Math" panose="02040503050406030204" pitchFamily="18" charset="0"/>
+                          </a:rPr>
                           <m:t>𝑗</m:t>
                         </m:r>
                         <m:r>
-                          <a:rPr lang="en-US" sz="1000" i="1"/>
+                          <a:rPr lang="en-US" sz="1000" i="1">
+                            <a:latin typeface="Cambria Math" panose="02040503050406030204" pitchFamily="18" charset="0"/>
+                          </a:rPr>
                           <m:t>,</m:t>
                         </m:r>
                         <m:r>
-                          <a:rPr lang="en-US" sz="1000" i="1"/>
+                          <a:rPr lang="en-US" sz="1000" i="1">
+                            <a:latin typeface="Cambria Math" panose="02040503050406030204" pitchFamily="18" charset="0"/>
+                          </a:rPr>
                           <m:t>𝑡</m:t>
                         </m:r>
                       </m:sub>
                     </m:sSub>
                     <m:r>
-                      <a:rPr lang="en-US" sz="1000" i="1"/>
+                      <a:rPr lang="en-US" sz="1000" i="1">
+                        <a:latin typeface="Cambria Math" panose="02040503050406030204" pitchFamily="18" charset="0"/>
+                      </a:rPr>
                       <m:t>− </m:t>
                     </m:r>
                     <m:sSub>
                       <m:sSubPr>
                         <m:ctrlPr>
-                          <a:rPr lang="fr-FR" sz="1000" i="1"/>
+                          <a:rPr lang="fr-FR" sz="1000" i="1">
+                            <a:latin typeface="Cambria Math" panose="02040503050406030204" pitchFamily="18" charset="0"/>
+                          </a:rPr>
                         </m:ctrlPr>
                       </m:sSubPr>
                       <m:e>
                         <m:r>
-                          <a:rPr lang="en-US" sz="1000" i="1"/>
+                          <a:rPr lang="en-US" sz="1000" i="1">
+                            <a:latin typeface="Cambria Math" panose="02040503050406030204" pitchFamily="18" charset="0"/>
+                          </a:rPr>
                           <m:t>µ</m:t>
                         </m:r>
                       </m:e>
                       <m:sub>
                         <m:r>
-                          <a:rPr lang="en-US" sz="1000" i="1"/>
+                          <a:rPr lang="en-US" sz="1000" i="1">
+                            <a:latin typeface="Cambria Math" panose="02040503050406030204" pitchFamily="18" charset="0"/>
+                          </a:rPr>
                           <m:t>𝑗</m:t>
                         </m:r>
                       </m:sub>
@@ -3946,55 +4175,75 @@
                       <m:sSub>
                         <m:sSubPr>
                           <m:ctrlPr>
-                            <a:rPr lang="fr-FR" sz="1000" i="1"/>
+                            <a:rPr lang="fr-FR" sz="1000" i="1">
+                              <a:latin typeface="Cambria Math" panose="02040503050406030204" pitchFamily="18" charset="0"/>
+                            </a:rPr>
                           </m:ctrlPr>
                         </m:sSubPr>
                         <m:e>
                           <m:r>
-                            <a:rPr lang="en-US" sz="1000" i="1"/>
+                            <a:rPr lang="en-US" sz="1000" i="1">
+                              <a:latin typeface="Cambria Math" panose="02040503050406030204" pitchFamily="18" charset="0"/>
+                            </a:rPr>
                             <m:t>𝐶</m:t>
                           </m:r>
                         </m:e>
                         <m:sub>
                           <m:r>
-                            <a:rPr lang="en-US" sz="1000" i="1"/>
+                            <a:rPr lang="en-US" sz="1000" i="1">
+                              <a:latin typeface="Cambria Math" panose="02040503050406030204" pitchFamily="18" charset="0"/>
+                            </a:rPr>
                             <m:t>𝑗</m:t>
                           </m:r>
                           <m:r>
-                            <a:rPr lang="en-US" sz="1000" i="1"/>
+                            <a:rPr lang="en-US" sz="1000" i="1">
+                              <a:latin typeface="Cambria Math" panose="02040503050406030204" pitchFamily="18" charset="0"/>
+                            </a:rPr>
                             <m:t>,</m:t>
                           </m:r>
                           <m:r>
-                            <a:rPr lang="en-US" sz="1000" i="1"/>
+                            <a:rPr lang="en-US" sz="1000" i="1">
+                              <a:latin typeface="Cambria Math" panose="02040503050406030204" pitchFamily="18" charset="0"/>
+                            </a:rPr>
                             <m:t>𝑘</m:t>
                           </m:r>
                         </m:sub>
                       </m:sSub>
                       <m:r>
-                        <a:rPr lang="en-US" sz="1000" i="1"/>
+                        <a:rPr lang="en-US" sz="1000" i="1">
+                          <a:latin typeface="Cambria Math" panose="02040503050406030204" pitchFamily="18" charset="0"/>
+                        </a:rPr>
                         <m:t>= </m:t>
                       </m:r>
                       <m:f>
                         <m:fPr>
                           <m:ctrlPr>
-                            <a:rPr lang="fr-FR" sz="1000" i="1"/>
+                            <a:rPr lang="fr-FR" sz="1000" i="1">
+                              <a:latin typeface="Cambria Math" panose="02040503050406030204" pitchFamily="18" charset="0"/>
+                            </a:rPr>
                           </m:ctrlPr>
                         </m:fPr>
                         <m:num>
                           <m:r>
-                            <a:rPr lang="en-US" sz="1000" i="1"/>
+                            <a:rPr lang="en-US" sz="1000" i="1">
+                              <a:latin typeface="Cambria Math" panose="02040503050406030204" pitchFamily="18" charset="0"/>
+                            </a:rPr>
                             <m:t>1</m:t>
                           </m:r>
                         </m:num>
                         <m:den>
                           <m:r>
-                            <a:rPr lang="en-US" sz="1000" i="1"/>
+                            <a:rPr lang="en-US" sz="1000" i="1">
+                              <a:latin typeface="Cambria Math" panose="02040503050406030204" pitchFamily="18" charset="0"/>
+                            </a:rPr>
                             <m:t>𝑇</m:t>
                           </m:r>
                         </m:den>
                       </m:f>
                       <m:r>
-                        <a:rPr lang="en-US" sz="1000" i="1"/>
+                        <a:rPr lang="en-US" sz="1000" i="1">
+                          <a:latin typeface="Cambria Math" panose="02040503050406030204" pitchFamily="18" charset="0"/>
+                        </a:rPr>
                         <m:t> × </m:t>
                       </m:r>
                       <m:nary>
@@ -4002,18 +4251,24 @@
                           <m:chr m:val="∑"/>
                           <m:limLoc m:val="undOvr"/>
                           <m:ctrlPr>
-                            <a:rPr lang="fr-FR" sz="1000" i="1"/>
+                            <a:rPr lang="fr-FR" sz="1000" i="1">
+                              <a:latin typeface="Cambria Math" panose="02040503050406030204" pitchFamily="18" charset="0"/>
+                            </a:rPr>
                           </m:ctrlPr>
                         </m:naryPr>
                         <m:sub>
                           <m:r>
-                            <a:rPr lang="en-US" sz="1000" i="1"/>
+                            <a:rPr lang="en-US" sz="1000" i="1">
+                              <a:latin typeface="Cambria Math" panose="02040503050406030204" pitchFamily="18" charset="0"/>
+                            </a:rPr>
                             <m:t>𝑡</m:t>
                           </m:r>
                         </m:sub>
                         <m:sup>
                           <m:r>
-                            <a:rPr lang="en-US" sz="1000" i="1"/>
+                            <a:rPr lang="en-US" sz="1000" i="1">
+                              <a:latin typeface="Cambria Math" panose="02040503050406030204" pitchFamily="18" charset="0"/>
+                            </a:rPr>
                             <m:t> </m:t>
                           </m:r>
                         </m:sup>
@@ -4021,57 +4276,79 @@
                           <m:sSub>
                             <m:sSubPr>
                               <m:ctrlPr>
-                                <a:rPr lang="fr-FR" sz="1000" i="1"/>
+                                <a:rPr lang="fr-FR" sz="1000" i="1">
+                                  <a:latin typeface="Cambria Math" panose="02040503050406030204" pitchFamily="18" charset="0"/>
+                                </a:rPr>
                               </m:ctrlPr>
                             </m:sSubPr>
                             <m:e>
                               <m:r>
-                                <a:rPr lang="en-US" sz="1000" i="1"/>
+                                <a:rPr lang="en-US" sz="1000" i="1">
+                                  <a:latin typeface="Cambria Math" panose="02040503050406030204" pitchFamily="18" charset="0"/>
+                                </a:rPr>
                                 <m:t>𝑍</m:t>
                               </m:r>
                             </m:e>
                             <m:sub>
                               <m:r>
-                                <a:rPr lang="en-US" sz="1000" i="1"/>
+                                <a:rPr lang="en-US" sz="1000" i="1">
+                                  <a:latin typeface="Cambria Math" panose="02040503050406030204" pitchFamily="18" charset="0"/>
+                                </a:rPr>
                                 <m:t>𝑗</m:t>
                               </m:r>
                               <m:r>
-                                <a:rPr lang="en-US" sz="1000" i="1"/>
+                                <a:rPr lang="en-US" sz="1000" i="1">
+                                  <a:latin typeface="Cambria Math" panose="02040503050406030204" pitchFamily="18" charset="0"/>
+                                </a:rPr>
                                 <m:t>,</m:t>
                               </m:r>
                               <m:r>
-                                <a:rPr lang="en-US" sz="1000" i="1"/>
+                                <a:rPr lang="en-US" sz="1000" i="1">
+                                  <a:latin typeface="Cambria Math" panose="02040503050406030204" pitchFamily="18" charset="0"/>
+                                </a:rPr>
                                 <m:t>𝑡</m:t>
                               </m:r>
                             </m:sub>
                           </m:sSub>
                           <m:r>
-                            <a:rPr lang="en-US" sz="1000" i="1"/>
+                            <a:rPr lang="en-US" sz="1000" i="1">
+                              <a:latin typeface="Cambria Math" panose="02040503050406030204" pitchFamily="18" charset="0"/>
+                            </a:rPr>
                             <m:t>× </m:t>
                           </m:r>
                           <m:sSub>
                             <m:sSubPr>
                               <m:ctrlPr>
-                                <a:rPr lang="fr-FR" sz="1000" i="1"/>
+                                <a:rPr lang="fr-FR" sz="1000" i="1">
+                                  <a:latin typeface="Cambria Math" panose="02040503050406030204" pitchFamily="18" charset="0"/>
+                                </a:rPr>
                               </m:ctrlPr>
                             </m:sSubPr>
                             <m:e>
                               <m:r>
-                                <a:rPr lang="en-US" sz="1000" i="1"/>
+                                <a:rPr lang="en-US" sz="1000" i="1">
+                                  <a:latin typeface="Cambria Math" panose="02040503050406030204" pitchFamily="18" charset="0"/>
+                                </a:rPr>
                                 <m:t>𝑍</m:t>
                               </m:r>
                             </m:e>
                             <m:sub>
                               <m:r>
-                                <a:rPr lang="en-US" sz="1000" i="1"/>
+                                <a:rPr lang="en-US" sz="1000" i="1">
+                                  <a:latin typeface="Cambria Math" panose="02040503050406030204" pitchFamily="18" charset="0"/>
+                                </a:rPr>
                                 <m:t>𝑘</m:t>
                               </m:r>
                               <m:r>
-                                <a:rPr lang="en-US" sz="1000" i="1"/>
+                                <a:rPr lang="en-US" sz="1000" i="1">
+                                  <a:latin typeface="Cambria Math" panose="02040503050406030204" pitchFamily="18" charset="0"/>
+                                </a:rPr>
                                 <m:t>,</m:t>
                               </m:r>
                               <m:r>
-                                <a:rPr lang="en-US" sz="1000" i="1"/>
+                                <a:rPr lang="en-US" sz="1000" i="1">
+                                  <a:latin typeface="Cambria Math" panose="02040503050406030204" pitchFamily="18" charset="0"/>
+                                </a:rPr>
                                 <m:t>𝑡</m:t>
                               </m:r>
                             </m:sub>
@@ -4092,7 +4369,9 @@
                 <a14:m>
                   <m:oMath xmlns:m="http://schemas.openxmlformats.org/officeDocument/2006/math">
                     <m:r>
-                      <a:rPr lang="en-US" sz="1000" i="1"/>
+                      <a:rPr lang="en-US" sz="1000" i="1">
+                        <a:latin typeface="Cambria Math" panose="02040503050406030204" pitchFamily="18" charset="0"/>
+                      </a:rPr>
                       <m:t>𝑉</m:t>
                     </m:r>
                   </m:oMath>
@@ -4104,11 +4383,15 @@
                 <a14:m>
                   <m:oMath xmlns:m="http://schemas.openxmlformats.org/officeDocument/2006/math">
                     <m:r>
-                      <a:rPr lang="en-US" sz="1000" i="1"/>
+                      <a:rPr lang="en-US" sz="1000" i="1">
+                        <a:latin typeface="Cambria Math" panose="02040503050406030204" pitchFamily="18" charset="0"/>
+                      </a:rPr>
                       <m:t>𝐸</m:t>
                     </m:r>
                     <m:r>
-                      <a:rPr lang="en-US" sz="1000" i="1"/>
+                      <a:rPr lang="en-US" sz="1000" i="1">
+                        <a:latin typeface="Cambria Math" panose="02040503050406030204" pitchFamily="18" charset="0"/>
+                      </a:rPr>
                       <m:t>:</m:t>
                     </m:r>
                     <m:d>
@@ -4116,42 +4399,60 @@
                         <m:begChr m:val="["/>
                         <m:endChr m:val="]"/>
                         <m:ctrlPr>
-                          <a:rPr lang="fr-FR" sz="1000" i="1"/>
+                          <a:rPr lang="fr-FR" sz="1000" i="1">
+                            <a:latin typeface="Cambria Math" panose="02040503050406030204" pitchFamily="18" charset="0"/>
+                          </a:rPr>
                         </m:ctrlPr>
                       </m:dPr>
                       <m:e>
                         <m:r>
-                          <a:rPr lang="en-US" sz="1000" i="1"/>
+                          <a:rPr lang="en-US" sz="1000" i="1">
+                            <a:latin typeface="Cambria Math" panose="02040503050406030204" pitchFamily="18" charset="0"/>
+                          </a:rPr>
                           <m:t>𝐸</m:t>
                         </m:r>
                         <m:r>
-                          <a:rPr lang="en-US" sz="1000" i="1"/>
+                          <a:rPr lang="en-US" sz="1000" i="1">
+                            <a:latin typeface="Cambria Math" panose="02040503050406030204" pitchFamily="18" charset="0"/>
+                          </a:rPr>
                           <m:t>,</m:t>
                         </m:r>
                         <m:r>
-                          <a:rPr lang="en-US" sz="1000" i="1"/>
+                          <a:rPr lang="en-US" sz="1000" i="1">
+                            <a:latin typeface="Cambria Math" panose="02040503050406030204" pitchFamily="18" charset="0"/>
+                          </a:rPr>
                           <m:t>𝑉</m:t>
                         </m:r>
                       </m:e>
                     </m:d>
                     <m:r>
-                      <a:rPr lang="en-US" sz="1000" i="1"/>
+                      <a:rPr lang="en-US" sz="1000" i="1">
+                        <a:latin typeface="Cambria Math" panose="02040503050406030204" pitchFamily="18" charset="0"/>
+                      </a:rPr>
                       <m:t>=</m:t>
                     </m:r>
                     <m:r>
-                      <a:rPr lang="en-US" sz="1000" i="1"/>
+                      <a:rPr lang="en-US" sz="1000" i="1">
+                        <a:latin typeface="Cambria Math" panose="02040503050406030204" pitchFamily="18" charset="0"/>
+                      </a:rPr>
                       <m:t>𝑒𝑖𝑔</m:t>
                     </m:r>
                     <m:r>
-                      <a:rPr lang="en-US" sz="1000" i="1"/>
+                      <a:rPr lang="en-US" sz="1000" i="1">
+                        <a:latin typeface="Cambria Math" panose="02040503050406030204" pitchFamily="18" charset="0"/>
+                      </a:rPr>
                       <m:t>(</m:t>
                     </m:r>
                     <m:r>
-                      <a:rPr lang="en-US" sz="1000" i="1"/>
+                      <a:rPr lang="en-US" sz="1000" i="1">
+                        <a:latin typeface="Cambria Math" panose="02040503050406030204" pitchFamily="18" charset="0"/>
+                      </a:rPr>
                       <m:t>𝐶</m:t>
                     </m:r>
                     <m:r>
-                      <a:rPr lang="en-US" sz="1000" i="1"/>
+                      <a:rPr lang="en-US" sz="1000" i="1">
+                        <a:latin typeface="Cambria Math" panose="02040503050406030204" pitchFamily="18" charset="0"/>
+                      </a:rPr>
                       <m:t>)</m:t>
                     </m:r>
                   </m:oMath>
@@ -4167,7 +4468,9 @@
                 <a14:m>
                   <m:oMath xmlns:m="http://schemas.openxmlformats.org/officeDocument/2006/math">
                     <m:r>
-                      <a:rPr lang="en-US" sz="1000" i="1"/>
+                      <a:rPr lang="en-US" sz="1000" i="1">
+                        <a:latin typeface="Cambria Math" panose="02040503050406030204" pitchFamily="18" charset="0"/>
+                      </a:rPr>
                       <m:t>𝑉</m:t>
                     </m:r>
                   </m:oMath>
@@ -4182,65 +4485,85 @@
                 <a:pPr algn="just"/>
                 <a:r>
                   <a:rPr lang="en-US" sz="1000" dirty="0"/>
-                  <a:t>The K largest ones are removed, based on a given threshold so that </a:t>
+                  <a:t>The K largest ones are removed, based on a given threshold </a:t>
+                </a:r>
+                <a:r>
+                  <a:rPr lang="en-US" sz="1000" dirty="0" smtClean="0"/>
+                  <a:t>such that </a:t>
                 </a:r>
                 <a14:m>
                   <m:oMath xmlns:m="http://schemas.openxmlformats.org/officeDocument/2006/math">
                     <m:r>
-                      <a:rPr lang="en-US" sz="1000" i="1"/>
+                      <a:rPr lang="en-US" sz="1000" i="1">
+                        <a:latin typeface="Cambria Math" panose="02040503050406030204" pitchFamily="18" charset="0"/>
+                      </a:rPr>
                       <m:t>∀</m:t>
                     </m:r>
                     <m:r>
-                      <a:rPr lang="en-US" sz="1000" i="1"/>
+                      <a:rPr lang="en-US" sz="1000" i="1">
+                        <a:latin typeface="Cambria Math" panose="02040503050406030204" pitchFamily="18" charset="0"/>
+                      </a:rPr>
                       <m:t>𝑖</m:t>
                     </m:r>
                     <m:r>
-                      <a:rPr lang="en-US" sz="1000" i="1"/>
+                      <a:rPr lang="en-US" sz="1000" i="1">
+                        <a:latin typeface="Cambria Math" panose="02040503050406030204" pitchFamily="18" charset="0"/>
+                      </a:rPr>
                       <m:t>&lt;</m:t>
                     </m:r>
                     <m:r>
-                      <a:rPr lang="en-US" sz="1000" i="1"/>
+                      <a:rPr lang="en-US" sz="1000" i="1">
+                        <a:latin typeface="Cambria Math" panose="02040503050406030204" pitchFamily="18" charset="0"/>
+                      </a:rPr>
                       <m:t>𝐾</m:t>
                     </m:r>
                     <m:r>
-                      <a:rPr lang="en-US" sz="1000" i="1"/>
-                      <m:t>, </m:t>
-                    </m:r>
-                    <m:r>
-                      <a:rPr lang="fr-FR" sz="1000" b="0" i="1" smtClean="0">
+                      <a:rPr lang="en-US" sz="1000" i="1">
                         <a:latin typeface="Cambria Math" panose="02040503050406030204" pitchFamily="18" charset="0"/>
                       </a:rPr>
-                      <m:t> </m:t>
+                      <m:t>,  </m:t>
                     </m:r>
                     <m:sSub>
                       <m:sSubPr>
                         <m:ctrlPr>
-                          <a:rPr lang="fr-FR" sz="1000" i="1"/>
+                          <a:rPr lang="fr-FR" sz="1000" i="1">
+                            <a:latin typeface="Cambria Math" panose="02040503050406030204" pitchFamily="18" charset="0"/>
+                          </a:rPr>
                         </m:ctrlPr>
                       </m:sSubPr>
                       <m:e>
                         <m:r>
-                          <a:rPr lang="en-US" sz="1000" i="1"/>
+                          <a:rPr lang="en-US" sz="1000" i="1">
+                            <a:latin typeface="Cambria Math" panose="02040503050406030204" pitchFamily="18" charset="0"/>
+                          </a:rPr>
                           <m:t>𝐸</m:t>
                         </m:r>
                       </m:e>
                       <m:sub>
                         <m:r>
-                          <a:rPr lang="en-US" sz="1000" i="1"/>
+                          <a:rPr lang="en-US" sz="1000" i="1">
+                            <a:latin typeface="Cambria Math" panose="02040503050406030204" pitchFamily="18" charset="0"/>
+                          </a:rPr>
                           <m:t>𝑖</m:t>
                         </m:r>
                         <m:r>
-                          <a:rPr lang="en-US" sz="1000" i="1"/>
+                          <a:rPr lang="en-US" sz="1000" i="1">
+                            <a:latin typeface="Cambria Math" panose="02040503050406030204" pitchFamily="18" charset="0"/>
+                          </a:rPr>
                           <m:t> </m:t>
                         </m:r>
                       </m:sub>
                     </m:sSub>
                     <m:r>
-                      <a:rPr lang="en-US" sz="1000" i="1"/>
+                      <a:rPr lang="en-US" sz="1000" i="1">
+                        <a:latin typeface="Cambria Math" panose="02040503050406030204" pitchFamily="18" charset="0"/>
+                      </a:rPr>
                       <m:t>&gt;</m:t>
                     </m:r>
                     <m:r>
-                      <a:rPr lang="en-US" sz="1000" i="1"/>
+                      <a:rPr lang="en-US" sz="1000" i="1">
+                        <a:latin typeface="Cambria Math" panose="02040503050406030204" pitchFamily="18" charset="0"/>
+                      </a:rPr>
                       <m:t>𝑡h𝑟𝑒𝑠h𝑜𝑙𝑑</m:t>
                     </m:r>
                   </m:oMath>
@@ -4255,7 +4578,15 @@
                 <a:pPr algn="just"/>
                 <a:r>
                   <a:rPr lang="en-US" sz="1000" dirty="0"/>
-                  <a:t>We project the data back on the remaining eigenvectors:</a:t>
+                  <a:t>We project the data back </a:t>
+                </a:r>
+                <a:r>
+                  <a:rPr lang="en-US" sz="1000" dirty="0" smtClean="0"/>
+                  <a:t>onto </a:t>
+                </a:r>
+                <a:r>
+                  <a:rPr lang="en-US" sz="1000" dirty="0"/>
+                  <a:t>the remaining eigenvectors:</a:t>
                 </a:r>
                 <a:endParaRPr lang="fr-FR" sz="1000" dirty="0"/>
               </a:p>
@@ -4266,32 +4597,44 @@
                     <m:sSub>
                       <m:sSubPr>
                         <m:ctrlPr>
-                          <a:rPr lang="fr-FR" sz="1000" i="1"/>
+                          <a:rPr lang="fr-FR" sz="1000" i="1">
+                            <a:latin typeface="Cambria Math" panose="02040503050406030204" pitchFamily="18" charset="0"/>
+                          </a:rPr>
                         </m:ctrlPr>
                       </m:sSubPr>
                       <m:e>
                         <m:r>
-                          <a:rPr lang="en-US" sz="1000" i="1"/>
+                          <a:rPr lang="en-US" sz="1000" i="1">
+                            <a:latin typeface="Cambria Math" panose="02040503050406030204" pitchFamily="18" charset="0"/>
+                          </a:rPr>
                           <m:t>𝑅</m:t>
                         </m:r>
                       </m:e>
                       <m:sub>
                         <m:r>
-                          <a:rPr lang="en-US" sz="1000" i="1"/>
+                          <a:rPr lang="en-US" sz="1000" i="1">
+                            <a:latin typeface="Cambria Math" panose="02040503050406030204" pitchFamily="18" charset="0"/>
+                          </a:rPr>
                           <m:t>𝑞</m:t>
                         </m:r>
                         <m:r>
-                          <a:rPr lang="en-US" sz="1000" i="1"/>
+                          <a:rPr lang="en-US" sz="1000" i="1">
+                            <a:latin typeface="Cambria Math" panose="02040503050406030204" pitchFamily="18" charset="0"/>
+                          </a:rPr>
                           <m:t>,</m:t>
                         </m:r>
                         <m:r>
-                          <a:rPr lang="en-US" sz="1000" i="1"/>
+                          <a:rPr lang="en-US" sz="1000" i="1">
+                            <a:latin typeface="Cambria Math" panose="02040503050406030204" pitchFamily="18" charset="0"/>
+                          </a:rPr>
                           <m:t>𝑡</m:t>
                         </m:r>
                       </m:sub>
                     </m:sSub>
                     <m:r>
-                      <a:rPr lang="en-US" sz="1000" i="1"/>
+                      <a:rPr lang="en-US" sz="1000" i="1">
+                        <a:latin typeface="Cambria Math" panose="02040503050406030204" pitchFamily="18" charset="0"/>
+                      </a:rPr>
                       <m:t>= </m:t>
                     </m:r>
                     <m:nary>
@@ -4300,12 +4643,16 @@
                         <m:limLoc m:val="undOvr"/>
                         <m:supHide m:val="on"/>
                         <m:ctrlPr>
-                          <a:rPr lang="fr-FR" sz="1000" i="1"/>
+                          <a:rPr lang="fr-FR" sz="1000" i="1">
+                            <a:latin typeface="Cambria Math" panose="02040503050406030204" pitchFamily="18" charset="0"/>
+                          </a:rPr>
                         </m:ctrlPr>
                       </m:naryPr>
                       <m:sub>
                         <m:r>
-                          <a:rPr lang="en-US" sz="1000" i="1"/>
+                          <a:rPr lang="en-US" sz="1000" i="1">
+                            <a:latin typeface="Cambria Math" panose="02040503050406030204" pitchFamily="18" charset="0"/>
+                          </a:rPr>
                           <m:t>𝑡</m:t>
                         </m:r>
                       </m:sub>
@@ -4314,26 +4661,36 @@
                         <m:sSub>
                           <m:sSubPr>
                             <m:ctrlPr>
-                              <a:rPr lang="fr-FR" sz="1000" i="1"/>
+                              <a:rPr lang="fr-FR" sz="1000" i="1">
+                                <a:latin typeface="Cambria Math" panose="02040503050406030204" pitchFamily="18" charset="0"/>
+                              </a:rPr>
                             </m:ctrlPr>
                           </m:sSubPr>
                           <m:e>
                             <m:r>
-                              <a:rPr lang="en-US" sz="1000" i="1"/>
+                              <a:rPr lang="en-US" sz="1000" i="1">
+                                <a:latin typeface="Cambria Math" panose="02040503050406030204" pitchFamily="18" charset="0"/>
+                              </a:rPr>
                               <m:t>𝑉</m:t>
                             </m:r>
                           </m:e>
                           <m:sub>
                             <m:r>
-                              <a:rPr lang="en-US" sz="1000" i="1"/>
+                              <a:rPr lang="en-US" sz="1000" i="1">
+                                <a:latin typeface="Cambria Math" panose="02040503050406030204" pitchFamily="18" charset="0"/>
+                              </a:rPr>
                               <m:t>𝑗</m:t>
                             </m:r>
                             <m:r>
-                              <a:rPr lang="en-US" sz="1000" i="1"/>
+                              <a:rPr lang="en-US" sz="1000" i="1">
+                                <a:latin typeface="Cambria Math" panose="02040503050406030204" pitchFamily="18" charset="0"/>
+                              </a:rPr>
                               <m:t>,</m:t>
                             </m:r>
                             <m:r>
-                              <a:rPr lang="en-US" sz="1000" i="1"/>
+                              <a:rPr lang="en-US" sz="1000" i="1">
+                                <a:latin typeface="Cambria Math" panose="02040503050406030204" pitchFamily="18" charset="0"/>
+                              </a:rPr>
                               <m:t>𝑞</m:t>
                             </m:r>
                           </m:sub>
@@ -4341,32 +4698,44 @@
                       </m:e>
                     </m:nary>
                     <m:r>
-                      <a:rPr lang="en-US" sz="1000" i="1"/>
+                      <a:rPr lang="en-US" sz="1000" i="1">
+                        <a:latin typeface="Cambria Math" panose="02040503050406030204" pitchFamily="18" charset="0"/>
+                      </a:rPr>
                       <m:t> ×</m:t>
                     </m:r>
                     <m:sSub>
                       <m:sSubPr>
                         <m:ctrlPr>
-                          <a:rPr lang="fr-FR" sz="1000" i="1"/>
+                          <a:rPr lang="fr-FR" sz="1000" i="1">
+                            <a:latin typeface="Cambria Math" panose="02040503050406030204" pitchFamily="18" charset="0"/>
+                          </a:rPr>
                         </m:ctrlPr>
                       </m:sSubPr>
                       <m:e>
                         <m:r>
-                          <a:rPr lang="en-US" sz="1000" i="1"/>
+                          <a:rPr lang="en-US" sz="1000" i="1">
+                            <a:latin typeface="Cambria Math" panose="02040503050406030204" pitchFamily="18" charset="0"/>
+                          </a:rPr>
                           <m:t>𝑍</m:t>
                         </m:r>
                       </m:e>
                       <m:sub>
                         <m:r>
-                          <a:rPr lang="en-US" sz="1000" i="1"/>
+                          <a:rPr lang="en-US" sz="1000" i="1">
+                            <a:latin typeface="Cambria Math" panose="02040503050406030204" pitchFamily="18" charset="0"/>
+                          </a:rPr>
                           <m:t>𝑗</m:t>
                         </m:r>
                         <m:r>
-                          <a:rPr lang="en-US" sz="1000" i="1"/>
+                          <a:rPr lang="en-US" sz="1000" i="1">
+                            <a:latin typeface="Cambria Math" panose="02040503050406030204" pitchFamily="18" charset="0"/>
+                          </a:rPr>
                           <m:t>,</m:t>
                         </m:r>
                         <m:r>
-                          <a:rPr lang="en-US" sz="1000" i="1"/>
+                          <a:rPr lang="en-US" sz="1000" i="1">
+                            <a:latin typeface="Cambria Math" panose="02040503050406030204" pitchFamily="18" charset="0"/>
+                          </a:rPr>
                           <m:t>𝑡</m:t>
                         </m:r>
                       </m:sub>
@@ -4380,36 +4749,50 @@
                 <a14:m>
                   <m:oMath xmlns:m="http://schemas.openxmlformats.org/officeDocument/2006/math">
                     <m:r>
-                      <a:rPr lang="en-US" sz="1000" i="1"/>
+                      <a:rPr lang="en-US" sz="1000" i="1">
+                        <a:latin typeface="Cambria Math" panose="02040503050406030204" pitchFamily="18" charset="0"/>
+                      </a:rPr>
                       <m:t>𝑗</m:t>
                     </m:r>
                     <m:r>
-                      <a:rPr lang="en-US" sz="1000" i="1"/>
+                      <a:rPr lang="en-US" sz="1000" i="1">
+                        <a:latin typeface="Cambria Math" panose="02040503050406030204" pitchFamily="18" charset="0"/>
+                      </a:rPr>
                       <m:t>=</m:t>
                     </m:r>
                     <m:d>
                       <m:dPr>
                         <m:ctrlPr>
-                          <a:rPr lang="fr-FR" sz="1000" i="1"/>
+                          <a:rPr lang="fr-FR" sz="1000" i="1">
+                            <a:latin typeface="Cambria Math" panose="02040503050406030204" pitchFamily="18" charset="0"/>
+                          </a:rPr>
                         </m:ctrlPr>
                       </m:dPr>
                       <m:e>
                         <m:r>
-                          <a:rPr lang="en-US" sz="1000" i="1"/>
+                          <a:rPr lang="en-US" sz="1000" i="1">
+                            <a:latin typeface="Cambria Math" panose="02040503050406030204" pitchFamily="18" charset="0"/>
+                          </a:rPr>
                           <m:t>𝐾</m:t>
                         </m:r>
                         <m:r>
-                          <a:rPr lang="en-US" sz="1000" i="1"/>
+                          <a:rPr lang="en-US" sz="1000" i="1">
+                            <a:latin typeface="Cambria Math" panose="02040503050406030204" pitchFamily="18" charset="0"/>
+                          </a:rPr>
                           <m:t>+1</m:t>
                         </m:r>
                       </m:e>
                     </m:d>
                     <m:r>
-                      <a:rPr lang="en-US" sz="1000" i="1"/>
+                      <a:rPr lang="en-US" sz="1000" i="1">
+                        <a:latin typeface="Cambria Math" panose="02040503050406030204" pitchFamily="18" charset="0"/>
+                      </a:rPr>
                       <m:t>:</m:t>
                     </m:r>
                     <m:r>
-                      <a:rPr lang="en-US" sz="1000" i="1"/>
+                      <a:rPr lang="en-US" sz="1000" i="1">
+                        <a:latin typeface="Cambria Math" panose="02040503050406030204" pitchFamily="18" charset="0"/>
+                      </a:rPr>
                       <m:t>𝐽</m:t>
                     </m:r>
                   </m:oMath>
@@ -4420,7 +4803,23 @@
                 <a:pPr algn="just"/>
                 <a:r>
                   <a:rPr lang="en-US" sz="1000" dirty="0"/>
-                  <a:t>Finally we can project back into channel space:</a:t>
+                  <a:t>Finally we can </a:t>
+                </a:r>
+                <a:r>
+                  <a:rPr lang="en-US" sz="1000" dirty="0" smtClean="0"/>
+                  <a:t>project the eigenvectors </a:t>
+                </a:r>
+                <a:r>
+                  <a:rPr lang="en-US" sz="1000" dirty="0"/>
+                  <a:t>back </a:t>
+                </a:r>
+                <a:r>
+                  <a:rPr lang="en-US" sz="1000" dirty="0" smtClean="0"/>
+                  <a:t>into the </a:t>
+                </a:r>
+                <a:r>
+                  <a:rPr lang="en-US" sz="1000" dirty="0"/>
+                  <a:t>channel space:</a:t>
                 </a:r>
                 <a:endParaRPr lang="fr-FR" sz="1000" dirty="0"/>
               </a:p>
@@ -4435,25 +4834,33 @@
                       <m:sSub>
                         <m:sSubPr>
                           <m:ctrlPr>
-                            <a:rPr lang="fr-FR" sz="1000" i="1"/>
+                            <a:rPr lang="fr-FR" sz="1000" i="1">
+                              <a:latin typeface="Cambria Math" panose="02040503050406030204" pitchFamily="18" charset="0"/>
+                            </a:rPr>
                           </m:ctrlPr>
                         </m:sSubPr>
                         <m:e>
                           <m:sSub>
                             <m:sSubPr>
                               <m:ctrlPr>
-                                <a:rPr lang="fr-FR" sz="1000" i="1"/>
+                                <a:rPr lang="fr-FR" sz="1000" i="1">
+                                  <a:latin typeface="Cambria Math" panose="02040503050406030204" pitchFamily="18" charset="0"/>
+                                </a:rPr>
                               </m:ctrlPr>
                             </m:sSubPr>
                             <m:e>
                               <m:r>
-                                <a:rPr lang="en-US" sz="1000" i="1"/>
+                                <a:rPr lang="en-US" sz="1000" i="1">
+                                  <a:latin typeface="Cambria Math" panose="02040503050406030204" pitchFamily="18" charset="0"/>
+                                </a:rPr>
                                 <m:t>𝑍</m:t>
                               </m:r>
                             </m:e>
                             <m:sub>
                               <m:r>
-                                <a:rPr lang="en-US" sz="1000" i="1"/>
+                                <a:rPr lang="en-US" sz="1000" i="1">
+                                  <a:latin typeface="Cambria Math" panose="02040503050406030204" pitchFamily="18" charset="0"/>
+                                </a:rPr>
                                 <m:t>𝑟𝑒𝑐𝑜𝑛𝑠𝑡𝑟𝑢𝑐𝑡𝑒𝑑</m:t>
                               </m:r>
                             </m:sub>
@@ -4461,21 +4868,29 @@
                         </m:e>
                         <m:sub>
                           <m:r>
-                            <a:rPr lang="en-US" sz="1000" i="1"/>
+                            <a:rPr lang="en-US" sz="1000" i="1">
+                              <a:latin typeface="Cambria Math" panose="02040503050406030204" pitchFamily="18" charset="0"/>
+                            </a:rPr>
                             <m:t>𝑗</m:t>
                           </m:r>
                           <m:r>
-                            <a:rPr lang="en-US" sz="1000" i="1"/>
+                            <a:rPr lang="en-US" sz="1000" i="1">
+                              <a:latin typeface="Cambria Math" panose="02040503050406030204" pitchFamily="18" charset="0"/>
+                            </a:rPr>
                             <m:t>,</m:t>
                           </m:r>
                           <m:r>
-                            <a:rPr lang="en-US" sz="1000" i="1"/>
+                            <a:rPr lang="en-US" sz="1000" i="1">
+                              <a:latin typeface="Cambria Math" panose="02040503050406030204" pitchFamily="18" charset="0"/>
+                            </a:rPr>
                             <m:t>𝑡</m:t>
                           </m:r>
                         </m:sub>
                       </m:sSub>
                       <m:r>
-                        <a:rPr lang="en-US" sz="1000" i="1"/>
+                        <a:rPr lang="en-US" sz="1000" i="1">
+                          <a:latin typeface="Cambria Math" panose="02040503050406030204" pitchFamily="18" charset="0"/>
+                        </a:rPr>
                         <m:t>= </m:t>
                       </m:r>
                       <m:nary>
@@ -4484,12 +4899,16 @@
                           <m:limLoc m:val="undOvr"/>
                           <m:supHide m:val="on"/>
                           <m:ctrlPr>
-                            <a:rPr lang="fr-FR" sz="1000" i="1"/>
+                            <a:rPr lang="fr-FR" sz="1000" i="1">
+                              <a:latin typeface="Cambria Math" panose="02040503050406030204" pitchFamily="18" charset="0"/>
+                            </a:rPr>
                           </m:ctrlPr>
                         </m:naryPr>
                         <m:sub>
                           <m:r>
-                            <a:rPr lang="en-US" sz="1000" i="1"/>
+                            <a:rPr lang="en-US" sz="1000" i="1">
+                              <a:latin typeface="Cambria Math" panose="02040503050406030204" pitchFamily="18" charset="0"/>
+                            </a:rPr>
                             <m:t>𝑞</m:t>
                           </m:r>
                         </m:sub>
@@ -4498,57 +4917,79 @@
                           <m:sSub>
                             <m:sSubPr>
                               <m:ctrlPr>
-                                <a:rPr lang="fr-FR" sz="1000" i="1"/>
+                                <a:rPr lang="fr-FR" sz="1000" i="1">
+                                  <a:latin typeface="Cambria Math" panose="02040503050406030204" pitchFamily="18" charset="0"/>
+                                </a:rPr>
                               </m:ctrlPr>
                             </m:sSubPr>
                             <m:e>
                               <m:r>
-                                <a:rPr lang="en-US" sz="1000" i="1"/>
+                                <a:rPr lang="en-US" sz="1000" i="1">
+                                  <a:latin typeface="Cambria Math" panose="02040503050406030204" pitchFamily="18" charset="0"/>
+                                </a:rPr>
                                 <m:t>𝑉</m:t>
                               </m:r>
                             </m:e>
                             <m:sub>
                               <m:r>
-                                <a:rPr lang="en-US" sz="1000" i="1"/>
+                                <a:rPr lang="en-US" sz="1000" i="1">
+                                  <a:latin typeface="Cambria Math" panose="02040503050406030204" pitchFamily="18" charset="0"/>
+                                </a:rPr>
                                 <m:t>𝑗</m:t>
                               </m:r>
                               <m:r>
-                                <a:rPr lang="en-US" sz="1000" i="1"/>
+                                <a:rPr lang="en-US" sz="1000" i="1">
+                                  <a:latin typeface="Cambria Math" panose="02040503050406030204" pitchFamily="18" charset="0"/>
+                                </a:rPr>
                                 <m:t>,</m:t>
                               </m:r>
                               <m:r>
-                                <a:rPr lang="en-US" sz="1000" i="1"/>
+                                <a:rPr lang="en-US" sz="1000" i="1">
+                                  <a:latin typeface="Cambria Math" panose="02040503050406030204" pitchFamily="18" charset="0"/>
+                                </a:rPr>
                                 <m:t>𝑞</m:t>
                               </m:r>
                             </m:sub>
                           </m:sSub>
                           <m:r>
-                            <a:rPr lang="en-US" sz="1000" i="1"/>
+                            <a:rPr lang="en-US" sz="1000" i="1">
+                              <a:latin typeface="Cambria Math" panose="02040503050406030204" pitchFamily="18" charset="0"/>
+                            </a:rPr>
                             <m:t>×</m:t>
                           </m:r>
                           <m:sSub>
                             <m:sSubPr>
                               <m:ctrlPr>
-                                <a:rPr lang="fr-FR" sz="1000" i="1"/>
+                                <a:rPr lang="fr-FR" sz="1000" i="1">
+                                  <a:latin typeface="Cambria Math" panose="02040503050406030204" pitchFamily="18" charset="0"/>
+                                </a:rPr>
                               </m:ctrlPr>
                             </m:sSubPr>
                             <m:e>
                               <m:r>
-                                <a:rPr lang="en-US" sz="1000" i="1"/>
+                                <a:rPr lang="en-US" sz="1000" i="1">
+                                  <a:latin typeface="Cambria Math" panose="02040503050406030204" pitchFamily="18" charset="0"/>
+                                </a:rPr>
                                 <m:t>𝑅</m:t>
                               </m:r>
                             </m:e>
                             <m:sub>
                               <m:r>
-                                <a:rPr lang="en-US" sz="1000" i="1"/>
+                                <a:rPr lang="en-US" sz="1000" i="1">
+                                  <a:latin typeface="Cambria Math" panose="02040503050406030204" pitchFamily="18" charset="0"/>
+                                </a:rPr>
                                 <m:t>𝑞</m:t>
                               </m:r>
                               <m:r>
-                                <a:rPr lang="en-US" sz="1000" i="1"/>
+                                <a:rPr lang="en-US" sz="1000" i="1">
+                                  <a:latin typeface="Cambria Math" panose="02040503050406030204" pitchFamily="18" charset="0"/>
+                                </a:rPr>
                                 <m:t>,</m:t>
                               </m:r>
                               <m:r>
-                                <a:rPr lang="en-US" sz="1000" i="1"/>
+                                <a:rPr lang="en-US" sz="1000" i="1">
+                                  <a:latin typeface="Cambria Math" panose="02040503050406030204" pitchFamily="18" charset="0"/>
+                                </a:rPr>
                                 <m:t>𝑡</m:t>
                               </m:r>
                             </m:sub>
@@ -4564,7 +5005,15 @@
                 <a:pPr algn="just"/>
                 <a:r>
                   <a:rPr lang="en-US" sz="1000" dirty="0"/>
-                  <a:t>And we can add the mean back</a:t>
+                  <a:t>And we </a:t>
+                </a:r>
+                <a:r>
+                  <a:rPr lang="en-US" sz="1000" dirty="0" smtClean="0"/>
+                  <a:t>add </a:t>
+                </a:r>
+                <a:r>
+                  <a:rPr lang="en-US" sz="1000" dirty="0"/>
+                  <a:t>the mean back</a:t>
                 </a:r>
                 <a:r>
                   <a:rPr lang="en-US" sz="1000" dirty="0" smtClean="0"/>
@@ -4582,43 +5031,59 @@
                     <m:sSub>
                       <m:sSubPr>
                         <m:ctrlPr>
-                          <a:rPr lang="fr-FR" sz="1000" i="1"/>
+                          <a:rPr lang="fr-FR" sz="1000" i="1">
+                            <a:latin typeface="Cambria Math" panose="02040503050406030204" pitchFamily="18" charset="0"/>
+                          </a:rPr>
                         </m:ctrlPr>
                       </m:sSubPr>
                       <m:e>
                         <m:r>
-                          <a:rPr lang="en-US" sz="1000" i="1"/>
+                          <a:rPr lang="en-US" sz="1000" i="1">
+                            <a:latin typeface="Cambria Math" panose="02040503050406030204" pitchFamily="18" charset="0"/>
+                          </a:rPr>
                           <m:t>𝑌</m:t>
                         </m:r>
                       </m:e>
                       <m:sub>
                         <m:r>
-                          <a:rPr lang="en-US" sz="1000" i="1"/>
+                          <a:rPr lang="en-US" sz="1000" i="1">
+                            <a:latin typeface="Cambria Math" panose="02040503050406030204" pitchFamily="18" charset="0"/>
+                          </a:rPr>
                           <m:t>𝑟𝑒𝑐𝑜𝑛𝑠𝑡𝑟𝑢𝑐𝑡𝑒</m:t>
                         </m:r>
                         <m:sSub>
                           <m:sSubPr>
                             <m:ctrlPr>
-                              <a:rPr lang="fr-FR" sz="1000" i="1"/>
+                              <a:rPr lang="fr-FR" sz="1000" i="1">
+                                <a:latin typeface="Cambria Math" panose="02040503050406030204" pitchFamily="18" charset="0"/>
+                              </a:rPr>
                             </m:ctrlPr>
                           </m:sSubPr>
                           <m:e>
                             <m:r>
-                              <a:rPr lang="en-US" sz="1000" i="1"/>
+                              <a:rPr lang="en-US" sz="1000" i="1">
+                                <a:latin typeface="Cambria Math" panose="02040503050406030204" pitchFamily="18" charset="0"/>
+                              </a:rPr>
                               <m:t>𝑑</m:t>
                             </m:r>
                           </m:e>
                           <m:sub>
                             <m:r>
-                              <a:rPr lang="en-US" sz="1000" i="1"/>
+                              <a:rPr lang="en-US" sz="1000" i="1">
+                                <a:latin typeface="Cambria Math" panose="02040503050406030204" pitchFamily="18" charset="0"/>
+                              </a:rPr>
                               <m:t>𝑗</m:t>
                             </m:r>
                             <m:r>
-                              <a:rPr lang="en-US" sz="1000" i="1"/>
+                              <a:rPr lang="en-US" sz="1000" i="1">
+                                <a:latin typeface="Cambria Math" panose="02040503050406030204" pitchFamily="18" charset="0"/>
+                              </a:rPr>
                               <m:t>,</m:t>
                             </m:r>
                             <m:r>
-                              <a:rPr lang="en-US" sz="1000" i="1"/>
+                              <a:rPr lang="en-US" sz="1000" i="1">
+                                <a:latin typeface="Cambria Math" panose="02040503050406030204" pitchFamily="18" charset="0"/>
+                              </a:rPr>
                               <m:t>𝑡</m:t>
                             </m:r>
                           </m:sub>
@@ -4626,74 +5091,100 @@
                       </m:sub>
                     </m:sSub>
                     <m:r>
-                      <a:rPr lang="en-US" sz="1000" i="1"/>
+                      <a:rPr lang="en-US" sz="1000" i="1">
+                        <a:latin typeface="Cambria Math" panose="02040503050406030204" pitchFamily="18" charset="0"/>
+                      </a:rPr>
                       <m:t>= </m:t>
                     </m:r>
                     <m:sSub>
                       <m:sSubPr>
                         <m:ctrlPr>
-                          <a:rPr lang="fr-FR" sz="1000" i="1"/>
+                          <a:rPr lang="fr-FR" sz="1000" i="1">
+                            <a:latin typeface="Cambria Math" panose="02040503050406030204" pitchFamily="18" charset="0"/>
+                          </a:rPr>
                         </m:ctrlPr>
                       </m:sSubPr>
                       <m:e>
                         <m:r>
-                          <a:rPr lang="en-US" sz="1000" i="1"/>
+                          <a:rPr lang="en-US" sz="1000" i="1">
+                            <a:latin typeface="Cambria Math" panose="02040503050406030204" pitchFamily="18" charset="0"/>
+                          </a:rPr>
                           <m:t>µ</m:t>
                         </m:r>
                       </m:e>
                       <m:sub>
                         <m:r>
-                          <a:rPr lang="en-US" sz="1000" i="1"/>
+                          <a:rPr lang="en-US" sz="1000" i="1">
+                            <a:latin typeface="Cambria Math" panose="02040503050406030204" pitchFamily="18" charset="0"/>
+                          </a:rPr>
                           <m:t>𝑗</m:t>
                         </m:r>
                       </m:sub>
                     </m:sSub>
                     <m:r>
-                      <a:rPr lang="en-US" sz="1000" i="1"/>
+                      <a:rPr lang="en-US" sz="1000" i="1">
+                        <a:latin typeface="Cambria Math" panose="02040503050406030204" pitchFamily="18" charset="0"/>
+                      </a:rPr>
                       <m:t>+</m:t>
                     </m:r>
                     <m:sSub>
                       <m:sSubPr>
                         <m:ctrlPr>
-                          <a:rPr lang="fr-FR" sz="1000" i="1"/>
+                          <a:rPr lang="fr-FR" sz="1000" i="1">
+                            <a:latin typeface="Cambria Math" panose="02040503050406030204" pitchFamily="18" charset="0"/>
+                          </a:rPr>
                         </m:ctrlPr>
                       </m:sSubPr>
                       <m:e>
                         <m:r>
-                          <a:rPr lang="en-US" sz="1000" i="1"/>
+                          <a:rPr lang="en-US" sz="1000" i="1">
+                            <a:latin typeface="Cambria Math" panose="02040503050406030204" pitchFamily="18" charset="0"/>
+                          </a:rPr>
                           <m:t>𝑍</m:t>
                         </m:r>
                       </m:e>
                       <m:sub>
                         <m:r>
-                          <a:rPr lang="en-US" sz="1000" i="1"/>
+                          <a:rPr lang="en-US" sz="1000" i="1">
+                            <a:latin typeface="Cambria Math" panose="02040503050406030204" pitchFamily="18" charset="0"/>
+                          </a:rPr>
                           <m:t>𝑟𝑒𝑐𝑜𝑛𝑠𝑡𝑟𝑢𝑐𝑡𝑒</m:t>
                         </m:r>
                         <m:sSub>
                           <m:sSubPr>
                             <m:ctrlPr>
-                              <a:rPr lang="fr-FR" sz="1000" i="1"/>
+                              <a:rPr lang="fr-FR" sz="1000" i="1">
+                                <a:latin typeface="Cambria Math" panose="02040503050406030204" pitchFamily="18" charset="0"/>
+                              </a:rPr>
                             </m:ctrlPr>
                           </m:sSubPr>
                           <m:e>
                             <m:r>
-                              <a:rPr lang="en-US" sz="1000" i="1"/>
+                              <a:rPr lang="en-US" sz="1000" i="1">
+                                <a:latin typeface="Cambria Math" panose="02040503050406030204" pitchFamily="18" charset="0"/>
+                              </a:rPr>
                               <m:t>𝑑</m:t>
                             </m:r>
                           </m:e>
                           <m:sub>
                             <m:r>
-                              <a:rPr lang="en-US" sz="1000" i="1"/>
+                              <a:rPr lang="en-US" sz="1000" i="1">
+                                <a:latin typeface="Cambria Math" panose="02040503050406030204" pitchFamily="18" charset="0"/>
+                              </a:rPr>
                               <m:t>𝑗</m:t>
                             </m:r>
                           </m:sub>
                         </m:sSub>
                         <m:r>
-                          <a:rPr lang="en-US" sz="1000" i="1"/>
+                          <a:rPr lang="en-US" sz="1000" i="1">
+                            <a:latin typeface="Cambria Math" panose="02040503050406030204" pitchFamily="18" charset="0"/>
+                          </a:rPr>
                           <m:t>,</m:t>
                         </m:r>
                         <m:r>
-                          <a:rPr lang="en-US" sz="1000" i="1"/>
+                          <a:rPr lang="en-US" sz="1000" i="1">
+                            <a:latin typeface="Cambria Math" panose="02040503050406030204" pitchFamily="18" charset="0"/>
+                          </a:rPr>
                           <m:t>𝑡</m:t>
                         </m:r>
                       </m:sub>
@@ -4717,7 +5208,7 @@
             <p:spPr>
               <a:xfrm>
                 <a:off x="15030" y="1788675"/>
-                <a:ext cx="3852037" cy="5020926"/>
+                <a:ext cx="3852037" cy="5144293"/>
               </a:xfrm>
               <a:prstGeom prst="rect">
                 <a:avLst/>
@@ -4725,7 +5216,7 @@
               <a:blipFill rotWithShape="0">
                 <a:blip r:embed="rId5"/>
                 <a:stretch>
-                  <a:fillRect b="-3269"/>
+                  <a:fillRect b="-3310"/>
                 </a:stretch>
               </a:blipFill>
               <a:ln>
@@ -4786,7 +5277,59 @@
             <a:pPr algn="just"/>
             <a:r>
               <a:rPr lang="en-US" sz="1000" dirty="0" smtClean="0"/>
-              <a:t>When EEGs are recorded, electrodes are placed on the head of patients in order to measure the brain’s electrical activity. However, those measures can be disturbed by any muscular movement such as eye movement, that will create huge variations in the amplitude of the recorded signal. Those variations, called artifacts, make the recording noisy, and our purpose has been to try to remove those artifacts.</a:t>
+              <a:t>When EEGs are recorded, electrodes are placed on the head of patients in order to measure the brain’s electrical activity. However, </a:t>
+            </a:r>
+            <a:r>
+              <a:rPr lang="en-US" sz="1000" dirty="0" smtClean="0"/>
+              <a:t>these </a:t>
+            </a:r>
+            <a:r>
+              <a:rPr lang="en-US" sz="1000" dirty="0" smtClean="0"/>
+              <a:t>measures can be disturbed by </a:t>
+            </a:r>
+            <a:r>
+              <a:rPr lang="en-US" sz="1000" dirty="0" smtClean="0"/>
+              <a:t>noise caused by muscular movements </a:t>
+            </a:r>
+            <a:r>
+              <a:rPr lang="en-US" sz="1000" dirty="0" smtClean="0"/>
+              <a:t>such as </a:t>
+            </a:r>
+            <a:r>
+              <a:rPr lang="en-US" sz="1000" dirty="0" smtClean="0"/>
+              <a:t>eyelid movement. This creates large spikes </a:t>
+            </a:r>
+            <a:r>
+              <a:rPr lang="en-US" sz="1000" dirty="0" smtClean="0"/>
+              <a:t>in </a:t>
+            </a:r>
+            <a:r>
+              <a:rPr lang="en-US" sz="1000" dirty="0" smtClean="0"/>
+              <a:t>amplitude </a:t>
+            </a:r>
+            <a:r>
+              <a:rPr lang="en-US" sz="1000" dirty="0" smtClean="0"/>
+              <a:t>of the recorded </a:t>
+            </a:r>
+            <a:r>
+              <a:rPr lang="en-US" sz="1000" dirty="0" smtClean="0"/>
+              <a:t>signal artifacts. Our </a:t>
+            </a:r>
+            <a:r>
+              <a:rPr lang="en-US" sz="1000" dirty="0" smtClean="0"/>
+              <a:t>purpose </a:t>
+            </a:r>
+            <a:r>
+              <a:rPr lang="en-US" sz="1000" dirty="0" smtClean="0"/>
+              <a:t>is </a:t>
+            </a:r>
+            <a:r>
+              <a:rPr lang="en-US" sz="1000" dirty="0" smtClean="0"/>
+              <a:t>to try to remove </a:t>
+            </a:r>
+            <a:r>
+              <a:rPr lang="en-US" sz="1000" dirty="0" smtClean="0"/>
+              <a:t>them.</a:t>
             </a:r>
             <a:endParaRPr lang="en-US" sz="1000" dirty="0"/>
           </a:p>
@@ -4814,7 +5357,7 @@
         </p:blipFill>
         <p:spPr>
           <a:xfrm>
-            <a:off x="8403108" y="2037578"/>
+            <a:off x="8403108" y="1844393"/>
             <a:ext cx="3750524" cy="2923512"/>
           </a:xfrm>
           <a:prstGeom prst="rect">
@@ -4822,6 +5365,711 @@
           </a:prstGeom>
         </p:spPr>
       </p:pic>
+      <p:sp>
+        <p:nvSpPr>
+          <p:cNvPr id="14" name="ZoneTexte 13"/>
+          <p:cNvSpPr txBox="1"/>
+          <p:nvPr/>
+        </p:nvSpPr>
+        <p:spPr>
+          <a:xfrm>
+            <a:off x="8562081" y="4796387"/>
+            <a:ext cx="3432577" cy="246221"/>
+          </a:xfrm>
+          <a:prstGeom prst="rect">
+            <a:avLst/>
+          </a:prstGeom>
+          <a:solidFill>
+            <a:schemeClr val="bg1"/>
+          </a:solidFill>
+        </p:spPr>
+        <p:txBody>
+          <a:bodyPr wrap="square" rtlCol="0">
+            <a:spAutoFit/>
+          </a:bodyPr>
+          <a:lstStyle/>
+          <a:p>
+            <a:pPr algn="just"/>
+            <a:r>
+              <a:rPr lang="en-US" sz="1000" b="1" dirty="0" smtClean="0"/>
+              <a:t>Figure </a:t>
+            </a:r>
+            <a:r>
+              <a:rPr lang="en-US" sz="1000" b="1" dirty="0" smtClean="0"/>
+              <a:t>3:</a:t>
+            </a:r>
+            <a:r>
+              <a:rPr lang="en-US" sz="1000" dirty="0" smtClean="0"/>
+              <a:t> cross-validation between thresholds and window size</a:t>
+            </a:r>
+            <a:endParaRPr lang="en-US" sz="1000" dirty="0"/>
+          </a:p>
+        </p:txBody>
+      </p:sp>
+      <p:graphicFrame>
+        <p:nvGraphicFramePr>
+          <p:cNvPr id="3" name="Tableau 2"/>
+          <p:cNvGraphicFramePr>
+            <a:graphicFrameLocks noGrp="1"/>
+          </p:cNvGraphicFramePr>
+          <p:nvPr>
+            <p:extLst>
+              <p:ext uri="{D42A27DB-BD31-4B8C-83A1-F6EECF244321}">
+                <p14:modId xmlns:p14="http://schemas.microsoft.com/office/powerpoint/2010/main" val="4188452280"/>
+              </p:ext>
+            </p:extLst>
+          </p:nvPr>
+        </p:nvGraphicFramePr>
+        <p:xfrm>
+          <a:off x="8804045" y="5246507"/>
+          <a:ext cx="2914812" cy="731520"/>
+        </p:xfrm>
+        <a:graphic>
+          <a:graphicData uri="http://schemas.openxmlformats.org/drawingml/2006/table">
+            <a:tbl>
+              <a:tblPr>
+                <a:tableStyleId>{5C22544A-7EE6-4342-B048-85BDC9FD1C3A}</a:tableStyleId>
+              </a:tblPr>
+              <a:tblGrid>
+                <a:gridCol w="728703"/>
+                <a:gridCol w="728703"/>
+                <a:gridCol w="728703"/>
+                <a:gridCol w="728703"/>
+              </a:tblGrid>
+              <a:tr h="223668">
+                <a:tc>
+                  <a:txBody>
+                    <a:bodyPr/>
+                    <a:lstStyle/>
+                    <a:p>
+                      <a:r>
+                        <a:rPr lang="fr-FR" sz="1000" dirty="0" err="1" smtClean="0"/>
+                        <a:t>Threshold</a:t>
+                      </a:r>
+                      <a:endParaRPr lang="fr-FR" sz="1000" dirty="0"/>
+                    </a:p>
+                  </a:txBody>
+                  <a:tcPr>
+                    <a:lnL w="12700" cap="flat" cmpd="sng" algn="ctr">
+                      <a:solidFill>
+                        <a:schemeClr val="tx1"/>
+                      </a:solidFill>
+                      <a:prstDash val="solid"/>
+                      <a:round/>
+                      <a:headEnd type="none" w="med" len="med"/>
+                      <a:tailEnd type="none" w="med" len="med"/>
+                    </a:lnL>
+                    <a:lnR w="12700" cap="flat" cmpd="sng" algn="ctr">
+                      <a:solidFill>
+                        <a:schemeClr val="tx1"/>
+                      </a:solidFill>
+                      <a:prstDash val="solid"/>
+                      <a:round/>
+                      <a:headEnd type="none" w="med" len="med"/>
+                      <a:tailEnd type="none" w="med" len="med"/>
+                    </a:lnR>
+                    <a:lnT w="12700" cap="flat" cmpd="sng" algn="ctr">
+                      <a:solidFill>
+                        <a:schemeClr val="tx1"/>
+                      </a:solidFill>
+                      <a:prstDash val="solid"/>
+                      <a:round/>
+                      <a:headEnd type="none" w="med" len="med"/>
+                      <a:tailEnd type="none" w="med" len="med"/>
+                    </a:lnT>
+                    <a:lnB w="12700" cap="flat" cmpd="sng" algn="ctr">
+                      <a:solidFill>
+                        <a:schemeClr val="tx1"/>
+                      </a:solidFill>
+                      <a:prstDash val="solid"/>
+                      <a:round/>
+                      <a:headEnd type="none" w="med" len="med"/>
+                      <a:tailEnd type="none" w="med" len="med"/>
+                    </a:lnB>
+                    <a:noFill/>
+                  </a:tcPr>
+                </a:tc>
+                <a:tc>
+                  <a:txBody>
+                    <a:bodyPr/>
+                    <a:lstStyle/>
+                    <a:p>
+                      <a:r>
+                        <a:rPr lang="fr-FR" sz="1000" dirty="0" smtClean="0"/>
+                        <a:t>Max</a:t>
+                      </a:r>
+                      <a:endParaRPr lang="fr-FR" sz="1000" dirty="0"/>
+                    </a:p>
+                  </a:txBody>
+                  <a:tcPr>
+                    <a:lnL w="12700" cap="flat" cmpd="sng" algn="ctr">
+                      <a:solidFill>
+                        <a:schemeClr val="tx1"/>
+                      </a:solidFill>
+                      <a:prstDash val="solid"/>
+                      <a:round/>
+                      <a:headEnd type="none" w="med" len="med"/>
+                      <a:tailEnd type="none" w="med" len="med"/>
+                    </a:lnL>
+                    <a:lnR w="12700" cap="flat" cmpd="sng" algn="ctr">
+                      <a:solidFill>
+                        <a:schemeClr val="tx1"/>
+                      </a:solidFill>
+                      <a:prstDash val="solid"/>
+                      <a:round/>
+                      <a:headEnd type="none" w="med" len="med"/>
+                      <a:tailEnd type="none" w="med" len="med"/>
+                    </a:lnR>
+                    <a:lnT w="12700" cap="flat" cmpd="sng" algn="ctr">
+                      <a:solidFill>
+                        <a:schemeClr val="tx1"/>
+                      </a:solidFill>
+                      <a:prstDash val="solid"/>
+                      <a:round/>
+                      <a:headEnd type="none" w="med" len="med"/>
+                      <a:tailEnd type="none" w="med" len="med"/>
+                    </a:lnT>
+                    <a:lnB w="12700" cap="flat" cmpd="sng" algn="ctr">
+                      <a:solidFill>
+                        <a:schemeClr val="tx1"/>
+                      </a:solidFill>
+                      <a:prstDash val="solid"/>
+                      <a:round/>
+                      <a:headEnd type="none" w="med" len="med"/>
+                      <a:tailEnd type="none" w="med" len="med"/>
+                    </a:lnB>
+                    <a:noFill/>
+                  </a:tcPr>
+                </a:tc>
+                <a:tc>
+                  <a:txBody>
+                    <a:bodyPr/>
+                    <a:lstStyle/>
+                    <a:p>
+                      <a:r>
+                        <a:rPr lang="fr-FR" sz="1000" dirty="0" smtClean="0"/>
+                        <a:t>AVG</a:t>
+                      </a:r>
+                      <a:endParaRPr lang="fr-FR" sz="1000" dirty="0"/>
+                    </a:p>
+                  </a:txBody>
+                  <a:tcPr>
+                    <a:lnL w="12700" cap="flat" cmpd="sng" algn="ctr">
+                      <a:solidFill>
+                        <a:schemeClr val="tx1"/>
+                      </a:solidFill>
+                      <a:prstDash val="solid"/>
+                      <a:round/>
+                      <a:headEnd type="none" w="med" len="med"/>
+                      <a:tailEnd type="none" w="med" len="med"/>
+                    </a:lnL>
+                    <a:lnR w="12700" cap="flat" cmpd="sng" algn="ctr">
+                      <a:solidFill>
+                        <a:schemeClr val="tx1"/>
+                      </a:solidFill>
+                      <a:prstDash val="solid"/>
+                      <a:round/>
+                      <a:headEnd type="none" w="med" len="med"/>
+                      <a:tailEnd type="none" w="med" len="med"/>
+                    </a:lnR>
+                    <a:lnT w="12700" cap="flat" cmpd="sng" algn="ctr">
+                      <a:solidFill>
+                        <a:schemeClr val="tx1"/>
+                      </a:solidFill>
+                      <a:prstDash val="solid"/>
+                      <a:round/>
+                      <a:headEnd type="none" w="med" len="med"/>
+                      <a:tailEnd type="none" w="med" len="med"/>
+                    </a:lnT>
+                    <a:lnB w="12700" cap="flat" cmpd="sng" algn="ctr">
+                      <a:solidFill>
+                        <a:schemeClr val="tx1"/>
+                      </a:solidFill>
+                      <a:prstDash val="solid"/>
+                      <a:round/>
+                      <a:headEnd type="none" w="med" len="med"/>
+                      <a:tailEnd type="none" w="med" len="med"/>
+                    </a:lnB>
+                    <a:noFill/>
+                  </a:tcPr>
+                </a:tc>
+                <a:tc>
+                  <a:txBody>
+                    <a:bodyPr/>
+                    <a:lstStyle/>
+                    <a:p>
+                      <a:r>
+                        <a:rPr lang="fr-FR" sz="1000" dirty="0" smtClean="0"/>
+                        <a:t>MAX_AVG</a:t>
+                      </a:r>
+                      <a:endParaRPr lang="fr-FR" sz="1000" dirty="0"/>
+                    </a:p>
+                  </a:txBody>
+                  <a:tcPr>
+                    <a:lnL w="12700" cap="flat" cmpd="sng" algn="ctr">
+                      <a:solidFill>
+                        <a:schemeClr val="tx1"/>
+                      </a:solidFill>
+                      <a:prstDash val="solid"/>
+                      <a:round/>
+                      <a:headEnd type="none" w="med" len="med"/>
+                      <a:tailEnd type="none" w="med" len="med"/>
+                    </a:lnL>
+                    <a:lnR w="12700" cap="flat" cmpd="sng" algn="ctr">
+                      <a:solidFill>
+                        <a:schemeClr val="tx1"/>
+                      </a:solidFill>
+                      <a:prstDash val="solid"/>
+                      <a:round/>
+                      <a:headEnd type="none" w="med" len="med"/>
+                      <a:tailEnd type="none" w="med" len="med"/>
+                    </a:lnR>
+                    <a:lnT w="12700" cap="flat" cmpd="sng" algn="ctr">
+                      <a:solidFill>
+                        <a:schemeClr val="tx1"/>
+                      </a:solidFill>
+                      <a:prstDash val="solid"/>
+                      <a:round/>
+                      <a:headEnd type="none" w="med" len="med"/>
+                      <a:tailEnd type="none" w="med" len="med"/>
+                    </a:lnT>
+                    <a:lnB w="12700" cap="flat" cmpd="sng" algn="ctr">
+                      <a:solidFill>
+                        <a:schemeClr val="tx1"/>
+                      </a:solidFill>
+                      <a:prstDash val="solid"/>
+                      <a:round/>
+                      <a:headEnd type="none" w="med" len="med"/>
+                      <a:tailEnd type="none" w="med" len="med"/>
+                    </a:lnB>
+                    <a:noFill/>
+                  </a:tcPr>
+                </a:tc>
+              </a:tr>
+              <a:tr h="223668">
+                <a:tc>
+                  <a:txBody>
+                    <a:bodyPr/>
+                    <a:lstStyle/>
+                    <a:p>
+                      <a:r>
+                        <a:rPr lang="fr-FR" sz="1000" dirty="0" err="1" smtClean="0"/>
+                        <a:t>Sensitivity</a:t>
+                      </a:r>
+                      <a:endParaRPr lang="fr-FR" sz="1000" dirty="0"/>
+                    </a:p>
+                  </a:txBody>
+                  <a:tcPr>
+                    <a:lnL w="12700" cap="flat" cmpd="sng" algn="ctr">
+                      <a:solidFill>
+                        <a:schemeClr val="tx1"/>
+                      </a:solidFill>
+                      <a:prstDash val="solid"/>
+                      <a:round/>
+                      <a:headEnd type="none" w="med" len="med"/>
+                      <a:tailEnd type="none" w="med" len="med"/>
+                    </a:lnL>
+                    <a:lnR w="12700" cap="flat" cmpd="sng" algn="ctr">
+                      <a:solidFill>
+                        <a:schemeClr val="tx1"/>
+                      </a:solidFill>
+                      <a:prstDash val="solid"/>
+                      <a:round/>
+                      <a:headEnd type="none" w="med" len="med"/>
+                      <a:tailEnd type="none" w="med" len="med"/>
+                    </a:lnR>
+                    <a:lnT w="12700" cap="flat" cmpd="sng" algn="ctr">
+                      <a:solidFill>
+                        <a:schemeClr val="tx1"/>
+                      </a:solidFill>
+                      <a:prstDash val="solid"/>
+                      <a:round/>
+                      <a:headEnd type="none" w="med" len="med"/>
+                      <a:tailEnd type="none" w="med" len="med"/>
+                    </a:lnT>
+                    <a:lnB w="12700" cap="flat" cmpd="sng" algn="ctr">
+                      <a:solidFill>
+                        <a:schemeClr val="tx1"/>
+                      </a:solidFill>
+                      <a:prstDash val="solid"/>
+                      <a:round/>
+                      <a:headEnd type="none" w="med" len="med"/>
+                      <a:tailEnd type="none" w="med" len="med"/>
+                    </a:lnB>
+                    <a:noFill/>
+                  </a:tcPr>
+                </a:tc>
+                <a:tc>
+                  <a:txBody>
+                    <a:bodyPr/>
+                    <a:lstStyle/>
+                    <a:p>
+                      <a:r>
+                        <a:rPr lang="fr-FR" sz="1000" dirty="0" smtClean="0"/>
+                        <a:t>1.0</a:t>
+                      </a:r>
+                      <a:endParaRPr lang="fr-FR" sz="1000" dirty="0"/>
+                    </a:p>
+                  </a:txBody>
+                  <a:tcPr>
+                    <a:lnL w="12700" cap="flat" cmpd="sng" algn="ctr">
+                      <a:solidFill>
+                        <a:schemeClr val="tx1"/>
+                      </a:solidFill>
+                      <a:prstDash val="solid"/>
+                      <a:round/>
+                      <a:headEnd type="none" w="med" len="med"/>
+                      <a:tailEnd type="none" w="med" len="med"/>
+                    </a:lnL>
+                    <a:lnR w="12700" cap="flat" cmpd="sng" algn="ctr">
+                      <a:solidFill>
+                        <a:schemeClr val="tx1"/>
+                      </a:solidFill>
+                      <a:prstDash val="solid"/>
+                      <a:round/>
+                      <a:headEnd type="none" w="med" len="med"/>
+                      <a:tailEnd type="none" w="med" len="med"/>
+                    </a:lnR>
+                    <a:lnT w="12700" cap="flat" cmpd="sng" algn="ctr">
+                      <a:solidFill>
+                        <a:schemeClr val="tx1"/>
+                      </a:solidFill>
+                      <a:prstDash val="solid"/>
+                      <a:round/>
+                      <a:headEnd type="none" w="med" len="med"/>
+                      <a:tailEnd type="none" w="med" len="med"/>
+                    </a:lnT>
+                    <a:lnB w="12700" cap="flat" cmpd="sng" algn="ctr">
+                      <a:solidFill>
+                        <a:schemeClr val="tx1"/>
+                      </a:solidFill>
+                      <a:prstDash val="solid"/>
+                      <a:round/>
+                      <a:headEnd type="none" w="med" len="med"/>
+                      <a:tailEnd type="none" w="med" len="med"/>
+                    </a:lnB>
+                    <a:noFill/>
+                  </a:tcPr>
+                </a:tc>
+                <a:tc>
+                  <a:txBody>
+                    <a:bodyPr/>
+                    <a:lstStyle/>
+                    <a:p>
+                      <a:r>
+                        <a:rPr lang="fr-FR" sz="1000" dirty="0" smtClean="0"/>
+                        <a:t>1.0</a:t>
+                      </a:r>
+                      <a:endParaRPr lang="fr-FR" sz="1000" dirty="0"/>
+                    </a:p>
+                  </a:txBody>
+                  <a:tcPr>
+                    <a:lnL w="12700" cap="flat" cmpd="sng" algn="ctr">
+                      <a:solidFill>
+                        <a:schemeClr val="tx1"/>
+                      </a:solidFill>
+                      <a:prstDash val="solid"/>
+                      <a:round/>
+                      <a:headEnd type="none" w="med" len="med"/>
+                      <a:tailEnd type="none" w="med" len="med"/>
+                    </a:lnL>
+                    <a:lnR w="12700" cap="flat" cmpd="sng" algn="ctr">
+                      <a:solidFill>
+                        <a:schemeClr val="tx1"/>
+                      </a:solidFill>
+                      <a:prstDash val="solid"/>
+                      <a:round/>
+                      <a:headEnd type="none" w="med" len="med"/>
+                      <a:tailEnd type="none" w="med" len="med"/>
+                    </a:lnR>
+                    <a:lnT w="12700" cap="flat" cmpd="sng" algn="ctr">
+                      <a:solidFill>
+                        <a:schemeClr val="tx1"/>
+                      </a:solidFill>
+                      <a:prstDash val="solid"/>
+                      <a:round/>
+                      <a:headEnd type="none" w="med" len="med"/>
+                      <a:tailEnd type="none" w="med" len="med"/>
+                    </a:lnT>
+                    <a:lnB w="12700" cap="flat" cmpd="sng" algn="ctr">
+                      <a:solidFill>
+                        <a:schemeClr val="tx1"/>
+                      </a:solidFill>
+                      <a:prstDash val="solid"/>
+                      <a:round/>
+                      <a:headEnd type="none" w="med" len="med"/>
+                      <a:tailEnd type="none" w="med" len="med"/>
+                    </a:lnB>
+                    <a:noFill/>
+                  </a:tcPr>
+                </a:tc>
+                <a:tc>
+                  <a:txBody>
+                    <a:bodyPr/>
+                    <a:lstStyle/>
+                    <a:p>
+                      <a:r>
+                        <a:rPr lang="fr-FR" sz="1000" dirty="0" smtClean="0"/>
+                        <a:t>1.0</a:t>
+                      </a:r>
+                      <a:endParaRPr lang="fr-FR" sz="1000" dirty="0"/>
+                    </a:p>
+                  </a:txBody>
+                  <a:tcPr>
+                    <a:lnL w="12700" cap="flat" cmpd="sng" algn="ctr">
+                      <a:solidFill>
+                        <a:schemeClr val="tx1"/>
+                      </a:solidFill>
+                      <a:prstDash val="solid"/>
+                      <a:round/>
+                      <a:headEnd type="none" w="med" len="med"/>
+                      <a:tailEnd type="none" w="med" len="med"/>
+                    </a:lnL>
+                    <a:lnR w="12700" cap="flat" cmpd="sng" algn="ctr">
+                      <a:solidFill>
+                        <a:schemeClr val="tx1"/>
+                      </a:solidFill>
+                      <a:prstDash val="solid"/>
+                      <a:round/>
+                      <a:headEnd type="none" w="med" len="med"/>
+                      <a:tailEnd type="none" w="med" len="med"/>
+                    </a:lnR>
+                    <a:lnT w="12700" cap="flat" cmpd="sng" algn="ctr">
+                      <a:solidFill>
+                        <a:schemeClr val="tx1"/>
+                      </a:solidFill>
+                      <a:prstDash val="solid"/>
+                      <a:round/>
+                      <a:headEnd type="none" w="med" len="med"/>
+                      <a:tailEnd type="none" w="med" len="med"/>
+                    </a:lnT>
+                    <a:lnB w="12700" cap="flat" cmpd="sng" algn="ctr">
+                      <a:solidFill>
+                        <a:schemeClr val="tx1"/>
+                      </a:solidFill>
+                      <a:prstDash val="solid"/>
+                      <a:round/>
+                      <a:headEnd type="none" w="med" len="med"/>
+                      <a:tailEnd type="none" w="med" len="med"/>
+                    </a:lnB>
+                    <a:noFill/>
+                  </a:tcPr>
+                </a:tc>
+              </a:tr>
+              <a:tr h="223668">
+                <a:tc>
+                  <a:txBody>
+                    <a:bodyPr/>
+                    <a:lstStyle/>
+                    <a:p>
+                      <a:r>
+                        <a:rPr lang="fr-FR" sz="1000" dirty="0" err="1" smtClean="0"/>
+                        <a:t>Specificity</a:t>
+                      </a:r>
+                      <a:endParaRPr lang="fr-FR" sz="1000" dirty="0"/>
+                    </a:p>
+                  </a:txBody>
+                  <a:tcPr>
+                    <a:lnL w="12700" cap="flat" cmpd="sng" algn="ctr">
+                      <a:solidFill>
+                        <a:schemeClr val="tx1"/>
+                      </a:solidFill>
+                      <a:prstDash val="solid"/>
+                      <a:round/>
+                      <a:headEnd type="none" w="med" len="med"/>
+                      <a:tailEnd type="none" w="med" len="med"/>
+                    </a:lnL>
+                    <a:lnR w="12700" cap="flat" cmpd="sng" algn="ctr">
+                      <a:solidFill>
+                        <a:schemeClr val="tx1"/>
+                      </a:solidFill>
+                      <a:prstDash val="solid"/>
+                      <a:round/>
+                      <a:headEnd type="none" w="med" len="med"/>
+                      <a:tailEnd type="none" w="med" len="med"/>
+                    </a:lnR>
+                    <a:lnT w="12700" cap="flat" cmpd="sng" algn="ctr">
+                      <a:solidFill>
+                        <a:schemeClr val="tx1"/>
+                      </a:solidFill>
+                      <a:prstDash val="solid"/>
+                      <a:round/>
+                      <a:headEnd type="none" w="med" len="med"/>
+                      <a:tailEnd type="none" w="med" len="med"/>
+                    </a:lnT>
+                    <a:lnB w="12700" cap="flat" cmpd="sng" algn="ctr">
+                      <a:solidFill>
+                        <a:schemeClr val="tx1"/>
+                      </a:solidFill>
+                      <a:prstDash val="solid"/>
+                      <a:round/>
+                      <a:headEnd type="none" w="med" len="med"/>
+                      <a:tailEnd type="none" w="med" len="med"/>
+                    </a:lnB>
+                    <a:noFill/>
+                  </a:tcPr>
+                </a:tc>
+                <a:tc>
+                  <a:txBody>
+                    <a:bodyPr/>
+                    <a:lstStyle/>
+                    <a:p>
+                      <a:r>
+                        <a:rPr lang="fr-FR" sz="1000" dirty="0" smtClean="0"/>
+                        <a:t>0.64</a:t>
+                      </a:r>
+                      <a:endParaRPr lang="fr-FR" sz="1000" dirty="0"/>
+                    </a:p>
+                  </a:txBody>
+                  <a:tcPr>
+                    <a:lnL w="12700" cap="flat" cmpd="sng" algn="ctr">
+                      <a:solidFill>
+                        <a:schemeClr val="tx1"/>
+                      </a:solidFill>
+                      <a:prstDash val="solid"/>
+                      <a:round/>
+                      <a:headEnd type="none" w="med" len="med"/>
+                      <a:tailEnd type="none" w="med" len="med"/>
+                    </a:lnL>
+                    <a:lnR w="12700" cap="flat" cmpd="sng" algn="ctr">
+                      <a:solidFill>
+                        <a:schemeClr val="tx1"/>
+                      </a:solidFill>
+                      <a:prstDash val="solid"/>
+                      <a:round/>
+                      <a:headEnd type="none" w="med" len="med"/>
+                      <a:tailEnd type="none" w="med" len="med"/>
+                    </a:lnR>
+                    <a:lnT w="12700" cap="flat" cmpd="sng" algn="ctr">
+                      <a:solidFill>
+                        <a:schemeClr val="tx1"/>
+                      </a:solidFill>
+                      <a:prstDash val="solid"/>
+                      <a:round/>
+                      <a:headEnd type="none" w="med" len="med"/>
+                      <a:tailEnd type="none" w="med" len="med"/>
+                    </a:lnT>
+                    <a:lnB w="12700" cap="flat" cmpd="sng" algn="ctr">
+                      <a:solidFill>
+                        <a:schemeClr val="tx1"/>
+                      </a:solidFill>
+                      <a:prstDash val="solid"/>
+                      <a:round/>
+                      <a:headEnd type="none" w="med" len="med"/>
+                      <a:tailEnd type="none" w="med" len="med"/>
+                    </a:lnB>
+                    <a:noFill/>
+                  </a:tcPr>
+                </a:tc>
+                <a:tc>
+                  <a:txBody>
+                    <a:bodyPr/>
+                    <a:lstStyle/>
+                    <a:p>
+                      <a:r>
+                        <a:rPr lang="fr-FR" sz="1000" dirty="0" smtClean="0"/>
+                        <a:t>0.0</a:t>
+                      </a:r>
+                      <a:endParaRPr lang="fr-FR" sz="1000" dirty="0"/>
+                    </a:p>
+                  </a:txBody>
+                  <a:tcPr>
+                    <a:lnL w="12700" cap="flat" cmpd="sng" algn="ctr">
+                      <a:solidFill>
+                        <a:schemeClr val="tx1"/>
+                      </a:solidFill>
+                      <a:prstDash val="solid"/>
+                      <a:round/>
+                      <a:headEnd type="none" w="med" len="med"/>
+                      <a:tailEnd type="none" w="med" len="med"/>
+                    </a:lnL>
+                    <a:lnR w="12700" cap="flat" cmpd="sng" algn="ctr">
+                      <a:solidFill>
+                        <a:schemeClr val="tx1"/>
+                      </a:solidFill>
+                      <a:prstDash val="solid"/>
+                      <a:round/>
+                      <a:headEnd type="none" w="med" len="med"/>
+                      <a:tailEnd type="none" w="med" len="med"/>
+                    </a:lnR>
+                    <a:lnT w="12700" cap="flat" cmpd="sng" algn="ctr">
+                      <a:solidFill>
+                        <a:schemeClr val="tx1"/>
+                      </a:solidFill>
+                      <a:prstDash val="solid"/>
+                      <a:round/>
+                      <a:headEnd type="none" w="med" len="med"/>
+                      <a:tailEnd type="none" w="med" len="med"/>
+                    </a:lnT>
+                    <a:lnB w="12700" cap="flat" cmpd="sng" algn="ctr">
+                      <a:solidFill>
+                        <a:schemeClr val="tx1"/>
+                      </a:solidFill>
+                      <a:prstDash val="solid"/>
+                      <a:round/>
+                      <a:headEnd type="none" w="med" len="med"/>
+                      <a:tailEnd type="none" w="med" len="med"/>
+                    </a:lnB>
+                    <a:noFill/>
+                  </a:tcPr>
+                </a:tc>
+                <a:tc>
+                  <a:txBody>
+                    <a:bodyPr/>
+                    <a:lstStyle/>
+                    <a:p>
+                      <a:r>
+                        <a:rPr lang="fr-FR" sz="1000" dirty="0" smtClean="0"/>
+                        <a:t>0.61</a:t>
+                      </a:r>
+                      <a:endParaRPr lang="fr-FR" sz="1000" dirty="0"/>
+                    </a:p>
+                  </a:txBody>
+                  <a:tcPr>
+                    <a:lnL w="12700" cap="flat" cmpd="sng" algn="ctr">
+                      <a:solidFill>
+                        <a:schemeClr val="tx1"/>
+                      </a:solidFill>
+                      <a:prstDash val="solid"/>
+                      <a:round/>
+                      <a:headEnd type="none" w="med" len="med"/>
+                      <a:tailEnd type="none" w="med" len="med"/>
+                    </a:lnL>
+                    <a:lnR w="12700" cap="flat" cmpd="sng" algn="ctr">
+                      <a:solidFill>
+                        <a:schemeClr val="tx1"/>
+                      </a:solidFill>
+                      <a:prstDash val="solid"/>
+                      <a:round/>
+                      <a:headEnd type="none" w="med" len="med"/>
+                      <a:tailEnd type="none" w="med" len="med"/>
+                    </a:lnR>
+                    <a:lnT w="12700" cap="flat" cmpd="sng" algn="ctr">
+                      <a:solidFill>
+                        <a:schemeClr val="tx1"/>
+                      </a:solidFill>
+                      <a:prstDash val="solid"/>
+                      <a:round/>
+                      <a:headEnd type="none" w="med" len="med"/>
+                      <a:tailEnd type="none" w="med" len="med"/>
+                    </a:lnT>
+                    <a:lnB w="12700" cap="flat" cmpd="sng" algn="ctr">
+                      <a:solidFill>
+                        <a:schemeClr val="tx1"/>
+                      </a:solidFill>
+                      <a:prstDash val="solid"/>
+                      <a:round/>
+                      <a:headEnd type="none" w="med" len="med"/>
+                      <a:tailEnd type="none" w="med" len="med"/>
+                    </a:lnB>
+                    <a:noFill/>
+                  </a:tcPr>
+                </a:tc>
+              </a:tr>
+            </a:tbl>
+          </a:graphicData>
+        </a:graphic>
+      </p:graphicFrame>
     </p:spTree>
     <p:extLst>
       <p:ext uri="{BB962C8B-B14F-4D97-AF65-F5344CB8AC3E}">

--- a/project/Poster.pptx
+++ b/project/Poster.pptx
@@ -6,6 +6,7 @@
   </p:sldMasterIdLst>
   <p:sldIdLst>
     <p:sldId id="257" r:id="rId2"/>
+    <p:sldId id="258" r:id="rId3"/>
   </p:sldIdLst>
   <p:sldSz cx="12192000" cy="6858000"/>
   <p:notesSz cx="6858000" cy="9144000"/>
@@ -243,7 +244,7 @@
           <a:p>
             <a:fld id="{8AA680BE-20A9-43D8-BD59-D1BAA51343BB}" type="datetimeFigureOut">
               <a:rPr lang="fr-FR" smtClean="0"/>
-              <a:t>12/05/2016</a:t>
+              <a:t>16/05/2016</a:t>
             </a:fld>
             <a:endParaRPr lang="fr-FR"/>
           </a:p>
@@ -413,7 +414,7 @@
           <a:p>
             <a:fld id="{8AA680BE-20A9-43D8-BD59-D1BAA51343BB}" type="datetimeFigureOut">
               <a:rPr lang="fr-FR" smtClean="0"/>
-              <a:t>12/05/2016</a:t>
+              <a:t>16/05/2016</a:t>
             </a:fld>
             <a:endParaRPr lang="fr-FR"/>
           </a:p>
@@ -593,7 +594,7 @@
           <a:p>
             <a:fld id="{8AA680BE-20A9-43D8-BD59-D1BAA51343BB}" type="datetimeFigureOut">
               <a:rPr lang="fr-FR" smtClean="0"/>
-              <a:t>12/05/2016</a:t>
+              <a:t>16/05/2016</a:t>
             </a:fld>
             <a:endParaRPr lang="fr-FR"/>
           </a:p>
@@ -763,7 +764,7 @@
           <a:p>
             <a:fld id="{8AA680BE-20A9-43D8-BD59-D1BAA51343BB}" type="datetimeFigureOut">
               <a:rPr lang="fr-FR" smtClean="0"/>
-              <a:t>12/05/2016</a:t>
+              <a:t>16/05/2016</a:t>
             </a:fld>
             <a:endParaRPr lang="fr-FR"/>
           </a:p>
@@ -1009,7 +1010,7 @@
           <a:p>
             <a:fld id="{8AA680BE-20A9-43D8-BD59-D1BAA51343BB}" type="datetimeFigureOut">
               <a:rPr lang="fr-FR" smtClean="0"/>
-              <a:t>12/05/2016</a:t>
+              <a:t>16/05/2016</a:t>
             </a:fld>
             <a:endParaRPr lang="fr-FR"/>
           </a:p>
@@ -1241,7 +1242,7 @@
           <a:p>
             <a:fld id="{8AA680BE-20A9-43D8-BD59-D1BAA51343BB}" type="datetimeFigureOut">
               <a:rPr lang="fr-FR" smtClean="0"/>
-              <a:t>12/05/2016</a:t>
+              <a:t>16/05/2016</a:t>
             </a:fld>
             <a:endParaRPr lang="fr-FR"/>
           </a:p>
@@ -1608,7 +1609,7 @@
           <a:p>
             <a:fld id="{8AA680BE-20A9-43D8-BD59-D1BAA51343BB}" type="datetimeFigureOut">
               <a:rPr lang="fr-FR" smtClean="0"/>
-              <a:t>12/05/2016</a:t>
+              <a:t>16/05/2016</a:t>
             </a:fld>
             <a:endParaRPr lang="fr-FR"/>
           </a:p>
@@ -1726,7 +1727,7 @@
           <a:p>
             <a:fld id="{8AA680BE-20A9-43D8-BD59-D1BAA51343BB}" type="datetimeFigureOut">
               <a:rPr lang="fr-FR" smtClean="0"/>
-              <a:t>12/05/2016</a:t>
+              <a:t>16/05/2016</a:t>
             </a:fld>
             <a:endParaRPr lang="fr-FR"/>
           </a:p>
@@ -1821,7 +1822,7 @@
           <a:p>
             <a:fld id="{8AA680BE-20A9-43D8-BD59-D1BAA51343BB}" type="datetimeFigureOut">
               <a:rPr lang="fr-FR" smtClean="0"/>
-              <a:t>12/05/2016</a:t>
+              <a:t>16/05/2016</a:t>
             </a:fld>
             <a:endParaRPr lang="fr-FR"/>
           </a:p>
@@ -2098,7 +2099,7 @@
           <a:p>
             <a:fld id="{8AA680BE-20A9-43D8-BD59-D1BAA51343BB}" type="datetimeFigureOut">
               <a:rPr lang="fr-FR" smtClean="0"/>
-              <a:t>12/05/2016</a:t>
+              <a:t>16/05/2016</a:t>
             </a:fld>
             <a:endParaRPr lang="fr-FR"/>
           </a:p>
@@ -2351,7 +2352,7 @@
           <a:p>
             <a:fld id="{8AA680BE-20A9-43D8-BD59-D1BAA51343BB}" type="datetimeFigureOut">
               <a:rPr lang="fr-FR" smtClean="0"/>
-              <a:t>12/05/2016</a:t>
+              <a:t>16/05/2016</a:t>
             </a:fld>
             <a:endParaRPr lang="fr-FR"/>
           </a:p>
@@ -2564,7 +2565,7 @@
           <a:p>
             <a:fld id="{8AA680BE-20A9-43D8-BD59-D1BAA51343BB}" type="datetimeFigureOut">
               <a:rPr lang="fr-FR" smtClean="0"/>
-              <a:t>12/05/2016</a:t>
+              <a:t>16/05/2016</a:t>
             </a:fld>
             <a:endParaRPr lang="fr-FR"/>
           </a:p>
@@ -3006,63 +3007,7 @@
             <a:pPr algn="just"/>
             <a:r>
               <a:rPr lang="en-US" sz="1000" dirty="0" smtClean="0"/>
-              <a:t>To </a:t>
-            </a:r>
-            <a:r>
-              <a:rPr lang="en-US" sz="1000" dirty="0" smtClean="0"/>
-              <a:t>compute </a:t>
-            </a:r>
-            <a:r>
-              <a:rPr lang="en-US" sz="1000" dirty="0" smtClean="0"/>
-              <a:t>the threshold for rejecting components we use a </a:t>
-            </a:r>
-            <a:r>
-              <a:rPr lang="en-US" sz="1000" dirty="0" smtClean="0"/>
-              <a:t>clean dataset </a:t>
-            </a:r>
-            <a:r>
-              <a:rPr lang="en-US" sz="1000" dirty="0" smtClean="0"/>
-              <a:t>as </a:t>
-            </a:r>
-            <a:r>
-              <a:rPr lang="en-US" sz="1000" dirty="0" smtClean="0"/>
-              <a:t>a training </a:t>
-            </a:r>
-            <a:r>
-              <a:rPr lang="en-US" sz="1000" dirty="0" smtClean="0"/>
-              <a:t>set. </a:t>
-            </a:r>
-            <a:r>
-              <a:rPr lang="en-US" sz="1000" dirty="0" smtClean="0"/>
-              <a:t>We calibrate the threshold on the first 20% of the dataset and then add simulated artifacts to</a:t>
-            </a:r>
-            <a:r>
-              <a:rPr lang="en-US" sz="1000" dirty="0" smtClean="0"/>
-              <a:t> </a:t>
-            </a:r>
-            <a:r>
-              <a:rPr lang="en-US" sz="1000" dirty="0" smtClean="0"/>
-              <a:t>the rest of </a:t>
-            </a:r>
-            <a:r>
-              <a:rPr lang="en-US" sz="1000" dirty="0" smtClean="0"/>
-              <a:t>it. </a:t>
-            </a:r>
-            <a:r>
-              <a:rPr lang="en-US" sz="1000" dirty="0" smtClean="0"/>
-              <a:t>We </a:t>
-            </a:r>
-            <a:r>
-              <a:rPr lang="en-US" sz="1000" dirty="0" smtClean="0"/>
-              <a:t>use</a:t>
-            </a:r>
-            <a:r>
-              <a:rPr lang="en-US" sz="1000" dirty="0" smtClean="0"/>
-              <a:t> </a:t>
-            </a:r>
-            <a:r>
-              <a:rPr lang="en-US" sz="1000" dirty="0" smtClean="0"/>
-              <a:t>three different kind of threshold: </a:t>
+              <a:t>To compute the threshold for rejecting components we use a clean dataset as a training set. We calibrate the threshold on the first 20% of the dataset and then add simulated artifacts to the rest of it. We use three different kind of threshold: </a:t>
             </a:r>
           </a:p>
           <a:p>
@@ -3211,7 +3156,6 @@
               <a:rPr lang="en-US" sz="1000" dirty="0" smtClean="0"/>
               <a:t>/specificity:</a:t>
             </a:r>
-            <a:endParaRPr lang="en-US" sz="1000" dirty="0" smtClean="0"/>
           </a:p>
           <a:p>
             <a:pPr algn="just"/>
@@ -3243,6 +3187,7 @@
               <a:rPr lang="en-US" sz="1000" dirty="0" smtClean="0"/>
               <a:t>For windows of size 128 samples, we can remove artifacts at a rate of 35Hz.</a:t>
             </a:r>
+            <a:endParaRPr lang="en-US" sz="1000" dirty="0" smtClean="0"/>
           </a:p>
           <a:p>
             <a:pPr algn="just"/>
@@ -3511,15 +3456,7 @@
             </a:r>
             <a:r>
               <a:rPr lang="en-US" sz="1000" dirty="0" smtClean="0"/>
-              <a:t> </a:t>
-            </a:r>
-            <a:r>
-              <a:rPr lang="en-US" sz="1000" dirty="0" smtClean="0"/>
-              <a:t>original dataset with si</a:t>
-            </a:r>
-            <a:r>
-              <a:rPr lang="en-US" sz="1000" dirty="0" smtClean="0"/>
-              <a:t>mulated artifacts added</a:t>
+              <a:t> original dataset with simulated artifacts added</a:t>
             </a:r>
             <a:endParaRPr lang="en-US" sz="1000" dirty="0"/>
           </a:p>
@@ -3554,1692 +3491,12 @@
             </a:r>
             <a:r>
               <a:rPr lang="en-US" sz="1000" dirty="0" smtClean="0"/>
-              <a:t> </a:t>
-            </a:r>
-            <a:r>
-              <a:rPr lang="en-US" sz="1000" dirty="0" smtClean="0"/>
-              <a:t>original dataset together with the dataset reconstructed from artifact dataset</a:t>
+              <a:t> original dataset together with the dataset reconstructed from artifact dataset</a:t>
             </a:r>
             <a:endParaRPr lang="en-US" sz="1000" dirty="0"/>
           </a:p>
         </p:txBody>
       </p:sp>
-      <mc:AlternateContent xmlns:mc="http://schemas.openxmlformats.org/markup-compatibility/2006">
-        <mc:Choice xmlns:a14="http://schemas.microsoft.com/office/drawing/2010/main" Requires="a14">
-          <p:sp>
-            <p:nvSpPr>
-              <p:cNvPr id="6" name="ZoneTexte 5"/>
-              <p:cNvSpPr txBox="1"/>
-              <p:nvPr/>
-            </p:nvSpPr>
-            <p:spPr>
-              <a:xfrm>
-                <a:off x="15030" y="1788675"/>
-                <a:ext cx="3852037" cy="5144293"/>
-              </a:xfrm>
-              <a:prstGeom prst="rect">
-                <a:avLst/>
-              </a:prstGeom>
-              <a:noFill/>
-              <a:ln>
-                <a:solidFill>
-                  <a:schemeClr val="accent1"/>
-                </a:solidFill>
-              </a:ln>
-            </p:spPr>
-            <p:txBody>
-              <a:bodyPr wrap="square" rtlCol="0">
-                <a:spAutoFit/>
-              </a:bodyPr>
-              <a:lstStyle/>
-              <a:p>
-                <a:pPr algn="just"/>
-                <a:r>
-                  <a:rPr lang="en-US" sz="1000" b="1" dirty="0" smtClean="0"/>
-                  <a:t>How do we remove artifacts?</a:t>
-                </a:r>
-              </a:p>
-              <a:p>
-                <a:pPr algn="just"/>
-                <a:r>
-                  <a:rPr lang="en-US" sz="1000" dirty="0" smtClean="0"/>
-                  <a:t>We use PCA to identify </a:t>
-                </a:r>
-                <a:r>
-                  <a:rPr lang="en-US" sz="1000" dirty="0" smtClean="0"/>
-                  <a:t>components </a:t>
-                </a:r>
-                <a:r>
-                  <a:rPr lang="en-US" sz="1000" dirty="0" smtClean="0"/>
-                  <a:t>with an </a:t>
-                </a:r>
-                <a:r>
-                  <a:rPr lang="en-US" sz="1000" dirty="0" smtClean="0"/>
-                  <a:t>unusually </a:t>
-                </a:r>
-                <a:r>
-                  <a:rPr lang="en-US" sz="1000" dirty="0" smtClean="0"/>
-                  <a:t>large </a:t>
-                </a:r>
-                <a:r>
-                  <a:rPr lang="en-US" sz="1000" dirty="0" smtClean="0"/>
-                  <a:t>eigenvalues. If the eigenvalue is above the threshold found during calibration, there should be an artifact in that component and we try to remove it. We </a:t>
-                </a:r>
-                <a:r>
-                  <a:rPr lang="en-US" sz="1000" dirty="0"/>
-                  <a:t>work with EEG data contained in a matrix </a:t>
-                </a:r>
-                <a14:m>
-                  <m:oMath xmlns:m="http://schemas.openxmlformats.org/officeDocument/2006/math">
-                    <m:r>
-                      <a:rPr lang="en-US" sz="1000" i="1">
-                        <a:latin typeface="Cambria Math" panose="02040503050406030204" pitchFamily="18" charset="0"/>
-                      </a:rPr>
-                      <m:t>𝑋</m:t>
-                    </m:r>
-                  </m:oMath>
-                </a14:m>
-                <a:r>
-                  <a:rPr lang="en-US" sz="1000" dirty="0"/>
-                  <a:t>. We divide this matrix </a:t>
-                </a:r>
-                <a:r>
-                  <a:rPr lang="en-US" sz="1000" dirty="0" smtClean="0"/>
-                  <a:t>into </a:t>
-                </a:r>
-                <a:r>
-                  <a:rPr lang="en-US" sz="1000" dirty="0"/>
-                  <a:t>several windows.</a:t>
-                </a:r>
-                <a:endParaRPr lang="fr-FR" sz="1000" dirty="0"/>
-              </a:p>
-              <a:p>
-                <a:pPr algn="just"/>
-                <a:r>
-                  <a:rPr lang="en-US" sz="1000" dirty="0"/>
-                  <a:t>A window is a matrix </a:t>
-                </a:r>
-                <a14:m>
-                  <m:oMath xmlns:m="http://schemas.openxmlformats.org/officeDocument/2006/math">
-                    <m:sSub>
-                      <m:sSubPr>
-                        <m:ctrlPr>
-                          <a:rPr lang="fr-FR" sz="1000" i="1">
-                            <a:latin typeface="Cambria Math" panose="02040503050406030204" pitchFamily="18" charset="0"/>
-                          </a:rPr>
-                        </m:ctrlPr>
-                      </m:sSubPr>
-                      <m:e>
-                        <m:r>
-                          <a:rPr lang="en-US" sz="1000" i="1">
-                            <a:latin typeface="Cambria Math" panose="02040503050406030204" pitchFamily="18" charset="0"/>
-                          </a:rPr>
-                          <m:t>𝑌</m:t>
-                        </m:r>
-                      </m:e>
-                      <m:sub>
-                        <m:r>
-                          <a:rPr lang="en-US" sz="1000" i="1">
-                            <a:latin typeface="Cambria Math" panose="02040503050406030204" pitchFamily="18" charset="0"/>
-                          </a:rPr>
-                          <m:t>𝑗</m:t>
-                        </m:r>
-                        <m:r>
-                          <a:rPr lang="en-US" sz="1000" i="1">
-                            <a:latin typeface="Cambria Math" panose="02040503050406030204" pitchFamily="18" charset="0"/>
-                          </a:rPr>
-                          <m:t>,</m:t>
-                        </m:r>
-                        <m:r>
-                          <a:rPr lang="en-US" sz="1000" i="1">
-                            <a:latin typeface="Cambria Math" panose="02040503050406030204" pitchFamily="18" charset="0"/>
-                          </a:rPr>
-                          <m:t>𝑡</m:t>
-                        </m:r>
-                      </m:sub>
-                    </m:sSub>
-                    <m:r>
-                      <a:rPr lang="en-US" sz="1000" i="1">
-                        <a:latin typeface="Cambria Math" panose="02040503050406030204" pitchFamily="18" charset="0"/>
-                      </a:rPr>
-                      <m:t>=</m:t>
-                    </m:r>
-                    <m:sSub>
-                      <m:sSubPr>
-                        <m:ctrlPr>
-                          <a:rPr lang="fr-FR" sz="1000" i="1">
-                            <a:latin typeface="Cambria Math" panose="02040503050406030204" pitchFamily="18" charset="0"/>
-                          </a:rPr>
-                        </m:ctrlPr>
-                      </m:sSubPr>
-                      <m:e>
-                        <m:r>
-                          <a:rPr lang="en-US" sz="1000" i="1">
-                            <a:latin typeface="Cambria Math" panose="02040503050406030204" pitchFamily="18" charset="0"/>
-                          </a:rPr>
-                          <m:t>𝑋</m:t>
-                        </m:r>
-                      </m:e>
-                      <m:sub>
-                        <m:r>
-                          <a:rPr lang="en-US" sz="1000" i="1">
-                            <a:latin typeface="Cambria Math" panose="02040503050406030204" pitchFamily="18" charset="0"/>
-                          </a:rPr>
-                          <m:t>𝑗</m:t>
-                        </m:r>
-                        <m:r>
-                          <a:rPr lang="en-US" sz="1000" i="1">
-                            <a:latin typeface="Cambria Math" panose="02040503050406030204" pitchFamily="18" charset="0"/>
-                          </a:rPr>
-                          <m:t>,</m:t>
-                        </m:r>
-                        <m:r>
-                          <a:rPr lang="en-US" sz="1000" i="1">
-                            <a:latin typeface="Cambria Math" panose="02040503050406030204" pitchFamily="18" charset="0"/>
-                          </a:rPr>
-                          <m:t>𝑡</m:t>
-                        </m:r>
-                      </m:sub>
-                    </m:sSub>
-                  </m:oMath>
-                </a14:m>
-                <a:r>
-                  <a:rPr lang="en-US" sz="1000" dirty="0"/>
-                  <a:t> which contains the EEG data observed in the time interval between </a:t>
-                </a:r>
-                <a14:m>
-                  <m:oMath xmlns:m="http://schemas.openxmlformats.org/officeDocument/2006/math">
-                    <m:r>
-                      <a:rPr lang="en-US" sz="1000" i="1">
-                        <a:latin typeface="Cambria Math" panose="02040503050406030204" pitchFamily="18" charset="0"/>
-                      </a:rPr>
-                      <m:t>𝑡</m:t>
-                    </m:r>
-                    <m:r>
-                      <a:rPr lang="en-US" sz="1000" i="1">
-                        <a:latin typeface="Cambria Math" panose="02040503050406030204" pitchFamily="18" charset="0"/>
-                      </a:rPr>
-                      <m:t>1</m:t>
-                    </m:r>
-                  </m:oMath>
-                </a14:m>
-                <a:r>
-                  <a:rPr lang="en-US" sz="1000" dirty="0"/>
-                  <a:t> and </a:t>
-                </a:r>
-                <a14:m>
-                  <m:oMath xmlns:m="http://schemas.openxmlformats.org/officeDocument/2006/math">
-                    <m:r>
-                      <a:rPr lang="en-US" sz="1000" i="1">
-                        <a:latin typeface="Cambria Math" panose="02040503050406030204" pitchFamily="18" charset="0"/>
-                      </a:rPr>
-                      <m:t>𝑡</m:t>
-                    </m:r>
-                    <m:r>
-                      <a:rPr lang="en-US" sz="1000" i="1">
-                        <a:latin typeface="Cambria Math" panose="02040503050406030204" pitchFamily="18" charset="0"/>
-                      </a:rPr>
-                      <m:t>2</m:t>
-                    </m:r>
-                  </m:oMath>
-                </a14:m>
-                <a:r>
-                  <a:rPr lang="en-US" sz="1000" dirty="0"/>
-                  <a:t>.</a:t>
-                </a:r>
-                <a:endParaRPr lang="fr-FR" sz="1000" dirty="0"/>
-              </a:p>
-              <a:p>
-                <a:pPr algn="just"/>
-                <a14:m>
-                  <m:oMath xmlns:m="http://schemas.openxmlformats.org/officeDocument/2006/math">
-                    <m:r>
-                      <a:rPr lang="en-US" sz="1000" i="1">
-                        <a:latin typeface="Cambria Math" panose="02040503050406030204" pitchFamily="18" charset="0"/>
-                      </a:rPr>
-                      <m:t>𝑌</m:t>
-                    </m:r>
-                  </m:oMath>
-                </a14:m>
-                <a:r>
-                  <a:rPr lang="en-US" sz="1000" dirty="0"/>
-                  <a:t> is of size </a:t>
-                </a:r>
-                <a14:m>
-                  <m:oMath xmlns:m="http://schemas.openxmlformats.org/officeDocument/2006/math">
-                    <m:r>
-                      <a:rPr lang="en-US" sz="1000" i="1">
-                        <a:latin typeface="Cambria Math" panose="02040503050406030204" pitchFamily="18" charset="0"/>
-                      </a:rPr>
-                      <m:t>𝐽</m:t>
-                    </m:r>
-                  </m:oMath>
-                </a14:m>
-                <a:r>
-                  <a:rPr lang="en-US" sz="1000" dirty="0"/>
-                  <a:t>  (Number of channels)  </a:t>
-                </a:r>
-                <a14:m>
-                  <m:oMath xmlns:m="http://schemas.openxmlformats.org/officeDocument/2006/math">
-                    <m:r>
-                      <a:rPr lang="en-US" sz="1000" i="1">
-                        <a:latin typeface="Cambria Math" panose="02040503050406030204" pitchFamily="18" charset="0"/>
-                      </a:rPr>
-                      <m:t>×</m:t>
-                    </m:r>
-                    <m:r>
-                      <a:rPr lang="en-US" sz="1000" i="1">
-                        <a:latin typeface="Cambria Math" panose="02040503050406030204" pitchFamily="18" charset="0"/>
-                      </a:rPr>
-                      <m:t>𝑇</m:t>
-                    </m:r>
-                  </m:oMath>
-                </a14:m>
-                <a:r>
-                  <a:rPr lang="en-US" sz="1000" dirty="0"/>
-                  <a:t> (number of time points in window  </a:t>
-                </a:r>
-                <a14:m>
-                  <m:oMath xmlns:m="http://schemas.openxmlformats.org/officeDocument/2006/math">
-                    <m:r>
-                      <a:rPr lang="en-US" sz="1000" i="1">
-                        <a:latin typeface="Cambria Math" panose="02040503050406030204" pitchFamily="18" charset="0"/>
-                      </a:rPr>
-                      <m:t>𝑇</m:t>
-                    </m:r>
-                    <m:r>
-                      <a:rPr lang="en-US" sz="1000" i="1">
-                        <a:latin typeface="Cambria Math" panose="02040503050406030204" pitchFamily="18" charset="0"/>
-                      </a:rPr>
-                      <m:t> = </m:t>
-                    </m:r>
-                    <m:r>
-                      <a:rPr lang="en-US" sz="1000" i="1">
-                        <a:latin typeface="Cambria Math" panose="02040503050406030204" pitchFamily="18" charset="0"/>
-                      </a:rPr>
-                      <m:t>𝑡</m:t>
-                    </m:r>
-                    <m:r>
-                      <a:rPr lang="en-US" sz="1000" i="1">
-                        <a:latin typeface="Cambria Math" panose="02040503050406030204" pitchFamily="18" charset="0"/>
-                      </a:rPr>
-                      <m:t>2−</m:t>
-                    </m:r>
-                    <m:r>
-                      <a:rPr lang="en-US" sz="1000" i="1">
-                        <a:latin typeface="Cambria Math" panose="02040503050406030204" pitchFamily="18" charset="0"/>
-                      </a:rPr>
-                      <m:t>𝑡</m:t>
-                    </m:r>
-                    <m:r>
-                      <a:rPr lang="en-US" sz="1000" i="1">
-                        <a:latin typeface="Cambria Math" panose="02040503050406030204" pitchFamily="18" charset="0"/>
-                      </a:rPr>
-                      <m:t>1+1</m:t>
-                    </m:r>
-                  </m:oMath>
-                </a14:m>
-                <a:r>
-                  <a:rPr lang="en-US" sz="1000" dirty="0" smtClean="0"/>
-                  <a:t>).</a:t>
-                </a:r>
-                <a:r>
-                  <a:rPr lang="en-US" sz="1000" dirty="0"/>
-                  <a:t> </a:t>
-                </a:r>
-                <a:endParaRPr lang="fr-FR" sz="1000" dirty="0"/>
-              </a:p>
-              <a:p>
-                <a:pPr algn="just"/>
-                <a:r>
-                  <a:rPr lang="en-US" sz="1000" dirty="0"/>
-                  <a:t>We normalize </a:t>
-                </a:r>
-                <a:r>
-                  <a:rPr lang="en-US" sz="1000" dirty="0" smtClean="0"/>
-                  <a:t>the data </a:t>
-                </a:r>
-                <a:r>
-                  <a:rPr lang="en-US" sz="1000" dirty="0"/>
-                  <a:t>by subtracting the mean:</a:t>
-                </a:r>
-                <a:endParaRPr lang="fr-FR" sz="1000" dirty="0"/>
-              </a:p>
-              <a:p>
-                <a:pPr algn="just"/>
-                <a14:m>
-                  <m:oMathPara xmlns:m="http://schemas.openxmlformats.org/officeDocument/2006/math">
-                    <m:oMathParaPr>
-                      <m:jc m:val="centerGroup"/>
-                    </m:oMathParaPr>
-                    <m:oMath xmlns:m="http://schemas.openxmlformats.org/officeDocument/2006/math">
-                      <m:r>
-                        <a:rPr lang="en-US" sz="1000" i="1">
-                          <a:latin typeface="Cambria Math" panose="02040503050406030204" pitchFamily="18" charset="0"/>
-                        </a:rPr>
-                        <m:t>µ_</m:t>
-                      </m:r>
-                      <m:r>
-                        <a:rPr lang="en-US" sz="1000" i="1">
-                          <a:latin typeface="Cambria Math" panose="02040503050406030204" pitchFamily="18" charset="0"/>
-                        </a:rPr>
-                        <m:t>𝑗</m:t>
-                      </m:r>
-                      <m:r>
-                        <a:rPr lang="en-US" sz="1000" i="1">
-                          <a:latin typeface="Cambria Math" panose="02040503050406030204" pitchFamily="18" charset="0"/>
-                        </a:rPr>
-                        <m:t>= </m:t>
-                      </m:r>
-                      <m:f>
-                        <m:fPr>
-                          <m:ctrlPr>
-                            <a:rPr lang="fr-FR" sz="1000" i="1">
-                              <a:latin typeface="Cambria Math" panose="02040503050406030204" pitchFamily="18" charset="0"/>
-                            </a:rPr>
-                          </m:ctrlPr>
-                        </m:fPr>
-                        <m:num>
-                          <m:r>
-                            <a:rPr lang="en-US" sz="1000" i="1">
-                              <a:latin typeface="Cambria Math" panose="02040503050406030204" pitchFamily="18" charset="0"/>
-                            </a:rPr>
-                            <m:t>1</m:t>
-                          </m:r>
-                        </m:num>
-                        <m:den>
-                          <m:r>
-                            <a:rPr lang="en-US" sz="1000" i="1">
-                              <a:latin typeface="Cambria Math" panose="02040503050406030204" pitchFamily="18" charset="0"/>
-                            </a:rPr>
-                            <m:t>𝑇</m:t>
-                          </m:r>
-                        </m:den>
-                      </m:f>
-                      <m:r>
-                        <a:rPr lang="en-US" sz="1000" i="1">
-                          <a:latin typeface="Cambria Math" panose="02040503050406030204" pitchFamily="18" charset="0"/>
-                        </a:rPr>
-                        <m:t> × </m:t>
-                      </m:r>
-                      <m:nary>
-                        <m:naryPr>
-                          <m:chr m:val="∑"/>
-                          <m:limLoc m:val="undOvr"/>
-                          <m:ctrlPr>
-                            <a:rPr lang="fr-FR" sz="1000" i="1">
-                              <a:latin typeface="Cambria Math" panose="02040503050406030204" pitchFamily="18" charset="0"/>
-                            </a:rPr>
-                          </m:ctrlPr>
-                        </m:naryPr>
-                        <m:sub>
-                          <m:r>
-                            <a:rPr lang="en-US" sz="1000" i="1">
-                              <a:latin typeface="Cambria Math" panose="02040503050406030204" pitchFamily="18" charset="0"/>
-                            </a:rPr>
-                            <m:t>𝑡</m:t>
-                          </m:r>
-                        </m:sub>
-                        <m:sup>
-                          <m:r>
-                            <a:rPr lang="en-US" sz="1000" i="1">
-                              <a:latin typeface="Cambria Math" panose="02040503050406030204" pitchFamily="18" charset="0"/>
-                            </a:rPr>
-                            <m:t> </m:t>
-                          </m:r>
-                        </m:sup>
-                        <m:e>
-                          <m:sSub>
-                            <m:sSubPr>
-                              <m:ctrlPr>
-                                <a:rPr lang="fr-FR" sz="1000" i="1">
-                                  <a:latin typeface="Cambria Math" panose="02040503050406030204" pitchFamily="18" charset="0"/>
-                                </a:rPr>
-                              </m:ctrlPr>
-                            </m:sSubPr>
-                            <m:e>
-                              <m:r>
-                                <a:rPr lang="en-US" sz="1000" i="1">
-                                  <a:latin typeface="Cambria Math" panose="02040503050406030204" pitchFamily="18" charset="0"/>
-                                </a:rPr>
-                                <m:t>𝑌</m:t>
-                              </m:r>
-                            </m:e>
-                            <m:sub>
-                              <m:r>
-                                <a:rPr lang="en-US" sz="1000" i="1">
-                                  <a:latin typeface="Cambria Math" panose="02040503050406030204" pitchFamily="18" charset="0"/>
-                                </a:rPr>
-                                <m:t>𝑗</m:t>
-                              </m:r>
-                              <m:r>
-                                <a:rPr lang="en-US" sz="1000" i="1">
-                                  <a:latin typeface="Cambria Math" panose="02040503050406030204" pitchFamily="18" charset="0"/>
-                                </a:rPr>
-                                <m:t>,</m:t>
-                              </m:r>
-                              <m:r>
-                                <a:rPr lang="en-US" sz="1000" i="1">
-                                  <a:latin typeface="Cambria Math" panose="02040503050406030204" pitchFamily="18" charset="0"/>
-                                </a:rPr>
-                                <m:t>𝑡</m:t>
-                              </m:r>
-                            </m:sub>
-                          </m:sSub>
-                        </m:e>
-                      </m:nary>
-                    </m:oMath>
-                  </m:oMathPara>
-                </a14:m>
-                <a:endParaRPr lang="fr-FR" sz="1000" dirty="0"/>
-              </a:p>
-              <a:p>
-                <a:pPr algn="just"/>
-                <a14:m>
-                  <m:oMath xmlns:m="http://schemas.openxmlformats.org/officeDocument/2006/math">
-                    <m:sSub>
-                      <m:sSubPr>
-                        <m:ctrlPr>
-                          <a:rPr lang="fr-FR" sz="1000" i="1">
-                            <a:latin typeface="Cambria Math" panose="02040503050406030204" pitchFamily="18" charset="0"/>
-                          </a:rPr>
-                        </m:ctrlPr>
-                      </m:sSubPr>
-                      <m:e>
-                        <m:r>
-                          <a:rPr lang="en-US" sz="1000" i="1">
-                            <a:latin typeface="Cambria Math" panose="02040503050406030204" pitchFamily="18" charset="0"/>
-                          </a:rPr>
-                          <m:t>𝑍</m:t>
-                        </m:r>
-                      </m:e>
-                      <m:sub>
-                        <m:r>
-                          <a:rPr lang="en-US" sz="1000" i="1">
-                            <a:latin typeface="Cambria Math" panose="02040503050406030204" pitchFamily="18" charset="0"/>
-                          </a:rPr>
-                          <m:t>𝑗</m:t>
-                        </m:r>
-                        <m:r>
-                          <a:rPr lang="en-US" sz="1000" i="1">
-                            <a:latin typeface="Cambria Math" panose="02040503050406030204" pitchFamily="18" charset="0"/>
-                          </a:rPr>
-                          <m:t>,</m:t>
-                        </m:r>
-                        <m:r>
-                          <a:rPr lang="en-US" sz="1000" i="1">
-                            <a:latin typeface="Cambria Math" panose="02040503050406030204" pitchFamily="18" charset="0"/>
-                          </a:rPr>
-                          <m:t>𝑡</m:t>
-                        </m:r>
-                      </m:sub>
-                    </m:sSub>
-                    <m:r>
-                      <a:rPr lang="en-US" sz="1000" i="1">
-                        <a:latin typeface="Cambria Math" panose="02040503050406030204" pitchFamily="18" charset="0"/>
-                      </a:rPr>
-                      <m:t>= </m:t>
-                    </m:r>
-                    <m:sSub>
-                      <m:sSubPr>
-                        <m:ctrlPr>
-                          <a:rPr lang="fr-FR" sz="1000" i="1">
-                            <a:latin typeface="Cambria Math" panose="02040503050406030204" pitchFamily="18" charset="0"/>
-                          </a:rPr>
-                        </m:ctrlPr>
-                      </m:sSubPr>
-                      <m:e>
-                        <m:r>
-                          <a:rPr lang="en-US" sz="1000" i="1">
-                            <a:latin typeface="Cambria Math" panose="02040503050406030204" pitchFamily="18" charset="0"/>
-                          </a:rPr>
-                          <m:t>𝑌</m:t>
-                        </m:r>
-                      </m:e>
-                      <m:sub>
-                        <m:r>
-                          <a:rPr lang="en-US" sz="1000" i="1">
-                            <a:latin typeface="Cambria Math" panose="02040503050406030204" pitchFamily="18" charset="0"/>
-                          </a:rPr>
-                          <m:t>𝑗</m:t>
-                        </m:r>
-                        <m:r>
-                          <a:rPr lang="en-US" sz="1000" i="1">
-                            <a:latin typeface="Cambria Math" panose="02040503050406030204" pitchFamily="18" charset="0"/>
-                          </a:rPr>
-                          <m:t>,</m:t>
-                        </m:r>
-                        <m:r>
-                          <a:rPr lang="en-US" sz="1000" i="1">
-                            <a:latin typeface="Cambria Math" panose="02040503050406030204" pitchFamily="18" charset="0"/>
-                          </a:rPr>
-                          <m:t>𝑡</m:t>
-                        </m:r>
-                      </m:sub>
-                    </m:sSub>
-                    <m:r>
-                      <a:rPr lang="en-US" sz="1000" i="1">
-                        <a:latin typeface="Cambria Math" panose="02040503050406030204" pitchFamily="18" charset="0"/>
-                      </a:rPr>
-                      <m:t>− </m:t>
-                    </m:r>
-                    <m:sSub>
-                      <m:sSubPr>
-                        <m:ctrlPr>
-                          <a:rPr lang="fr-FR" sz="1000" i="1">
-                            <a:latin typeface="Cambria Math" panose="02040503050406030204" pitchFamily="18" charset="0"/>
-                          </a:rPr>
-                        </m:ctrlPr>
-                      </m:sSubPr>
-                      <m:e>
-                        <m:r>
-                          <a:rPr lang="en-US" sz="1000" i="1">
-                            <a:latin typeface="Cambria Math" panose="02040503050406030204" pitchFamily="18" charset="0"/>
-                          </a:rPr>
-                          <m:t>µ</m:t>
-                        </m:r>
-                      </m:e>
-                      <m:sub>
-                        <m:r>
-                          <a:rPr lang="en-US" sz="1000" i="1">
-                            <a:latin typeface="Cambria Math" panose="02040503050406030204" pitchFamily="18" charset="0"/>
-                          </a:rPr>
-                          <m:t>𝑗</m:t>
-                        </m:r>
-                      </m:sub>
-                    </m:sSub>
-                  </m:oMath>
-                </a14:m>
-                <a:r>
-                  <a:rPr lang="en-US" sz="1000" dirty="0"/>
-                  <a:t> </a:t>
-                </a:r>
-                <a:endParaRPr lang="fr-FR" sz="1000" dirty="0"/>
-              </a:p>
-              <a:p>
-                <a:pPr algn="just"/>
-                <a:r>
-                  <a:rPr lang="en-US" sz="1000" dirty="0"/>
-                  <a:t>Then we form the covariance matrix:</a:t>
-                </a:r>
-                <a:endParaRPr lang="fr-FR" sz="1000" dirty="0"/>
-              </a:p>
-              <a:p>
-                <a:pPr algn="just"/>
-                <a14:m>
-                  <m:oMathPara xmlns:m="http://schemas.openxmlformats.org/officeDocument/2006/math">
-                    <m:oMathParaPr>
-                      <m:jc m:val="centerGroup"/>
-                    </m:oMathParaPr>
-                    <m:oMath xmlns:m="http://schemas.openxmlformats.org/officeDocument/2006/math">
-                      <m:sSub>
-                        <m:sSubPr>
-                          <m:ctrlPr>
-                            <a:rPr lang="fr-FR" sz="1000" i="1">
-                              <a:latin typeface="Cambria Math" panose="02040503050406030204" pitchFamily="18" charset="0"/>
-                            </a:rPr>
-                          </m:ctrlPr>
-                        </m:sSubPr>
-                        <m:e>
-                          <m:r>
-                            <a:rPr lang="en-US" sz="1000" i="1">
-                              <a:latin typeface="Cambria Math" panose="02040503050406030204" pitchFamily="18" charset="0"/>
-                            </a:rPr>
-                            <m:t>𝐶</m:t>
-                          </m:r>
-                        </m:e>
-                        <m:sub>
-                          <m:r>
-                            <a:rPr lang="en-US" sz="1000" i="1">
-                              <a:latin typeface="Cambria Math" panose="02040503050406030204" pitchFamily="18" charset="0"/>
-                            </a:rPr>
-                            <m:t>𝑗</m:t>
-                          </m:r>
-                          <m:r>
-                            <a:rPr lang="en-US" sz="1000" i="1">
-                              <a:latin typeface="Cambria Math" panose="02040503050406030204" pitchFamily="18" charset="0"/>
-                            </a:rPr>
-                            <m:t>,</m:t>
-                          </m:r>
-                          <m:r>
-                            <a:rPr lang="en-US" sz="1000" i="1">
-                              <a:latin typeface="Cambria Math" panose="02040503050406030204" pitchFamily="18" charset="0"/>
-                            </a:rPr>
-                            <m:t>𝑘</m:t>
-                          </m:r>
-                        </m:sub>
-                      </m:sSub>
-                      <m:r>
-                        <a:rPr lang="en-US" sz="1000" i="1">
-                          <a:latin typeface="Cambria Math" panose="02040503050406030204" pitchFamily="18" charset="0"/>
-                        </a:rPr>
-                        <m:t>= </m:t>
-                      </m:r>
-                      <m:f>
-                        <m:fPr>
-                          <m:ctrlPr>
-                            <a:rPr lang="fr-FR" sz="1000" i="1">
-                              <a:latin typeface="Cambria Math" panose="02040503050406030204" pitchFamily="18" charset="0"/>
-                            </a:rPr>
-                          </m:ctrlPr>
-                        </m:fPr>
-                        <m:num>
-                          <m:r>
-                            <a:rPr lang="en-US" sz="1000" i="1">
-                              <a:latin typeface="Cambria Math" panose="02040503050406030204" pitchFamily="18" charset="0"/>
-                            </a:rPr>
-                            <m:t>1</m:t>
-                          </m:r>
-                        </m:num>
-                        <m:den>
-                          <m:r>
-                            <a:rPr lang="en-US" sz="1000" i="1">
-                              <a:latin typeface="Cambria Math" panose="02040503050406030204" pitchFamily="18" charset="0"/>
-                            </a:rPr>
-                            <m:t>𝑇</m:t>
-                          </m:r>
-                        </m:den>
-                      </m:f>
-                      <m:r>
-                        <a:rPr lang="en-US" sz="1000" i="1">
-                          <a:latin typeface="Cambria Math" panose="02040503050406030204" pitchFamily="18" charset="0"/>
-                        </a:rPr>
-                        <m:t> × </m:t>
-                      </m:r>
-                      <m:nary>
-                        <m:naryPr>
-                          <m:chr m:val="∑"/>
-                          <m:limLoc m:val="undOvr"/>
-                          <m:ctrlPr>
-                            <a:rPr lang="fr-FR" sz="1000" i="1">
-                              <a:latin typeface="Cambria Math" panose="02040503050406030204" pitchFamily="18" charset="0"/>
-                            </a:rPr>
-                          </m:ctrlPr>
-                        </m:naryPr>
-                        <m:sub>
-                          <m:r>
-                            <a:rPr lang="en-US" sz="1000" i="1">
-                              <a:latin typeface="Cambria Math" panose="02040503050406030204" pitchFamily="18" charset="0"/>
-                            </a:rPr>
-                            <m:t>𝑡</m:t>
-                          </m:r>
-                        </m:sub>
-                        <m:sup>
-                          <m:r>
-                            <a:rPr lang="en-US" sz="1000" i="1">
-                              <a:latin typeface="Cambria Math" panose="02040503050406030204" pitchFamily="18" charset="0"/>
-                            </a:rPr>
-                            <m:t> </m:t>
-                          </m:r>
-                        </m:sup>
-                        <m:e>
-                          <m:sSub>
-                            <m:sSubPr>
-                              <m:ctrlPr>
-                                <a:rPr lang="fr-FR" sz="1000" i="1">
-                                  <a:latin typeface="Cambria Math" panose="02040503050406030204" pitchFamily="18" charset="0"/>
-                                </a:rPr>
-                              </m:ctrlPr>
-                            </m:sSubPr>
-                            <m:e>
-                              <m:r>
-                                <a:rPr lang="en-US" sz="1000" i="1">
-                                  <a:latin typeface="Cambria Math" panose="02040503050406030204" pitchFamily="18" charset="0"/>
-                                </a:rPr>
-                                <m:t>𝑍</m:t>
-                              </m:r>
-                            </m:e>
-                            <m:sub>
-                              <m:r>
-                                <a:rPr lang="en-US" sz="1000" i="1">
-                                  <a:latin typeface="Cambria Math" panose="02040503050406030204" pitchFamily="18" charset="0"/>
-                                </a:rPr>
-                                <m:t>𝑗</m:t>
-                              </m:r>
-                              <m:r>
-                                <a:rPr lang="en-US" sz="1000" i="1">
-                                  <a:latin typeface="Cambria Math" panose="02040503050406030204" pitchFamily="18" charset="0"/>
-                                </a:rPr>
-                                <m:t>,</m:t>
-                              </m:r>
-                              <m:r>
-                                <a:rPr lang="en-US" sz="1000" i="1">
-                                  <a:latin typeface="Cambria Math" panose="02040503050406030204" pitchFamily="18" charset="0"/>
-                                </a:rPr>
-                                <m:t>𝑡</m:t>
-                              </m:r>
-                            </m:sub>
-                          </m:sSub>
-                          <m:r>
-                            <a:rPr lang="en-US" sz="1000" i="1">
-                              <a:latin typeface="Cambria Math" panose="02040503050406030204" pitchFamily="18" charset="0"/>
-                            </a:rPr>
-                            <m:t>× </m:t>
-                          </m:r>
-                          <m:sSub>
-                            <m:sSubPr>
-                              <m:ctrlPr>
-                                <a:rPr lang="fr-FR" sz="1000" i="1">
-                                  <a:latin typeface="Cambria Math" panose="02040503050406030204" pitchFamily="18" charset="0"/>
-                                </a:rPr>
-                              </m:ctrlPr>
-                            </m:sSubPr>
-                            <m:e>
-                              <m:r>
-                                <a:rPr lang="en-US" sz="1000" i="1">
-                                  <a:latin typeface="Cambria Math" panose="02040503050406030204" pitchFamily="18" charset="0"/>
-                                </a:rPr>
-                                <m:t>𝑍</m:t>
-                              </m:r>
-                            </m:e>
-                            <m:sub>
-                              <m:r>
-                                <a:rPr lang="en-US" sz="1000" i="1">
-                                  <a:latin typeface="Cambria Math" panose="02040503050406030204" pitchFamily="18" charset="0"/>
-                                </a:rPr>
-                                <m:t>𝑘</m:t>
-                              </m:r>
-                              <m:r>
-                                <a:rPr lang="en-US" sz="1000" i="1">
-                                  <a:latin typeface="Cambria Math" panose="02040503050406030204" pitchFamily="18" charset="0"/>
-                                </a:rPr>
-                                <m:t>,</m:t>
-                              </m:r>
-                              <m:r>
-                                <a:rPr lang="en-US" sz="1000" i="1">
-                                  <a:latin typeface="Cambria Math" panose="02040503050406030204" pitchFamily="18" charset="0"/>
-                                </a:rPr>
-                                <m:t>𝑡</m:t>
-                              </m:r>
-                            </m:sub>
-                          </m:sSub>
-                        </m:e>
-                      </m:nary>
-                    </m:oMath>
-                  </m:oMathPara>
-                </a14:m>
-                <a:endParaRPr lang="fr-FR" sz="1000" dirty="0"/>
-              </a:p>
-              <a:p>
-                <a:pPr algn="just"/>
-                <a:r>
-                  <a:rPr lang="en-US" sz="1000" dirty="0"/>
-                  <a:t>We get the eigenvectors in matrix </a:t>
-                </a:r>
-                <a14:m>
-                  <m:oMath xmlns:m="http://schemas.openxmlformats.org/officeDocument/2006/math">
-                    <m:r>
-                      <a:rPr lang="en-US" sz="1000" i="1">
-                        <a:latin typeface="Cambria Math" panose="02040503050406030204" pitchFamily="18" charset="0"/>
-                      </a:rPr>
-                      <m:t>𝑉</m:t>
-                    </m:r>
-                  </m:oMath>
-                </a14:m>
-                <a:r>
-                  <a:rPr lang="en-US" sz="1000" dirty="0"/>
-                  <a:t> and their eigenvalues in matrix </a:t>
-                </a:r>
-                <a14:m>
-                  <m:oMath xmlns:m="http://schemas.openxmlformats.org/officeDocument/2006/math">
-                    <m:r>
-                      <a:rPr lang="en-US" sz="1000" i="1">
-                        <a:latin typeface="Cambria Math" panose="02040503050406030204" pitchFamily="18" charset="0"/>
-                      </a:rPr>
-                      <m:t>𝐸</m:t>
-                    </m:r>
-                    <m:r>
-                      <a:rPr lang="en-US" sz="1000" i="1">
-                        <a:latin typeface="Cambria Math" panose="02040503050406030204" pitchFamily="18" charset="0"/>
-                      </a:rPr>
-                      <m:t>:</m:t>
-                    </m:r>
-                    <m:d>
-                      <m:dPr>
-                        <m:begChr m:val="["/>
-                        <m:endChr m:val="]"/>
-                        <m:ctrlPr>
-                          <a:rPr lang="fr-FR" sz="1000" i="1">
-                            <a:latin typeface="Cambria Math" panose="02040503050406030204" pitchFamily="18" charset="0"/>
-                          </a:rPr>
-                        </m:ctrlPr>
-                      </m:dPr>
-                      <m:e>
-                        <m:r>
-                          <a:rPr lang="en-US" sz="1000" i="1">
-                            <a:latin typeface="Cambria Math" panose="02040503050406030204" pitchFamily="18" charset="0"/>
-                          </a:rPr>
-                          <m:t>𝐸</m:t>
-                        </m:r>
-                        <m:r>
-                          <a:rPr lang="en-US" sz="1000" i="1">
-                            <a:latin typeface="Cambria Math" panose="02040503050406030204" pitchFamily="18" charset="0"/>
-                          </a:rPr>
-                          <m:t>,</m:t>
-                        </m:r>
-                        <m:r>
-                          <a:rPr lang="en-US" sz="1000" i="1">
-                            <a:latin typeface="Cambria Math" panose="02040503050406030204" pitchFamily="18" charset="0"/>
-                          </a:rPr>
-                          <m:t>𝑉</m:t>
-                        </m:r>
-                      </m:e>
-                    </m:d>
-                    <m:r>
-                      <a:rPr lang="en-US" sz="1000" i="1">
-                        <a:latin typeface="Cambria Math" panose="02040503050406030204" pitchFamily="18" charset="0"/>
-                      </a:rPr>
-                      <m:t>=</m:t>
-                    </m:r>
-                    <m:r>
-                      <a:rPr lang="en-US" sz="1000" i="1">
-                        <a:latin typeface="Cambria Math" panose="02040503050406030204" pitchFamily="18" charset="0"/>
-                      </a:rPr>
-                      <m:t>𝑒𝑖𝑔</m:t>
-                    </m:r>
-                    <m:r>
-                      <a:rPr lang="en-US" sz="1000" i="1">
-                        <a:latin typeface="Cambria Math" panose="02040503050406030204" pitchFamily="18" charset="0"/>
-                      </a:rPr>
-                      <m:t>(</m:t>
-                    </m:r>
-                    <m:r>
-                      <a:rPr lang="en-US" sz="1000" i="1">
-                        <a:latin typeface="Cambria Math" panose="02040503050406030204" pitchFamily="18" charset="0"/>
-                      </a:rPr>
-                      <m:t>𝐶</m:t>
-                    </m:r>
-                    <m:r>
-                      <a:rPr lang="en-US" sz="1000" i="1">
-                        <a:latin typeface="Cambria Math" panose="02040503050406030204" pitchFamily="18" charset="0"/>
-                      </a:rPr>
-                      <m:t>)</m:t>
-                    </m:r>
-                  </m:oMath>
-                </a14:m>
-                <a:endParaRPr lang="fr-FR" sz="1000" dirty="0"/>
-              </a:p>
-              <a:p>
-                <a:pPr algn="just"/>
-                <a:r>
-                  <a:rPr lang="en-US" sz="1000" dirty="0"/>
-                  <a:t>Eigenvectors are then sorted according to their eigenvalues, with the largest one first in </a:t>
-                </a:r>
-                <a14:m>
-                  <m:oMath xmlns:m="http://schemas.openxmlformats.org/officeDocument/2006/math">
-                    <m:r>
-                      <a:rPr lang="en-US" sz="1000" i="1">
-                        <a:latin typeface="Cambria Math" panose="02040503050406030204" pitchFamily="18" charset="0"/>
-                      </a:rPr>
-                      <m:t>𝑉</m:t>
-                    </m:r>
-                  </m:oMath>
-                </a14:m>
-                <a:r>
-                  <a:rPr lang="en-US" sz="1000" dirty="0"/>
-                  <a:t>. </a:t>
-                </a:r>
-                <a:endParaRPr lang="fr-FR" sz="1000" dirty="0"/>
-              </a:p>
-              <a:p>
-                <a:pPr algn="just"/>
-                <a:r>
-                  <a:rPr lang="en-US" sz="1000" dirty="0"/>
-                  <a:t>The K largest ones are removed, based on a given threshold </a:t>
-                </a:r>
-                <a:r>
-                  <a:rPr lang="en-US" sz="1000" dirty="0" smtClean="0"/>
-                  <a:t>such that </a:t>
-                </a:r>
-                <a14:m>
-                  <m:oMath xmlns:m="http://schemas.openxmlformats.org/officeDocument/2006/math">
-                    <m:r>
-                      <a:rPr lang="en-US" sz="1000" i="1">
-                        <a:latin typeface="Cambria Math" panose="02040503050406030204" pitchFamily="18" charset="0"/>
-                      </a:rPr>
-                      <m:t>∀</m:t>
-                    </m:r>
-                    <m:r>
-                      <a:rPr lang="en-US" sz="1000" i="1">
-                        <a:latin typeface="Cambria Math" panose="02040503050406030204" pitchFamily="18" charset="0"/>
-                      </a:rPr>
-                      <m:t>𝑖</m:t>
-                    </m:r>
-                    <m:r>
-                      <a:rPr lang="en-US" sz="1000" i="1">
-                        <a:latin typeface="Cambria Math" panose="02040503050406030204" pitchFamily="18" charset="0"/>
-                      </a:rPr>
-                      <m:t>&lt;</m:t>
-                    </m:r>
-                    <m:r>
-                      <a:rPr lang="en-US" sz="1000" i="1">
-                        <a:latin typeface="Cambria Math" panose="02040503050406030204" pitchFamily="18" charset="0"/>
-                      </a:rPr>
-                      <m:t>𝐾</m:t>
-                    </m:r>
-                    <m:r>
-                      <a:rPr lang="en-US" sz="1000" i="1">
-                        <a:latin typeface="Cambria Math" panose="02040503050406030204" pitchFamily="18" charset="0"/>
-                      </a:rPr>
-                      <m:t>,  </m:t>
-                    </m:r>
-                    <m:sSub>
-                      <m:sSubPr>
-                        <m:ctrlPr>
-                          <a:rPr lang="fr-FR" sz="1000" i="1">
-                            <a:latin typeface="Cambria Math" panose="02040503050406030204" pitchFamily="18" charset="0"/>
-                          </a:rPr>
-                        </m:ctrlPr>
-                      </m:sSubPr>
-                      <m:e>
-                        <m:r>
-                          <a:rPr lang="en-US" sz="1000" i="1">
-                            <a:latin typeface="Cambria Math" panose="02040503050406030204" pitchFamily="18" charset="0"/>
-                          </a:rPr>
-                          <m:t>𝐸</m:t>
-                        </m:r>
-                      </m:e>
-                      <m:sub>
-                        <m:r>
-                          <a:rPr lang="en-US" sz="1000" i="1">
-                            <a:latin typeface="Cambria Math" panose="02040503050406030204" pitchFamily="18" charset="0"/>
-                          </a:rPr>
-                          <m:t>𝑖</m:t>
-                        </m:r>
-                        <m:r>
-                          <a:rPr lang="en-US" sz="1000" i="1">
-                            <a:latin typeface="Cambria Math" panose="02040503050406030204" pitchFamily="18" charset="0"/>
-                          </a:rPr>
-                          <m:t> </m:t>
-                        </m:r>
-                      </m:sub>
-                    </m:sSub>
-                    <m:r>
-                      <a:rPr lang="en-US" sz="1000" i="1">
-                        <a:latin typeface="Cambria Math" panose="02040503050406030204" pitchFamily="18" charset="0"/>
-                      </a:rPr>
-                      <m:t>&gt;</m:t>
-                    </m:r>
-                    <m:r>
-                      <a:rPr lang="en-US" sz="1000" i="1">
-                        <a:latin typeface="Cambria Math" panose="02040503050406030204" pitchFamily="18" charset="0"/>
-                      </a:rPr>
-                      <m:t>𝑡h𝑟𝑒𝑠h𝑜𝑙𝑑</m:t>
-                    </m:r>
-                  </m:oMath>
-                </a14:m>
-                <a:r>
-                  <a:rPr lang="en-US" sz="1000" dirty="0"/>
-                  <a:t>.</a:t>
-                </a:r>
-                <a:endParaRPr lang="fr-FR" sz="1000" dirty="0"/>
-              </a:p>
-              <a:p>
-                <a:pPr algn="just"/>
-                <a:r>
-                  <a:rPr lang="en-US" sz="1000" dirty="0"/>
-                  <a:t>We project the data back </a:t>
-                </a:r>
-                <a:r>
-                  <a:rPr lang="en-US" sz="1000" dirty="0" smtClean="0"/>
-                  <a:t>onto </a:t>
-                </a:r>
-                <a:r>
-                  <a:rPr lang="en-US" sz="1000" dirty="0"/>
-                  <a:t>the remaining eigenvectors:</a:t>
-                </a:r>
-                <a:endParaRPr lang="fr-FR" sz="1000" dirty="0"/>
-              </a:p>
-              <a:p>
-                <a:pPr algn="just"/>
-                <a14:m>
-                  <m:oMath xmlns:m="http://schemas.openxmlformats.org/officeDocument/2006/math">
-                    <m:sSub>
-                      <m:sSubPr>
-                        <m:ctrlPr>
-                          <a:rPr lang="fr-FR" sz="1000" i="1">
-                            <a:latin typeface="Cambria Math" panose="02040503050406030204" pitchFamily="18" charset="0"/>
-                          </a:rPr>
-                        </m:ctrlPr>
-                      </m:sSubPr>
-                      <m:e>
-                        <m:r>
-                          <a:rPr lang="en-US" sz="1000" i="1">
-                            <a:latin typeface="Cambria Math" panose="02040503050406030204" pitchFamily="18" charset="0"/>
-                          </a:rPr>
-                          <m:t>𝑅</m:t>
-                        </m:r>
-                      </m:e>
-                      <m:sub>
-                        <m:r>
-                          <a:rPr lang="en-US" sz="1000" i="1">
-                            <a:latin typeface="Cambria Math" panose="02040503050406030204" pitchFamily="18" charset="0"/>
-                          </a:rPr>
-                          <m:t>𝑞</m:t>
-                        </m:r>
-                        <m:r>
-                          <a:rPr lang="en-US" sz="1000" i="1">
-                            <a:latin typeface="Cambria Math" panose="02040503050406030204" pitchFamily="18" charset="0"/>
-                          </a:rPr>
-                          <m:t>,</m:t>
-                        </m:r>
-                        <m:r>
-                          <a:rPr lang="en-US" sz="1000" i="1">
-                            <a:latin typeface="Cambria Math" panose="02040503050406030204" pitchFamily="18" charset="0"/>
-                          </a:rPr>
-                          <m:t>𝑡</m:t>
-                        </m:r>
-                      </m:sub>
-                    </m:sSub>
-                    <m:r>
-                      <a:rPr lang="en-US" sz="1000" i="1">
-                        <a:latin typeface="Cambria Math" panose="02040503050406030204" pitchFamily="18" charset="0"/>
-                      </a:rPr>
-                      <m:t>= </m:t>
-                    </m:r>
-                    <m:nary>
-                      <m:naryPr>
-                        <m:chr m:val="∑"/>
-                        <m:limLoc m:val="undOvr"/>
-                        <m:supHide m:val="on"/>
-                        <m:ctrlPr>
-                          <a:rPr lang="fr-FR" sz="1000" i="1">
-                            <a:latin typeface="Cambria Math" panose="02040503050406030204" pitchFamily="18" charset="0"/>
-                          </a:rPr>
-                        </m:ctrlPr>
-                      </m:naryPr>
-                      <m:sub>
-                        <m:r>
-                          <a:rPr lang="en-US" sz="1000" i="1">
-                            <a:latin typeface="Cambria Math" panose="02040503050406030204" pitchFamily="18" charset="0"/>
-                          </a:rPr>
-                          <m:t>𝑡</m:t>
-                        </m:r>
-                      </m:sub>
-                      <m:sup/>
-                      <m:e>
-                        <m:sSub>
-                          <m:sSubPr>
-                            <m:ctrlPr>
-                              <a:rPr lang="fr-FR" sz="1000" i="1">
-                                <a:latin typeface="Cambria Math" panose="02040503050406030204" pitchFamily="18" charset="0"/>
-                              </a:rPr>
-                            </m:ctrlPr>
-                          </m:sSubPr>
-                          <m:e>
-                            <m:r>
-                              <a:rPr lang="en-US" sz="1000" i="1">
-                                <a:latin typeface="Cambria Math" panose="02040503050406030204" pitchFamily="18" charset="0"/>
-                              </a:rPr>
-                              <m:t>𝑉</m:t>
-                            </m:r>
-                          </m:e>
-                          <m:sub>
-                            <m:r>
-                              <a:rPr lang="en-US" sz="1000" i="1">
-                                <a:latin typeface="Cambria Math" panose="02040503050406030204" pitchFamily="18" charset="0"/>
-                              </a:rPr>
-                              <m:t>𝑗</m:t>
-                            </m:r>
-                            <m:r>
-                              <a:rPr lang="en-US" sz="1000" i="1">
-                                <a:latin typeface="Cambria Math" panose="02040503050406030204" pitchFamily="18" charset="0"/>
-                              </a:rPr>
-                              <m:t>,</m:t>
-                            </m:r>
-                            <m:r>
-                              <a:rPr lang="en-US" sz="1000" i="1">
-                                <a:latin typeface="Cambria Math" panose="02040503050406030204" pitchFamily="18" charset="0"/>
-                              </a:rPr>
-                              <m:t>𝑞</m:t>
-                            </m:r>
-                          </m:sub>
-                        </m:sSub>
-                      </m:e>
-                    </m:nary>
-                    <m:r>
-                      <a:rPr lang="en-US" sz="1000" i="1">
-                        <a:latin typeface="Cambria Math" panose="02040503050406030204" pitchFamily="18" charset="0"/>
-                      </a:rPr>
-                      <m:t> ×</m:t>
-                    </m:r>
-                    <m:sSub>
-                      <m:sSubPr>
-                        <m:ctrlPr>
-                          <a:rPr lang="fr-FR" sz="1000" i="1">
-                            <a:latin typeface="Cambria Math" panose="02040503050406030204" pitchFamily="18" charset="0"/>
-                          </a:rPr>
-                        </m:ctrlPr>
-                      </m:sSubPr>
-                      <m:e>
-                        <m:r>
-                          <a:rPr lang="en-US" sz="1000" i="1">
-                            <a:latin typeface="Cambria Math" panose="02040503050406030204" pitchFamily="18" charset="0"/>
-                          </a:rPr>
-                          <m:t>𝑍</m:t>
-                        </m:r>
-                      </m:e>
-                      <m:sub>
-                        <m:r>
-                          <a:rPr lang="en-US" sz="1000" i="1">
-                            <a:latin typeface="Cambria Math" panose="02040503050406030204" pitchFamily="18" charset="0"/>
-                          </a:rPr>
-                          <m:t>𝑗</m:t>
-                        </m:r>
-                        <m:r>
-                          <a:rPr lang="en-US" sz="1000" i="1">
-                            <a:latin typeface="Cambria Math" panose="02040503050406030204" pitchFamily="18" charset="0"/>
-                          </a:rPr>
-                          <m:t>,</m:t>
-                        </m:r>
-                        <m:r>
-                          <a:rPr lang="en-US" sz="1000" i="1">
-                            <a:latin typeface="Cambria Math" panose="02040503050406030204" pitchFamily="18" charset="0"/>
-                          </a:rPr>
-                          <m:t>𝑡</m:t>
-                        </m:r>
-                      </m:sub>
-                    </m:sSub>
-                  </m:oMath>
-                </a14:m>
-                <a:r>
-                  <a:rPr lang="en-US" sz="1000" dirty="0"/>
-                  <a:t> with </a:t>
-                </a:r>
-                <a14:m>
-                  <m:oMath xmlns:m="http://schemas.openxmlformats.org/officeDocument/2006/math">
-                    <m:r>
-                      <a:rPr lang="en-US" sz="1000" i="1">
-                        <a:latin typeface="Cambria Math" panose="02040503050406030204" pitchFamily="18" charset="0"/>
-                      </a:rPr>
-                      <m:t>𝑗</m:t>
-                    </m:r>
-                    <m:r>
-                      <a:rPr lang="en-US" sz="1000" i="1">
-                        <a:latin typeface="Cambria Math" panose="02040503050406030204" pitchFamily="18" charset="0"/>
-                      </a:rPr>
-                      <m:t>=</m:t>
-                    </m:r>
-                    <m:d>
-                      <m:dPr>
-                        <m:ctrlPr>
-                          <a:rPr lang="fr-FR" sz="1000" i="1">
-                            <a:latin typeface="Cambria Math" panose="02040503050406030204" pitchFamily="18" charset="0"/>
-                          </a:rPr>
-                        </m:ctrlPr>
-                      </m:dPr>
-                      <m:e>
-                        <m:r>
-                          <a:rPr lang="en-US" sz="1000" i="1">
-                            <a:latin typeface="Cambria Math" panose="02040503050406030204" pitchFamily="18" charset="0"/>
-                          </a:rPr>
-                          <m:t>𝐾</m:t>
-                        </m:r>
-                        <m:r>
-                          <a:rPr lang="en-US" sz="1000" i="1">
-                            <a:latin typeface="Cambria Math" panose="02040503050406030204" pitchFamily="18" charset="0"/>
-                          </a:rPr>
-                          <m:t>+1</m:t>
-                        </m:r>
-                      </m:e>
-                    </m:d>
-                    <m:r>
-                      <a:rPr lang="en-US" sz="1000" i="1">
-                        <a:latin typeface="Cambria Math" panose="02040503050406030204" pitchFamily="18" charset="0"/>
-                      </a:rPr>
-                      <m:t>:</m:t>
-                    </m:r>
-                    <m:r>
-                      <a:rPr lang="en-US" sz="1000" i="1">
-                        <a:latin typeface="Cambria Math" panose="02040503050406030204" pitchFamily="18" charset="0"/>
-                      </a:rPr>
-                      <m:t>𝐽</m:t>
-                    </m:r>
-                  </m:oMath>
-                </a14:m>
-                <a:endParaRPr lang="fr-FR" sz="1000" dirty="0"/>
-              </a:p>
-              <a:p>
-                <a:pPr algn="just"/>
-                <a:r>
-                  <a:rPr lang="en-US" sz="1000" dirty="0"/>
-                  <a:t>Finally we can </a:t>
-                </a:r>
-                <a:r>
-                  <a:rPr lang="en-US" sz="1000" dirty="0" smtClean="0"/>
-                  <a:t>project the eigenvectors </a:t>
-                </a:r>
-                <a:r>
-                  <a:rPr lang="en-US" sz="1000" dirty="0"/>
-                  <a:t>back </a:t>
-                </a:r>
-                <a:r>
-                  <a:rPr lang="en-US" sz="1000" dirty="0" smtClean="0"/>
-                  <a:t>into the </a:t>
-                </a:r>
-                <a:r>
-                  <a:rPr lang="en-US" sz="1000" dirty="0"/>
-                  <a:t>channel space:</a:t>
-                </a:r>
-                <a:endParaRPr lang="fr-FR" sz="1000" dirty="0"/>
-              </a:p>
-              <a:p>
-                <a:pPr algn="just"/>
-                <a14:m>
-                  <m:oMathPara xmlns:m="http://schemas.openxmlformats.org/officeDocument/2006/math">
-                    <m:oMathParaPr>
-                      <m:jc m:val="centerGroup"/>
-                    </m:oMathParaPr>
-                    <m:oMath xmlns:m="http://schemas.openxmlformats.org/officeDocument/2006/math">
-                      <m:sSub>
-                        <m:sSubPr>
-                          <m:ctrlPr>
-                            <a:rPr lang="fr-FR" sz="1000" i="1">
-                              <a:latin typeface="Cambria Math" panose="02040503050406030204" pitchFamily="18" charset="0"/>
-                            </a:rPr>
-                          </m:ctrlPr>
-                        </m:sSubPr>
-                        <m:e>
-                          <m:sSub>
-                            <m:sSubPr>
-                              <m:ctrlPr>
-                                <a:rPr lang="fr-FR" sz="1000" i="1">
-                                  <a:latin typeface="Cambria Math" panose="02040503050406030204" pitchFamily="18" charset="0"/>
-                                </a:rPr>
-                              </m:ctrlPr>
-                            </m:sSubPr>
-                            <m:e>
-                              <m:r>
-                                <a:rPr lang="en-US" sz="1000" i="1">
-                                  <a:latin typeface="Cambria Math" panose="02040503050406030204" pitchFamily="18" charset="0"/>
-                                </a:rPr>
-                                <m:t>𝑍</m:t>
-                              </m:r>
-                            </m:e>
-                            <m:sub>
-                              <m:r>
-                                <a:rPr lang="en-US" sz="1000" i="1">
-                                  <a:latin typeface="Cambria Math" panose="02040503050406030204" pitchFamily="18" charset="0"/>
-                                </a:rPr>
-                                <m:t>𝑟𝑒𝑐𝑜𝑛𝑠𝑡𝑟𝑢𝑐𝑡𝑒𝑑</m:t>
-                              </m:r>
-                            </m:sub>
-                          </m:sSub>
-                        </m:e>
-                        <m:sub>
-                          <m:r>
-                            <a:rPr lang="en-US" sz="1000" i="1">
-                              <a:latin typeface="Cambria Math" panose="02040503050406030204" pitchFamily="18" charset="0"/>
-                            </a:rPr>
-                            <m:t>𝑗</m:t>
-                          </m:r>
-                          <m:r>
-                            <a:rPr lang="en-US" sz="1000" i="1">
-                              <a:latin typeface="Cambria Math" panose="02040503050406030204" pitchFamily="18" charset="0"/>
-                            </a:rPr>
-                            <m:t>,</m:t>
-                          </m:r>
-                          <m:r>
-                            <a:rPr lang="en-US" sz="1000" i="1">
-                              <a:latin typeface="Cambria Math" panose="02040503050406030204" pitchFamily="18" charset="0"/>
-                            </a:rPr>
-                            <m:t>𝑡</m:t>
-                          </m:r>
-                        </m:sub>
-                      </m:sSub>
-                      <m:r>
-                        <a:rPr lang="en-US" sz="1000" i="1">
-                          <a:latin typeface="Cambria Math" panose="02040503050406030204" pitchFamily="18" charset="0"/>
-                        </a:rPr>
-                        <m:t>= </m:t>
-                      </m:r>
-                      <m:nary>
-                        <m:naryPr>
-                          <m:chr m:val="∑"/>
-                          <m:limLoc m:val="undOvr"/>
-                          <m:supHide m:val="on"/>
-                          <m:ctrlPr>
-                            <a:rPr lang="fr-FR" sz="1000" i="1">
-                              <a:latin typeface="Cambria Math" panose="02040503050406030204" pitchFamily="18" charset="0"/>
-                            </a:rPr>
-                          </m:ctrlPr>
-                        </m:naryPr>
-                        <m:sub>
-                          <m:r>
-                            <a:rPr lang="en-US" sz="1000" i="1">
-                              <a:latin typeface="Cambria Math" panose="02040503050406030204" pitchFamily="18" charset="0"/>
-                            </a:rPr>
-                            <m:t>𝑞</m:t>
-                          </m:r>
-                        </m:sub>
-                        <m:sup/>
-                        <m:e>
-                          <m:sSub>
-                            <m:sSubPr>
-                              <m:ctrlPr>
-                                <a:rPr lang="fr-FR" sz="1000" i="1">
-                                  <a:latin typeface="Cambria Math" panose="02040503050406030204" pitchFamily="18" charset="0"/>
-                                </a:rPr>
-                              </m:ctrlPr>
-                            </m:sSubPr>
-                            <m:e>
-                              <m:r>
-                                <a:rPr lang="en-US" sz="1000" i="1">
-                                  <a:latin typeface="Cambria Math" panose="02040503050406030204" pitchFamily="18" charset="0"/>
-                                </a:rPr>
-                                <m:t>𝑉</m:t>
-                              </m:r>
-                            </m:e>
-                            <m:sub>
-                              <m:r>
-                                <a:rPr lang="en-US" sz="1000" i="1">
-                                  <a:latin typeface="Cambria Math" panose="02040503050406030204" pitchFamily="18" charset="0"/>
-                                </a:rPr>
-                                <m:t>𝑗</m:t>
-                              </m:r>
-                              <m:r>
-                                <a:rPr lang="en-US" sz="1000" i="1">
-                                  <a:latin typeface="Cambria Math" panose="02040503050406030204" pitchFamily="18" charset="0"/>
-                                </a:rPr>
-                                <m:t>,</m:t>
-                              </m:r>
-                              <m:r>
-                                <a:rPr lang="en-US" sz="1000" i="1">
-                                  <a:latin typeface="Cambria Math" panose="02040503050406030204" pitchFamily="18" charset="0"/>
-                                </a:rPr>
-                                <m:t>𝑞</m:t>
-                              </m:r>
-                            </m:sub>
-                          </m:sSub>
-                          <m:r>
-                            <a:rPr lang="en-US" sz="1000" i="1">
-                              <a:latin typeface="Cambria Math" panose="02040503050406030204" pitchFamily="18" charset="0"/>
-                            </a:rPr>
-                            <m:t>×</m:t>
-                          </m:r>
-                          <m:sSub>
-                            <m:sSubPr>
-                              <m:ctrlPr>
-                                <a:rPr lang="fr-FR" sz="1000" i="1">
-                                  <a:latin typeface="Cambria Math" panose="02040503050406030204" pitchFamily="18" charset="0"/>
-                                </a:rPr>
-                              </m:ctrlPr>
-                            </m:sSubPr>
-                            <m:e>
-                              <m:r>
-                                <a:rPr lang="en-US" sz="1000" i="1">
-                                  <a:latin typeface="Cambria Math" panose="02040503050406030204" pitchFamily="18" charset="0"/>
-                                </a:rPr>
-                                <m:t>𝑅</m:t>
-                              </m:r>
-                            </m:e>
-                            <m:sub>
-                              <m:r>
-                                <a:rPr lang="en-US" sz="1000" i="1">
-                                  <a:latin typeface="Cambria Math" panose="02040503050406030204" pitchFamily="18" charset="0"/>
-                                </a:rPr>
-                                <m:t>𝑞</m:t>
-                              </m:r>
-                              <m:r>
-                                <a:rPr lang="en-US" sz="1000" i="1">
-                                  <a:latin typeface="Cambria Math" panose="02040503050406030204" pitchFamily="18" charset="0"/>
-                                </a:rPr>
-                                <m:t>,</m:t>
-                              </m:r>
-                              <m:r>
-                                <a:rPr lang="en-US" sz="1000" i="1">
-                                  <a:latin typeface="Cambria Math" panose="02040503050406030204" pitchFamily="18" charset="0"/>
-                                </a:rPr>
-                                <m:t>𝑡</m:t>
-                              </m:r>
-                            </m:sub>
-                          </m:sSub>
-                        </m:e>
-                      </m:nary>
-                    </m:oMath>
-                  </m:oMathPara>
-                </a14:m>
-                <a:endParaRPr lang="fr-FR" sz="1000" dirty="0"/>
-              </a:p>
-              <a:p>
-                <a:pPr algn="just"/>
-                <a:r>
-                  <a:rPr lang="en-US" sz="1000" dirty="0"/>
-                  <a:t>And we </a:t>
-                </a:r>
-                <a:r>
-                  <a:rPr lang="en-US" sz="1000" dirty="0" smtClean="0"/>
-                  <a:t>add </a:t>
-                </a:r>
-                <a:r>
-                  <a:rPr lang="en-US" sz="1000" dirty="0"/>
-                  <a:t>the mean back</a:t>
-                </a:r>
-                <a:r>
-                  <a:rPr lang="en-US" sz="1000" dirty="0" smtClean="0"/>
-                  <a:t>:</a:t>
-                </a:r>
-              </a:p>
-              <a:p>
-                <a:pPr algn="just"/>
-                <a:r>
-                  <a:rPr lang="en-US" sz="1000" dirty="0" smtClean="0"/>
-                  <a:t> </a:t>
-                </a:r>
-                <a14:m>
-                  <m:oMath xmlns:m="http://schemas.openxmlformats.org/officeDocument/2006/math">
-                    <m:sSub>
-                      <m:sSubPr>
-                        <m:ctrlPr>
-                          <a:rPr lang="fr-FR" sz="1000" i="1">
-                            <a:latin typeface="Cambria Math" panose="02040503050406030204" pitchFamily="18" charset="0"/>
-                          </a:rPr>
-                        </m:ctrlPr>
-                      </m:sSubPr>
-                      <m:e>
-                        <m:r>
-                          <a:rPr lang="en-US" sz="1000" i="1">
-                            <a:latin typeface="Cambria Math" panose="02040503050406030204" pitchFamily="18" charset="0"/>
-                          </a:rPr>
-                          <m:t>𝑌</m:t>
-                        </m:r>
-                      </m:e>
-                      <m:sub>
-                        <m:r>
-                          <a:rPr lang="en-US" sz="1000" i="1">
-                            <a:latin typeface="Cambria Math" panose="02040503050406030204" pitchFamily="18" charset="0"/>
-                          </a:rPr>
-                          <m:t>𝑟𝑒𝑐𝑜𝑛𝑠𝑡𝑟𝑢𝑐𝑡𝑒</m:t>
-                        </m:r>
-                        <m:sSub>
-                          <m:sSubPr>
-                            <m:ctrlPr>
-                              <a:rPr lang="fr-FR" sz="1000" i="1">
-                                <a:latin typeface="Cambria Math" panose="02040503050406030204" pitchFamily="18" charset="0"/>
-                              </a:rPr>
-                            </m:ctrlPr>
-                          </m:sSubPr>
-                          <m:e>
-                            <m:r>
-                              <a:rPr lang="en-US" sz="1000" i="1">
-                                <a:latin typeface="Cambria Math" panose="02040503050406030204" pitchFamily="18" charset="0"/>
-                              </a:rPr>
-                              <m:t>𝑑</m:t>
-                            </m:r>
-                          </m:e>
-                          <m:sub>
-                            <m:r>
-                              <a:rPr lang="en-US" sz="1000" i="1">
-                                <a:latin typeface="Cambria Math" panose="02040503050406030204" pitchFamily="18" charset="0"/>
-                              </a:rPr>
-                              <m:t>𝑗</m:t>
-                            </m:r>
-                            <m:r>
-                              <a:rPr lang="en-US" sz="1000" i="1">
-                                <a:latin typeface="Cambria Math" panose="02040503050406030204" pitchFamily="18" charset="0"/>
-                              </a:rPr>
-                              <m:t>,</m:t>
-                            </m:r>
-                            <m:r>
-                              <a:rPr lang="en-US" sz="1000" i="1">
-                                <a:latin typeface="Cambria Math" panose="02040503050406030204" pitchFamily="18" charset="0"/>
-                              </a:rPr>
-                              <m:t>𝑡</m:t>
-                            </m:r>
-                          </m:sub>
-                        </m:sSub>
-                      </m:sub>
-                    </m:sSub>
-                    <m:r>
-                      <a:rPr lang="en-US" sz="1000" i="1">
-                        <a:latin typeface="Cambria Math" panose="02040503050406030204" pitchFamily="18" charset="0"/>
-                      </a:rPr>
-                      <m:t>= </m:t>
-                    </m:r>
-                    <m:sSub>
-                      <m:sSubPr>
-                        <m:ctrlPr>
-                          <a:rPr lang="fr-FR" sz="1000" i="1">
-                            <a:latin typeface="Cambria Math" panose="02040503050406030204" pitchFamily="18" charset="0"/>
-                          </a:rPr>
-                        </m:ctrlPr>
-                      </m:sSubPr>
-                      <m:e>
-                        <m:r>
-                          <a:rPr lang="en-US" sz="1000" i="1">
-                            <a:latin typeface="Cambria Math" panose="02040503050406030204" pitchFamily="18" charset="0"/>
-                          </a:rPr>
-                          <m:t>µ</m:t>
-                        </m:r>
-                      </m:e>
-                      <m:sub>
-                        <m:r>
-                          <a:rPr lang="en-US" sz="1000" i="1">
-                            <a:latin typeface="Cambria Math" panose="02040503050406030204" pitchFamily="18" charset="0"/>
-                          </a:rPr>
-                          <m:t>𝑗</m:t>
-                        </m:r>
-                      </m:sub>
-                    </m:sSub>
-                    <m:r>
-                      <a:rPr lang="en-US" sz="1000" i="1">
-                        <a:latin typeface="Cambria Math" panose="02040503050406030204" pitchFamily="18" charset="0"/>
-                      </a:rPr>
-                      <m:t>+</m:t>
-                    </m:r>
-                    <m:sSub>
-                      <m:sSubPr>
-                        <m:ctrlPr>
-                          <a:rPr lang="fr-FR" sz="1000" i="1">
-                            <a:latin typeface="Cambria Math" panose="02040503050406030204" pitchFamily="18" charset="0"/>
-                          </a:rPr>
-                        </m:ctrlPr>
-                      </m:sSubPr>
-                      <m:e>
-                        <m:r>
-                          <a:rPr lang="en-US" sz="1000" i="1">
-                            <a:latin typeface="Cambria Math" panose="02040503050406030204" pitchFamily="18" charset="0"/>
-                          </a:rPr>
-                          <m:t>𝑍</m:t>
-                        </m:r>
-                      </m:e>
-                      <m:sub>
-                        <m:r>
-                          <a:rPr lang="en-US" sz="1000" i="1">
-                            <a:latin typeface="Cambria Math" panose="02040503050406030204" pitchFamily="18" charset="0"/>
-                          </a:rPr>
-                          <m:t>𝑟𝑒𝑐𝑜𝑛𝑠𝑡𝑟𝑢𝑐𝑡𝑒</m:t>
-                        </m:r>
-                        <m:sSub>
-                          <m:sSubPr>
-                            <m:ctrlPr>
-                              <a:rPr lang="fr-FR" sz="1000" i="1">
-                                <a:latin typeface="Cambria Math" panose="02040503050406030204" pitchFamily="18" charset="0"/>
-                              </a:rPr>
-                            </m:ctrlPr>
-                          </m:sSubPr>
-                          <m:e>
-                            <m:r>
-                              <a:rPr lang="en-US" sz="1000" i="1">
-                                <a:latin typeface="Cambria Math" panose="02040503050406030204" pitchFamily="18" charset="0"/>
-                              </a:rPr>
-                              <m:t>𝑑</m:t>
-                            </m:r>
-                          </m:e>
-                          <m:sub>
-                            <m:r>
-                              <a:rPr lang="en-US" sz="1000" i="1">
-                                <a:latin typeface="Cambria Math" panose="02040503050406030204" pitchFamily="18" charset="0"/>
-                              </a:rPr>
-                              <m:t>𝑗</m:t>
-                            </m:r>
-                          </m:sub>
-                        </m:sSub>
-                        <m:r>
-                          <a:rPr lang="en-US" sz="1000" i="1">
-                            <a:latin typeface="Cambria Math" panose="02040503050406030204" pitchFamily="18" charset="0"/>
-                          </a:rPr>
-                          <m:t>,</m:t>
-                        </m:r>
-                        <m:r>
-                          <a:rPr lang="en-US" sz="1000" i="1">
-                            <a:latin typeface="Cambria Math" panose="02040503050406030204" pitchFamily="18" charset="0"/>
-                          </a:rPr>
-                          <m:t>𝑡</m:t>
-                        </m:r>
-                      </m:sub>
-                    </m:sSub>
-                  </m:oMath>
-                </a14:m>
-                <a:endParaRPr lang="fr-FR" sz="1000" dirty="0"/>
-              </a:p>
-            </p:txBody>
-          </p:sp>
-        </mc:Choice>
-        <mc:Fallback>
-          <p:sp>
-            <p:nvSpPr>
-              <p:cNvPr id="6" name="ZoneTexte 5"/>
-              <p:cNvSpPr txBox="1">
-                <a:spLocks noRot="1" noChangeAspect="1" noMove="1" noResize="1" noEditPoints="1" noAdjustHandles="1" noChangeArrowheads="1" noChangeShapeType="1" noTextEdit="1"/>
-              </p:cNvSpPr>
-              <p:nvPr/>
-            </p:nvSpPr>
-            <p:spPr>
-              <a:xfrm>
-                <a:off x="15030" y="1788675"/>
-                <a:ext cx="3852037" cy="5144293"/>
-              </a:xfrm>
-              <a:prstGeom prst="rect">
-                <a:avLst/>
-              </a:prstGeom>
-              <a:blipFill rotWithShape="0">
-                <a:blip r:embed="rId5"/>
-                <a:stretch>
-                  <a:fillRect b="-3310"/>
-                </a:stretch>
-              </a:blipFill>
-              <a:ln>
-                <a:solidFill>
-                  <a:schemeClr val="accent1"/>
-                </a:solidFill>
-              </a:ln>
-            </p:spPr>
-            <p:txBody>
-              <a:bodyPr/>
-              <a:lstStyle/>
-              <a:p>
-                <a:r>
-                  <a:rPr lang="fr-FR">
-                    <a:noFill/>
-                  </a:rPr>
-                  <a:t> </a:t>
-                </a:r>
-              </a:p>
-            </p:txBody>
-          </p:sp>
-        </mc:Fallback>
-      </mc:AlternateContent>
       <p:sp>
         <p:nvSpPr>
           <p:cNvPr id="30" name="ZoneTexte 29"/>
@@ -5270,66 +3527,15 @@
             <a:pPr algn="just"/>
             <a:r>
               <a:rPr lang="en-US" sz="1000" b="1" dirty="0" smtClean="0"/>
-              <a:t>What are we trying to do?</a:t>
-            </a:r>
+              <a:t>Background</a:t>
+            </a:r>
+            <a:endParaRPr lang="en-US" sz="1000" b="1" dirty="0" smtClean="0"/>
           </a:p>
           <a:p>
             <a:pPr algn="just"/>
             <a:r>
               <a:rPr lang="en-US" sz="1000" dirty="0" smtClean="0"/>
-              <a:t>When EEGs are recorded, electrodes are placed on the head of patients in order to measure the brain’s electrical activity. However, </a:t>
-            </a:r>
-            <a:r>
-              <a:rPr lang="en-US" sz="1000" dirty="0" smtClean="0"/>
-              <a:t>these </a:t>
-            </a:r>
-            <a:r>
-              <a:rPr lang="en-US" sz="1000" dirty="0" smtClean="0"/>
-              <a:t>measures can be disturbed by </a:t>
-            </a:r>
-            <a:r>
-              <a:rPr lang="en-US" sz="1000" dirty="0" smtClean="0"/>
-              <a:t>noise caused by muscular movements </a:t>
-            </a:r>
-            <a:r>
-              <a:rPr lang="en-US" sz="1000" dirty="0" smtClean="0"/>
-              <a:t>such as </a:t>
-            </a:r>
-            <a:r>
-              <a:rPr lang="en-US" sz="1000" dirty="0" smtClean="0"/>
-              <a:t>eyelid movement. This creates large spikes </a:t>
-            </a:r>
-            <a:r>
-              <a:rPr lang="en-US" sz="1000" dirty="0" smtClean="0"/>
-              <a:t>in </a:t>
-            </a:r>
-            <a:r>
-              <a:rPr lang="en-US" sz="1000" dirty="0" smtClean="0"/>
-              <a:t>amplitude </a:t>
-            </a:r>
-            <a:r>
-              <a:rPr lang="en-US" sz="1000" dirty="0" smtClean="0"/>
-              <a:t>of the recorded </a:t>
-            </a:r>
-            <a:r>
-              <a:rPr lang="en-US" sz="1000" dirty="0" smtClean="0"/>
-              <a:t>signal artifacts. Our </a:t>
-            </a:r>
-            <a:r>
-              <a:rPr lang="en-US" sz="1000" dirty="0" smtClean="0"/>
-              <a:t>purpose </a:t>
-            </a:r>
-            <a:r>
-              <a:rPr lang="en-US" sz="1000" dirty="0" smtClean="0"/>
-              <a:t>is </a:t>
-            </a:r>
-            <a:r>
-              <a:rPr lang="en-US" sz="1000" dirty="0" smtClean="0"/>
-              <a:t>to try to remove </a:t>
-            </a:r>
-            <a:r>
-              <a:rPr lang="en-US" sz="1000" dirty="0" smtClean="0"/>
-              <a:t>them.</a:t>
+              <a:t>When EEGs are recorded, electrodes are placed on the head of patients in order to measure the brain’s electrical activity. However, these measures can be disturbed by noise caused by muscular movements such as eyelid movement. This creates large spikes in amplitude of the recorded signal artifacts. Our purpose is to try to remove them.</a:t>
             </a:r>
             <a:endParaRPr lang="en-US" sz="1000" dirty="0"/>
           </a:p>
@@ -5344,7 +3550,7 @@
           <p:nvPr/>
         </p:nvPicPr>
         <p:blipFill>
-          <a:blip r:embed="rId6">
+          <a:blip r:embed="rId5">
             <a:extLst>
               <a:ext uri="{28A0092B-C50C-407E-A947-70E740481C1C}">
                 <a14:useLocalDpi xmlns:a14="http://schemas.microsoft.com/office/drawing/2010/main" val="0"/>
@@ -5396,11 +3602,15 @@
             </a:r>
             <a:r>
               <a:rPr lang="en-US" sz="1000" b="1" dirty="0" smtClean="0"/>
-              <a:t>3:</a:t>
+              <a:t>4:</a:t>
             </a:r>
             <a:r>
               <a:rPr lang="en-US" sz="1000" dirty="0" smtClean="0"/>
-              <a:t> cross-validation between thresholds and window size</a:t>
+              <a:t> </a:t>
+            </a:r>
+            <a:r>
+              <a:rPr lang="en-US" sz="1000" dirty="0" smtClean="0"/>
+              <a:t>cross-validation between thresholds and window size</a:t>
             </a:r>
             <a:endParaRPr lang="en-US" sz="1000" dirty="0"/>
           </a:p>
@@ -6090,6 +4300,1703 @@
 </p:sld>
 </file>
 
+<file path=ppt/slides/slide2.xml><?xml version="1.0" encoding="utf-8"?>
+<p:sld xmlns:a="http://schemas.openxmlformats.org/drawingml/2006/main" xmlns:r="http://schemas.openxmlformats.org/officeDocument/2006/relationships" xmlns:p="http://schemas.openxmlformats.org/presentationml/2006/main">
+  <p:cSld>
+    <p:spTree>
+      <p:nvGrpSpPr>
+        <p:cNvPr id="1" name=""/>
+        <p:cNvGrpSpPr/>
+        <p:nvPr/>
+      </p:nvGrpSpPr>
+      <p:grpSpPr>
+        <a:xfrm>
+          <a:off x="0" y="0"/>
+          <a:ext cx="0" cy="0"/>
+          <a:chOff x="0" y="0"/>
+          <a:chExt cx="0" cy="0"/>
+        </a:xfrm>
+      </p:grpSpPr>
+      <mc:AlternateContent xmlns:mc="http://schemas.openxmlformats.org/markup-compatibility/2006">
+        <mc:Choice xmlns:a14="http://schemas.microsoft.com/office/drawing/2010/main" Requires="a14">
+          <p:sp>
+            <p:nvSpPr>
+              <p:cNvPr id="2" name="ZoneTexte 1"/>
+              <p:cNvSpPr txBox="1"/>
+              <p:nvPr/>
+            </p:nvSpPr>
+            <p:spPr>
+              <a:xfrm>
+                <a:off x="465790" y="0"/>
+                <a:ext cx="11485804" cy="6970241"/>
+              </a:xfrm>
+              <a:prstGeom prst="rect">
+                <a:avLst/>
+              </a:prstGeom>
+              <a:noFill/>
+              <a:ln>
+                <a:solidFill>
+                  <a:schemeClr val="accent1"/>
+                </a:solidFill>
+              </a:ln>
+            </p:spPr>
+            <p:txBody>
+              <a:bodyPr wrap="square" rtlCol="0">
+                <a:spAutoFit/>
+              </a:bodyPr>
+              <a:lstStyle/>
+              <a:p>
+                <a:pPr algn="just"/>
+                <a:r>
+                  <a:rPr lang="en-US" b="1" dirty="0" smtClean="0"/>
+                  <a:t>How do we remove artifacts?</a:t>
+                </a:r>
+              </a:p>
+              <a:p>
+                <a:pPr algn="just"/>
+                <a:r>
+                  <a:rPr lang="en-US" dirty="0" smtClean="0"/>
+                  <a:t>We use PCA to identify components with an unusually large eigenvalues. If the eigenvalue is above the threshold found during calibration, there should be an artifact in that component and we try to remove it. We </a:t>
+                </a:r>
+                <a:r>
+                  <a:rPr lang="en-US" dirty="0"/>
+                  <a:t>work with EEG data contained in a matrix </a:t>
+                </a:r>
+                <a14:m>
+                  <m:oMath xmlns:m="http://schemas.openxmlformats.org/officeDocument/2006/math">
+                    <m:r>
+                      <a:rPr lang="en-US" i="1">
+                        <a:latin typeface="Cambria Math" panose="02040503050406030204" pitchFamily="18" charset="0"/>
+                      </a:rPr>
+                      <m:t>𝑋</m:t>
+                    </m:r>
+                  </m:oMath>
+                </a14:m>
+                <a:r>
+                  <a:rPr lang="en-US" dirty="0"/>
+                  <a:t>. We divide this matrix </a:t>
+                </a:r>
+                <a:r>
+                  <a:rPr lang="en-US" dirty="0" smtClean="0"/>
+                  <a:t>into </a:t>
+                </a:r>
+                <a:r>
+                  <a:rPr lang="en-US" dirty="0"/>
+                  <a:t>several windows.</a:t>
+                </a:r>
+                <a:endParaRPr lang="fr-FR" dirty="0"/>
+              </a:p>
+              <a:p>
+                <a:pPr algn="just"/>
+                <a:r>
+                  <a:rPr lang="en-US" dirty="0"/>
+                  <a:t>A window is a matrix </a:t>
+                </a:r>
+                <a14:m>
+                  <m:oMath xmlns:m="http://schemas.openxmlformats.org/officeDocument/2006/math">
+                    <m:sSub>
+                      <m:sSubPr>
+                        <m:ctrlPr>
+                          <a:rPr lang="fr-FR" i="1">
+                            <a:latin typeface="Cambria Math" panose="02040503050406030204" pitchFamily="18" charset="0"/>
+                          </a:rPr>
+                        </m:ctrlPr>
+                      </m:sSubPr>
+                      <m:e>
+                        <m:r>
+                          <a:rPr lang="en-US" i="1">
+                            <a:latin typeface="Cambria Math" panose="02040503050406030204" pitchFamily="18" charset="0"/>
+                          </a:rPr>
+                          <m:t>𝑌</m:t>
+                        </m:r>
+                      </m:e>
+                      <m:sub>
+                        <m:r>
+                          <a:rPr lang="en-US" i="1">
+                            <a:latin typeface="Cambria Math" panose="02040503050406030204" pitchFamily="18" charset="0"/>
+                          </a:rPr>
+                          <m:t>𝑗</m:t>
+                        </m:r>
+                        <m:r>
+                          <a:rPr lang="en-US" i="1">
+                            <a:latin typeface="Cambria Math" panose="02040503050406030204" pitchFamily="18" charset="0"/>
+                          </a:rPr>
+                          <m:t>,</m:t>
+                        </m:r>
+                        <m:r>
+                          <a:rPr lang="en-US" i="1">
+                            <a:latin typeface="Cambria Math" panose="02040503050406030204" pitchFamily="18" charset="0"/>
+                          </a:rPr>
+                          <m:t>𝑡</m:t>
+                        </m:r>
+                      </m:sub>
+                    </m:sSub>
+                    <m:r>
+                      <a:rPr lang="en-US" i="1">
+                        <a:latin typeface="Cambria Math" panose="02040503050406030204" pitchFamily="18" charset="0"/>
+                      </a:rPr>
+                      <m:t>=</m:t>
+                    </m:r>
+                    <m:sSub>
+                      <m:sSubPr>
+                        <m:ctrlPr>
+                          <a:rPr lang="fr-FR" i="1">
+                            <a:latin typeface="Cambria Math" panose="02040503050406030204" pitchFamily="18" charset="0"/>
+                          </a:rPr>
+                        </m:ctrlPr>
+                      </m:sSubPr>
+                      <m:e>
+                        <m:r>
+                          <a:rPr lang="en-US" i="1">
+                            <a:latin typeface="Cambria Math" panose="02040503050406030204" pitchFamily="18" charset="0"/>
+                          </a:rPr>
+                          <m:t>𝑋</m:t>
+                        </m:r>
+                      </m:e>
+                      <m:sub>
+                        <m:r>
+                          <a:rPr lang="en-US" i="1">
+                            <a:latin typeface="Cambria Math" panose="02040503050406030204" pitchFamily="18" charset="0"/>
+                          </a:rPr>
+                          <m:t>𝑗</m:t>
+                        </m:r>
+                        <m:r>
+                          <a:rPr lang="en-US" i="1">
+                            <a:latin typeface="Cambria Math" panose="02040503050406030204" pitchFamily="18" charset="0"/>
+                          </a:rPr>
+                          <m:t>,</m:t>
+                        </m:r>
+                        <m:r>
+                          <a:rPr lang="en-US" i="1">
+                            <a:latin typeface="Cambria Math" panose="02040503050406030204" pitchFamily="18" charset="0"/>
+                          </a:rPr>
+                          <m:t>𝑡</m:t>
+                        </m:r>
+                      </m:sub>
+                    </m:sSub>
+                  </m:oMath>
+                </a14:m>
+                <a:r>
+                  <a:rPr lang="en-US" dirty="0"/>
+                  <a:t> which contains the EEG data observed in the time interval between </a:t>
+                </a:r>
+                <a14:m>
+                  <m:oMath xmlns:m="http://schemas.openxmlformats.org/officeDocument/2006/math">
+                    <m:r>
+                      <a:rPr lang="en-US" i="1">
+                        <a:latin typeface="Cambria Math" panose="02040503050406030204" pitchFamily="18" charset="0"/>
+                      </a:rPr>
+                      <m:t>𝑡</m:t>
+                    </m:r>
+                    <m:r>
+                      <a:rPr lang="en-US" i="1">
+                        <a:latin typeface="Cambria Math" panose="02040503050406030204" pitchFamily="18" charset="0"/>
+                      </a:rPr>
+                      <m:t>1</m:t>
+                    </m:r>
+                  </m:oMath>
+                </a14:m>
+                <a:r>
+                  <a:rPr lang="en-US" dirty="0"/>
+                  <a:t> and </a:t>
+                </a:r>
+                <a14:m>
+                  <m:oMath xmlns:m="http://schemas.openxmlformats.org/officeDocument/2006/math">
+                    <m:r>
+                      <a:rPr lang="en-US" i="1">
+                        <a:latin typeface="Cambria Math" panose="02040503050406030204" pitchFamily="18" charset="0"/>
+                      </a:rPr>
+                      <m:t>𝑡</m:t>
+                    </m:r>
+                    <m:r>
+                      <a:rPr lang="en-US" i="1">
+                        <a:latin typeface="Cambria Math" panose="02040503050406030204" pitchFamily="18" charset="0"/>
+                      </a:rPr>
+                      <m:t>2</m:t>
+                    </m:r>
+                  </m:oMath>
+                </a14:m>
+                <a:r>
+                  <a:rPr lang="en-US" dirty="0"/>
+                  <a:t>.</a:t>
+                </a:r>
+                <a:endParaRPr lang="fr-FR" dirty="0"/>
+              </a:p>
+              <a:p>
+                <a:pPr algn="just"/>
+                <a14:m>
+                  <m:oMath xmlns:m="http://schemas.openxmlformats.org/officeDocument/2006/math">
+                    <m:r>
+                      <a:rPr lang="en-US" i="1">
+                        <a:latin typeface="Cambria Math" panose="02040503050406030204" pitchFamily="18" charset="0"/>
+                      </a:rPr>
+                      <m:t>𝑌</m:t>
+                    </m:r>
+                  </m:oMath>
+                </a14:m>
+                <a:r>
+                  <a:rPr lang="en-US" dirty="0"/>
+                  <a:t> is of size </a:t>
+                </a:r>
+                <a14:m>
+                  <m:oMath xmlns:m="http://schemas.openxmlformats.org/officeDocument/2006/math">
+                    <m:r>
+                      <a:rPr lang="en-US" i="1">
+                        <a:latin typeface="Cambria Math" panose="02040503050406030204" pitchFamily="18" charset="0"/>
+                      </a:rPr>
+                      <m:t>𝐽</m:t>
+                    </m:r>
+                  </m:oMath>
+                </a14:m>
+                <a:r>
+                  <a:rPr lang="en-US" dirty="0"/>
+                  <a:t>  (Number of channels)  </a:t>
+                </a:r>
+                <a14:m>
+                  <m:oMath xmlns:m="http://schemas.openxmlformats.org/officeDocument/2006/math">
+                    <m:r>
+                      <a:rPr lang="en-US" i="1">
+                        <a:latin typeface="Cambria Math" panose="02040503050406030204" pitchFamily="18" charset="0"/>
+                      </a:rPr>
+                      <m:t>×</m:t>
+                    </m:r>
+                    <m:r>
+                      <a:rPr lang="en-US" i="1">
+                        <a:latin typeface="Cambria Math" panose="02040503050406030204" pitchFamily="18" charset="0"/>
+                      </a:rPr>
+                      <m:t>𝑇</m:t>
+                    </m:r>
+                  </m:oMath>
+                </a14:m>
+                <a:r>
+                  <a:rPr lang="en-US" dirty="0"/>
+                  <a:t> (number of time points in window  </a:t>
+                </a:r>
+                <a14:m>
+                  <m:oMath xmlns:m="http://schemas.openxmlformats.org/officeDocument/2006/math">
+                    <m:r>
+                      <a:rPr lang="en-US" i="1">
+                        <a:latin typeface="Cambria Math" panose="02040503050406030204" pitchFamily="18" charset="0"/>
+                      </a:rPr>
+                      <m:t>𝑇</m:t>
+                    </m:r>
+                    <m:r>
+                      <a:rPr lang="en-US" i="1">
+                        <a:latin typeface="Cambria Math" panose="02040503050406030204" pitchFamily="18" charset="0"/>
+                      </a:rPr>
+                      <m:t> = </m:t>
+                    </m:r>
+                    <m:r>
+                      <a:rPr lang="en-US" i="1">
+                        <a:latin typeface="Cambria Math" panose="02040503050406030204" pitchFamily="18" charset="0"/>
+                      </a:rPr>
+                      <m:t>𝑡</m:t>
+                    </m:r>
+                    <m:r>
+                      <a:rPr lang="en-US" i="1">
+                        <a:latin typeface="Cambria Math" panose="02040503050406030204" pitchFamily="18" charset="0"/>
+                      </a:rPr>
+                      <m:t>2−</m:t>
+                    </m:r>
+                    <m:r>
+                      <a:rPr lang="en-US" i="1">
+                        <a:latin typeface="Cambria Math" panose="02040503050406030204" pitchFamily="18" charset="0"/>
+                      </a:rPr>
+                      <m:t>𝑡</m:t>
+                    </m:r>
+                    <m:r>
+                      <a:rPr lang="en-US" i="1">
+                        <a:latin typeface="Cambria Math" panose="02040503050406030204" pitchFamily="18" charset="0"/>
+                      </a:rPr>
+                      <m:t>1+1</m:t>
+                    </m:r>
+                  </m:oMath>
+                </a14:m>
+                <a:r>
+                  <a:rPr lang="en-US" dirty="0" smtClean="0"/>
+                  <a:t>).</a:t>
+                </a:r>
+                <a:r>
+                  <a:rPr lang="en-US" dirty="0"/>
+                  <a:t> </a:t>
+                </a:r>
+                <a:endParaRPr lang="fr-FR" dirty="0"/>
+              </a:p>
+              <a:p>
+                <a:pPr algn="just"/>
+                <a:r>
+                  <a:rPr lang="en-US" dirty="0"/>
+                  <a:t>We normalize </a:t>
+                </a:r>
+                <a:r>
+                  <a:rPr lang="en-US" dirty="0" smtClean="0"/>
+                  <a:t>the data </a:t>
+                </a:r>
+                <a:r>
+                  <a:rPr lang="en-US" dirty="0"/>
+                  <a:t>by subtracting the mean:</a:t>
+                </a:r>
+                <a:endParaRPr lang="fr-FR" dirty="0"/>
+              </a:p>
+              <a:p>
+                <a:pPr algn="just"/>
+                <a14:m>
+                  <m:oMathPara xmlns:m="http://schemas.openxmlformats.org/officeDocument/2006/math">
+                    <m:oMathParaPr>
+                      <m:jc m:val="centerGroup"/>
+                    </m:oMathParaPr>
+                    <m:oMath xmlns:m="http://schemas.openxmlformats.org/officeDocument/2006/math">
+                      <m:r>
+                        <a:rPr lang="en-US" i="1">
+                          <a:latin typeface="Cambria Math" panose="02040503050406030204" pitchFamily="18" charset="0"/>
+                        </a:rPr>
+                        <m:t>µ_</m:t>
+                      </m:r>
+                      <m:r>
+                        <a:rPr lang="en-US" i="1">
+                          <a:latin typeface="Cambria Math" panose="02040503050406030204" pitchFamily="18" charset="0"/>
+                        </a:rPr>
+                        <m:t>𝑗</m:t>
+                      </m:r>
+                      <m:r>
+                        <a:rPr lang="en-US" i="1">
+                          <a:latin typeface="Cambria Math" panose="02040503050406030204" pitchFamily="18" charset="0"/>
+                        </a:rPr>
+                        <m:t>= </m:t>
+                      </m:r>
+                      <m:f>
+                        <m:fPr>
+                          <m:ctrlPr>
+                            <a:rPr lang="fr-FR" i="1">
+                              <a:latin typeface="Cambria Math" panose="02040503050406030204" pitchFamily="18" charset="0"/>
+                            </a:rPr>
+                          </m:ctrlPr>
+                        </m:fPr>
+                        <m:num>
+                          <m:r>
+                            <a:rPr lang="en-US" i="1">
+                              <a:latin typeface="Cambria Math" panose="02040503050406030204" pitchFamily="18" charset="0"/>
+                            </a:rPr>
+                            <m:t>1</m:t>
+                          </m:r>
+                        </m:num>
+                        <m:den>
+                          <m:r>
+                            <a:rPr lang="en-US" i="1">
+                              <a:latin typeface="Cambria Math" panose="02040503050406030204" pitchFamily="18" charset="0"/>
+                            </a:rPr>
+                            <m:t>𝑇</m:t>
+                          </m:r>
+                        </m:den>
+                      </m:f>
+                      <m:r>
+                        <a:rPr lang="en-US" i="1">
+                          <a:latin typeface="Cambria Math" panose="02040503050406030204" pitchFamily="18" charset="0"/>
+                        </a:rPr>
+                        <m:t> × </m:t>
+                      </m:r>
+                      <m:nary>
+                        <m:naryPr>
+                          <m:chr m:val="∑"/>
+                          <m:limLoc m:val="undOvr"/>
+                          <m:ctrlPr>
+                            <a:rPr lang="fr-FR" i="1">
+                              <a:latin typeface="Cambria Math" panose="02040503050406030204" pitchFamily="18" charset="0"/>
+                            </a:rPr>
+                          </m:ctrlPr>
+                        </m:naryPr>
+                        <m:sub>
+                          <m:r>
+                            <a:rPr lang="en-US" i="1">
+                              <a:latin typeface="Cambria Math" panose="02040503050406030204" pitchFamily="18" charset="0"/>
+                            </a:rPr>
+                            <m:t>𝑡</m:t>
+                          </m:r>
+                        </m:sub>
+                        <m:sup>
+                          <m:r>
+                            <a:rPr lang="en-US" i="1">
+                              <a:latin typeface="Cambria Math" panose="02040503050406030204" pitchFamily="18" charset="0"/>
+                            </a:rPr>
+                            <m:t> </m:t>
+                          </m:r>
+                        </m:sup>
+                        <m:e>
+                          <m:sSub>
+                            <m:sSubPr>
+                              <m:ctrlPr>
+                                <a:rPr lang="fr-FR" i="1">
+                                  <a:latin typeface="Cambria Math" panose="02040503050406030204" pitchFamily="18" charset="0"/>
+                                </a:rPr>
+                              </m:ctrlPr>
+                            </m:sSubPr>
+                            <m:e>
+                              <m:r>
+                                <a:rPr lang="en-US" i="1">
+                                  <a:latin typeface="Cambria Math" panose="02040503050406030204" pitchFamily="18" charset="0"/>
+                                </a:rPr>
+                                <m:t>𝑌</m:t>
+                              </m:r>
+                            </m:e>
+                            <m:sub>
+                              <m:r>
+                                <a:rPr lang="en-US" i="1">
+                                  <a:latin typeface="Cambria Math" panose="02040503050406030204" pitchFamily="18" charset="0"/>
+                                </a:rPr>
+                                <m:t>𝑗</m:t>
+                              </m:r>
+                              <m:r>
+                                <a:rPr lang="en-US" i="1">
+                                  <a:latin typeface="Cambria Math" panose="02040503050406030204" pitchFamily="18" charset="0"/>
+                                </a:rPr>
+                                <m:t>,</m:t>
+                              </m:r>
+                              <m:r>
+                                <a:rPr lang="en-US" i="1">
+                                  <a:latin typeface="Cambria Math" panose="02040503050406030204" pitchFamily="18" charset="0"/>
+                                </a:rPr>
+                                <m:t>𝑡</m:t>
+                              </m:r>
+                            </m:sub>
+                          </m:sSub>
+                        </m:e>
+                      </m:nary>
+                    </m:oMath>
+                  </m:oMathPara>
+                </a14:m>
+                <a:endParaRPr lang="fr-FR" dirty="0"/>
+              </a:p>
+              <a:p>
+                <a:pPr algn="just"/>
+                <a14:m>
+                  <m:oMath xmlns:m="http://schemas.openxmlformats.org/officeDocument/2006/math">
+                    <m:sSub>
+                      <m:sSubPr>
+                        <m:ctrlPr>
+                          <a:rPr lang="fr-FR" i="1">
+                            <a:latin typeface="Cambria Math" panose="02040503050406030204" pitchFamily="18" charset="0"/>
+                          </a:rPr>
+                        </m:ctrlPr>
+                      </m:sSubPr>
+                      <m:e>
+                        <m:r>
+                          <a:rPr lang="en-US" i="1">
+                            <a:latin typeface="Cambria Math" panose="02040503050406030204" pitchFamily="18" charset="0"/>
+                          </a:rPr>
+                          <m:t>𝑍</m:t>
+                        </m:r>
+                      </m:e>
+                      <m:sub>
+                        <m:r>
+                          <a:rPr lang="en-US" i="1">
+                            <a:latin typeface="Cambria Math" panose="02040503050406030204" pitchFamily="18" charset="0"/>
+                          </a:rPr>
+                          <m:t>𝑗</m:t>
+                        </m:r>
+                        <m:r>
+                          <a:rPr lang="en-US" i="1">
+                            <a:latin typeface="Cambria Math" panose="02040503050406030204" pitchFamily="18" charset="0"/>
+                          </a:rPr>
+                          <m:t>,</m:t>
+                        </m:r>
+                        <m:r>
+                          <a:rPr lang="en-US" i="1">
+                            <a:latin typeface="Cambria Math" panose="02040503050406030204" pitchFamily="18" charset="0"/>
+                          </a:rPr>
+                          <m:t>𝑡</m:t>
+                        </m:r>
+                      </m:sub>
+                    </m:sSub>
+                    <m:r>
+                      <a:rPr lang="en-US" i="1">
+                        <a:latin typeface="Cambria Math" panose="02040503050406030204" pitchFamily="18" charset="0"/>
+                      </a:rPr>
+                      <m:t>= </m:t>
+                    </m:r>
+                    <m:sSub>
+                      <m:sSubPr>
+                        <m:ctrlPr>
+                          <a:rPr lang="fr-FR" i="1">
+                            <a:latin typeface="Cambria Math" panose="02040503050406030204" pitchFamily="18" charset="0"/>
+                          </a:rPr>
+                        </m:ctrlPr>
+                      </m:sSubPr>
+                      <m:e>
+                        <m:r>
+                          <a:rPr lang="en-US" i="1">
+                            <a:latin typeface="Cambria Math" panose="02040503050406030204" pitchFamily="18" charset="0"/>
+                          </a:rPr>
+                          <m:t>𝑌</m:t>
+                        </m:r>
+                      </m:e>
+                      <m:sub>
+                        <m:r>
+                          <a:rPr lang="en-US" i="1">
+                            <a:latin typeface="Cambria Math" panose="02040503050406030204" pitchFamily="18" charset="0"/>
+                          </a:rPr>
+                          <m:t>𝑗</m:t>
+                        </m:r>
+                        <m:r>
+                          <a:rPr lang="en-US" i="1">
+                            <a:latin typeface="Cambria Math" panose="02040503050406030204" pitchFamily="18" charset="0"/>
+                          </a:rPr>
+                          <m:t>,</m:t>
+                        </m:r>
+                        <m:r>
+                          <a:rPr lang="en-US" i="1">
+                            <a:latin typeface="Cambria Math" panose="02040503050406030204" pitchFamily="18" charset="0"/>
+                          </a:rPr>
+                          <m:t>𝑡</m:t>
+                        </m:r>
+                      </m:sub>
+                    </m:sSub>
+                    <m:r>
+                      <a:rPr lang="en-US" i="1">
+                        <a:latin typeface="Cambria Math" panose="02040503050406030204" pitchFamily="18" charset="0"/>
+                      </a:rPr>
+                      <m:t>− </m:t>
+                    </m:r>
+                    <m:sSub>
+                      <m:sSubPr>
+                        <m:ctrlPr>
+                          <a:rPr lang="fr-FR" i="1">
+                            <a:latin typeface="Cambria Math" panose="02040503050406030204" pitchFamily="18" charset="0"/>
+                          </a:rPr>
+                        </m:ctrlPr>
+                      </m:sSubPr>
+                      <m:e>
+                        <m:r>
+                          <a:rPr lang="en-US" i="1">
+                            <a:latin typeface="Cambria Math" panose="02040503050406030204" pitchFamily="18" charset="0"/>
+                          </a:rPr>
+                          <m:t>µ</m:t>
+                        </m:r>
+                      </m:e>
+                      <m:sub>
+                        <m:r>
+                          <a:rPr lang="en-US" i="1">
+                            <a:latin typeface="Cambria Math" panose="02040503050406030204" pitchFamily="18" charset="0"/>
+                          </a:rPr>
+                          <m:t>𝑗</m:t>
+                        </m:r>
+                      </m:sub>
+                    </m:sSub>
+                  </m:oMath>
+                </a14:m>
+                <a:r>
+                  <a:rPr lang="en-US" dirty="0"/>
+                  <a:t> </a:t>
+                </a:r>
+                <a:endParaRPr lang="fr-FR" dirty="0"/>
+              </a:p>
+              <a:p>
+                <a:pPr algn="just"/>
+                <a:r>
+                  <a:rPr lang="en-US" dirty="0"/>
+                  <a:t>Then we form the covariance matrix:</a:t>
+                </a:r>
+                <a:endParaRPr lang="fr-FR" dirty="0"/>
+              </a:p>
+              <a:p>
+                <a:pPr algn="just"/>
+                <a14:m>
+                  <m:oMathPara xmlns:m="http://schemas.openxmlformats.org/officeDocument/2006/math">
+                    <m:oMathParaPr>
+                      <m:jc m:val="centerGroup"/>
+                    </m:oMathParaPr>
+                    <m:oMath xmlns:m="http://schemas.openxmlformats.org/officeDocument/2006/math">
+                      <m:sSub>
+                        <m:sSubPr>
+                          <m:ctrlPr>
+                            <a:rPr lang="fr-FR" i="1">
+                              <a:latin typeface="Cambria Math" panose="02040503050406030204" pitchFamily="18" charset="0"/>
+                            </a:rPr>
+                          </m:ctrlPr>
+                        </m:sSubPr>
+                        <m:e>
+                          <m:r>
+                            <a:rPr lang="en-US" i="1">
+                              <a:latin typeface="Cambria Math" panose="02040503050406030204" pitchFamily="18" charset="0"/>
+                            </a:rPr>
+                            <m:t>𝐶</m:t>
+                          </m:r>
+                        </m:e>
+                        <m:sub>
+                          <m:r>
+                            <a:rPr lang="en-US" i="1">
+                              <a:latin typeface="Cambria Math" panose="02040503050406030204" pitchFamily="18" charset="0"/>
+                            </a:rPr>
+                            <m:t>𝑗</m:t>
+                          </m:r>
+                          <m:r>
+                            <a:rPr lang="en-US" i="1">
+                              <a:latin typeface="Cambria Math" panose="02040503050406030204" pitchFamily="18" charset="0"/>
+                            </a:rPr>
+                            <m:t>,</m:t>
+                          </m:r>
+                          <m:r>
+                            <a:rPr lang="en-US" i="1">
+                              <a:latin typeface="Cambria Math" panose="02040503050406030204" pitchFamily="18" charset="0"/>
+                            </a:rPr>
+                            <m:t>𝑘</m:t>
+                          </m:r>
+                        </m:sub>
+                      </m:sSub>
+                      <m:r>
+                        <a:rPr lang="en-US" i="1">
+                          <a:latin typeface="Cambria Math" panose="02040503050406030204" pitchFamily="18" charset="0"/>
+                        </a:rPr>
+                        <m:t>= </m:t>
+                      </m:r>
+                      <m:f>
+                        <m:fPr>
+                          <m:ctrlPr>
+                            <a:rPr lang="fr-FR" i="1">
+                              <a:latin typeface="Cambria Math" panose="02040503050406030204" pitchFamily="18" charset="0"/>
+                            </a:rPr>
+                          </m:ctrlPr>
+                        </m:fPr>
+                        <m:num>
+                          <m:r>
+                            <a:rPr lang="en-US" i="1">
+                              <a:latin typeface="Cambria Math" panose="02040503050406030204" pitchFamily="18" charset="0"/>
+                            </a:rPr>
+                            <m:t>1</m:t>
+                          </m:r>
+                        </m:num>
+                        <m:den>
+                          <m:r>
+                            <a:rPr lang="en-US" i="1">
+                              <a:latin typeface="Cambria Math" panose="02040503050406030204" pitchFamily="18" charset="0"/>
+                            </a:rPr>
+                            <m:t>𝑇</m:t>
+                          </m:r>
+                        </m:den>
+                      </m:f>
+                      <m:r>
+                        <a:rPr lang="en-US" i="1">
+                          <a:latin typeface="Cambria Math" panose="02040503050406030204" pitchFamily="18" charset="0"/>
+                        </a:rPr>
+                        <m:t> × </m:t>
+                      </m:r>
+                      <m:nary>
+                        <m:naryPr>
+                          <m:chr m:val="∑"/>
+                          <m:limLoc m:val="undOvr"/>
+                          <m:ctrlPr>
+                            <a:rPr lang="fr-FR" i="1">
+                              <a:latin typeface="Cambria Math" panose="02040503050406030204" pitchFamily="18" charset="0"/>
+                            </a:rPr>
+                          </m:ctrlPr>
+                        </m:naryPr>
+                        <m:sub>
+                          <m:r>
+                            <a:rPr lang="en-US" i="1">
+                              <a:latin typeface="Cambria Math" panose="02040503050406030204" pitchFamily="18" charset="0"/>
+                            </a:rPr>
+                            <m:t>𝑡</m:t>
+                          </m:r>
+                        </m:sub>
+                        <m:sup>
+                          <m:r>
+                            <a:rPr lang="en-US" i="1">
+                              <a:latin typeface="Cambria Math" panose="02040503050406030204" pitchFamily="18" charset="0"/>
+                            </a:rPr>
+                            <m:t> </m:t>
+                          </m:r>
+                        </m:sup>
+                        <m:e>
+                          <m:sSub>
+                            <m:sSubPr>
+                              <m:ctrlPr>
+                                <a:rPr lang="fr-FR" i="1">
+                                  <a:latin typeface="Cambria Math" panose="02040503050406030204" pitchFamily="18" charset="0"/>
+                                </a:rPr>
+                              </m:ctrlPr>
+                            </m:sSubPr>
+                            <m:e>
+                              <m:r>
+                                <a:rPr lang="en-US" i="1">
+                                  <a:latin typeface="Cambria Math" panose="02040503050406030204" pitchFamily="18" charset="0"/>
+                                </a:rPr>
+                                <m:t>𝑍</m:t>
+                              </m:r>
+                            </m:e>
+                            <m:sub>
+                              <m:r>
+                                <a:rPr lang="en-US" i="1">
+                                  <a:latin typeface="Cambria Math" panose="02040503050406030204" pitchFamily="18" charset="0"/>
+                                </a:rPr>
+                                <m:t>𝑗</m:t>
+                              </m:r>
+                              <m:r>
+                                <a:rPr lang="en-US" i="1">
+                                  <a:latin typeface="Cambria Math" panose="02040503050406030204" pitchFamily="18" charset="0"/>
+                                </a:rPr>
+                                <m:t>,</m:t>
+                              </m:r>
+                              <m:r>
+                                <a:rPr lang="en-US" i="1">
+                                  <a:latin typeface="Cambria Math" panose="02040503050406030204" pitchFamily="18" charset="0"/>
+                                </a:rPr>
+                                <m:t>𝑡</m:t>
+                              </m:r>
+                            </m:sub>
+                          </m:sSub>
+                          <m:r>
+                            <a:rPr lang="en-US" i="1">
+                              <a:latin typeface="Cambria Math" panose="02040503050406030204" pitchFamily="18" charset="0"/>
+                            </a:rPr>
+                            <m:t>× </m:t>
+                          </m:r>
+                          <m:sSub>
+                            <m:sSubPr>
+                              <m:ctrlPr>
+                                <a:rPr lang="fr-FR" i="1">
+                                  <a:latin typeface="Cambria Math" panose="02040503050406030204" pitchFamily="18" charset="0"/>
+                                </a:rPr>
+                              </m:ctrlPr>
+                            </m:sSubPr>
+                            <m:e>
+                              <m:r>
+                                <a:rPr lang="en-US" i="1">
+                                  <a:latin typeface="Cambria Math" panose="02040503050406030204" pitchFamily="18" charset="0"/>
+                                </a:rPr>
+                                <m:t>𝑍</m:t>
+                              </m:r>
+                            </m:e>
+                            <m:sub>
+                              <m:r>
+                                <a:rPr lang="en-US" i="1">
+                                  <a:latin typeface="Cambria Math" panose="02040503050406030204" pitchFamily="18" charset="0"/>
+                                </a:rPr>
+                                <m:t>𝑘</m:t>
+                              </m:r>
+                              <m:r>
+                                <a:rPr lang="en-US" i="1">
+                                  <a:latin typeface="Cambria Math" panose="02040503050406030204" pitchFamily="18" charset="0"/>
+                                </a:rPr>
+                                <m:t>,</m:t>
+                              </m:r>
+                              <m:r>
+                                <a:rPr lang="en-US" i="1">
+                                  <a:latin typeface="Cambria Math" panose="02040503050406030204" pitchFamily="18" charset="0"/>
+                                </a:rPr>
+                                <m:t>𝑡</m:t>
+                              </m:r>
+                            </m:sub>
+                          </m:sSub>
+                        </m:e>
+                      </m:nary>
+                    </m:oMath>
+                  </m:oMathPara>
+                </a14:m>
+                <a:endParaRPr lang="fr-FR" dirty="0"/>
+              </a:p>
+              <a:p>
+                <a:pPr algn="just"/>
+                <a:r>
+                  <a:rPr lang="en-US" dirty="0"/>
+                  <a:t>We get the eigenvectors in matrix </a:t>
+                </a:r>
+                <a14:m>
+                  <m:oMath xmlns:m="http://schemas.openxmlformats.org/officeDocument/2006/math">
+                    <m:r>
+                      <a:rPr lang="en-US" i="1">
+                        <a:latin typeface="Cambria Math" panose="02040503050406030204" pitchFamily="18" charset="0"/>
+                      </a:rPr>
+                      <m:t>𝑉</m:t>
+                    </m:r>
+                  </m:oMath>
+                </a14:m>
+                <a:r>
+                  <a:rPr lang="en-US" dirty="0"/>
+                  <a:t> and their eigenvalues in matrix </a:t>
+                </a:r>
+                <a14:m>
+                  <m:oMath xmlns:m="http://schemas.openxmlformats.org/officeDocument/2006/math">
+                    <m:r>
+                      <a:rPr lang="en-US" i="1">
+                        <a:latin typeface="Cambria Math" panose="02040503050406030204" pitchFamily="18" charset="0"/>
+                      </a:rPr>
+                      <m:t>𝐸</m:t>
+                    </m:r>
+                    <m:r>
+                      <a:rPr lang="en-US" i="1">
+                        <a:latin typeface="Cambria Math" panose="02040503050406030204" pitchFamily="18" charset="0"/>
+                      </a:rPr>
+                      <m:t>:</m:t>
+                    </m:r>
+                    <m:d>
+                      <m:dPr>
+                        <m:begChr m:val="["/>
+                        <m:endChr m:val="]"/>
+                        <m:ctrlPr>
+                          <a:rPr lang="fr-FR" i="1">
+                            <a:latin typeface="Cambria Math" panose="02040503050406030204" pitchFamily="18" charset="0"/>
+                          </a:rPr>
+                        </m:ctrlPr>
+                      </m:dPr>
+                      <m:e>
+                        <m:r>
+                          <a:rPr lang="en-US" i="1">
+                            <a:latin typeface="Cambria Math" panose="02040503050406030204" pitchFamily="18" charset="0"/>
+                          </a:rPr>
+                          <m:t>𝐸</m:t>
+                        </m:r>
+                        <m:r>
+                          <a:rPr lang="en-US" i="1">
+                            <a:latin typeface="Cambria Math" panose="02040503050406030204" pitchFamily="18" charset="0"/>
+                          </a:rPr>
+                          <m:t>,</m:t>
+                        </m:r>
+                        <m:r>
+                          <a:rPr lang="en-US" i="1">
+                            <a:latin typeface="Cambria Math" panose="02040503050406030204" pitchFamily="18" charset="0"/>
+                          </a:rPr>
+                          <m:t>𝑉</m:t>
+                        </m:r>
+                      </m:e>
+                    </m:d>
+                    <m:r>
+                      <a:rPr lang="en-US" i="1">
+                        <a:latin typeface="Cambria Math" panose="02040503050406030204" pitchFamily="18" charset="0"/>
+                      </a:rPr>
+                      <m:t>=</m:t>
+                    </m:r>
+                    <m:r>
+                      <a:rPr lang="en-US" i="1">
+                        <a:latin typeface="Cambria Math" panose="02040503050406030204" pitchFamily="18" charset="0"/>
+                      </a:rPr>
+                      <m:t>𝑒𝑖𝑔</m:t>
+                    </m:r>
+                    <m:r>
+                      <a:rPr lang="en-US" i="1">
+                        <a:latin typeface="Cambria Math" panose="02040503050406030204" pitchFamily="18" charset="0"/>
+                      </a:rPr>
+                      <m:t>(</m:t>
+                    </m:r>
+                    <m:r>
+                      <a:rPr lang="en-US" i="1">
+                        <a:latin typeface="Cambria Math" panose="02040503050406030204" pitchFamily="18" charset="0"/>
+                      </a:rPr>
+                      <m:t>𝐶</m:t>
+                    </m:r>
+                    <m:r>
+                      <a:rPr lang="en-US" i="1">
+                        <a:latin typeface="Cambria Math" panose="02040503050406030204" pitchFamily="18" charset="0"/>
+                      </a:rPr>
+                      <m:t>)</m:t>
+                    </m:r>
+                  </m:oMath>
+                </a14:m>
+                <a:endParaRPr lang="fr-FR" dirty="0"/>
+              </a:p>
+              <a:p>
+                <a:pPr algn="just"/>
+                <a:r>
+                  <a:rPr lang="en-US" dirty="0"/>
+                  <a:t>Eigenvectors are then sorted according to their eigenvalues, with the largest one first in </a:t>
+                </a:r>
+                <a14:m>
+                  <m:oMath xmlns:m="http://schemas.openxmlformats.org/officeDocument/2006/math">
+                    <m:r>
+                      <a:rPr lang="en-US" i="1">
+                        <a:latin typeface="Cambria Math" panose="02040503050406030204" pitchFamily="18" charset="0"/>
+                      </a:rPr>
+                      <m:t>𝑉</m:t>
+                    </m:r>
+                  </m:oMath>
+                </a14:m>
+                <a:r>
+                  <a:rPr lang="en-US" dirty="0"/>
+                  <a:t>. </a:t>
+                </a:r>
+                <a:endParaRPr lang="fr-FR" dirty="0"/>
+              </a:p>
+              <a:p>
+                <a:pPr algn="just"/>
+                <a:r>
+                  <a:rPr lang="en-US" dirty="0"/>
+                  <a:t>The K largest ones are removed, based on a given threshold </a:t>
+                </a:r>
+                <a:r>
+                  <a:rPr lang="en-US" dirty="0" smtClean="0"/>
+                  <a:t>such that </a:t>
+                </a:r>
+                <a14:m>
+                  <m:oMath xmlns:m="http://schemas.openxmlformats.org/officeDocument/2006/math">
+                    <m:r>
+                      <a:rPr lang="en-US" i="1">
+                        <a:latin typeface="Cambria Math" panose="02040503050406030204" pitchFamily="18" charset="0"/>
+                      </a:rPr>
+                      <m:t>∀</m:t>
+                    </m:r>
+                    <m:r>
+                      <a:rPr lang="en-US" i="1">
+                        <a:latin typeface="Cambria Math" panose="02040503050406030204" pitchFamily="18" charset="0"/>
+                      </a:rPr>
+                      <m:t>𝑖</m:t>
+                    </m:r>
+                    <m:r>
+                      <a:rPr lang="en-US" i="1">
+                        <a:latin typeface="Cambria Math" panose="02040503050406030204" pitchFamily="18" charset="0"/>
+                      </a:rPr>
+                      <m:t>&lt;</m:t>
+                    </m:r>
+                    <m:r>
+                      <a:rPr lang="en-US" i="1">
+                        <a:latin typeface="Cambria Math" panose="02040503050406030204" pitchFamily="18" charset="0"/>
+                      </a:rPr>
+                      <m:t>𝐾</m:t>
+                    </m:r>
+                    <m:r>
+                      <a:rPr lang="en-US" i="1">
+                        <a:latin typeface="Cambria Math" panose="02040503050406030204" pitchFamily="18" charset="0"/>
+                      </a:rPr>
+                      <m:t>,  </m:t>
+                    </m:r>
+                    <m:sSub>
+                      <m:sSubPr>
+                        <m:ctrlPr>
+                          <a:rPr lang="fr-FR" i="1">
+                            <a:latin typeface="Cambria Math" panose="02040503050406030204" pitchFamily="18" charset="0"/>
+                          </a:rPr>
+                        </m:ctrlPr>
+                      </m:sSubPr>
+                      <m:e>
+                        <m:r>
+                          <a:rPr lang="en-US" i="1">
+                            <a:latin typeface="Cambria Math" panose="02040503050406030204" pitchFamily="18" charset="0"/>
+                          </a:rPr>
+                          <m:t>𝐸</m:t>
+                        </m:r>
+                      </m:e>
+                      <m:sub>
+                        <m:r>
+                          <a:rPr lang="en-US" i="1">
+                            <a:latin typeface="Cambria Math" panose="02040503050406030204" pitchFamily="18" charset="0"/>
+                          </a:rPr>
+                          <m:t>𝑖</m:t>
+                        </m:r>
+                        <m:r>
+                          <a:rPr lang="en-US" i="1">
+                            <a:latin typeface="Cambria Math" panose="02040503050406030204" pitchFamily="18" charset="0"/>
+                          </a:rPr>
+                          <m:t> </m:t>
+                        </m:r>
+                      </m:sub>
+                    </m:sSub>
+                    <m:r>
+                      <a:rPr lang="en-US" i="1">
+                        <a:latin typeface="Cambria Math" panose="02040503050406030204" pitchFamily="18" charset="0"/>
+                      </a:rPr>
+                      <m:t>&gt;</m:t>
+                    </m:r>
+                    <m:r>
+                      <a:rPr lang="en-US" i="1">
+                        <a:latin typeface="Cambria Math" panose="02040503050406030204" pitchFamily="18" charset="0"/>
+                      </a:rPr>
+                      <m:t>𝑡h𝑟𝑒𝑠h𝑜𝑙𝑑</m:t>
+                    </m:r>
+                  </m:oMath>
+                </a14:m>
+                <a:r>
+                  <a:rPr lang="en-US" dirty="0"/>
+                  <a:t>.</a:t>
+                </a:r>
+                <a:endParaRPr lang="fr-FR" dirty="0"/>
+              </a:p>
+              <a:p>
+                <a:pPr algn="just"/>
+                <a:r>
+                  <a:rPr lang="en-US" dirty="0"/>
+                  <a:t>We project the data back </a:t>
+                </a:r>
+                <a:r>
+                  <a:rPr lang="en-US" dirty="0" smtClean="0"/>
+                  <a:t>onto </a:t>
+                </a:r>
+                <a:r>
+                  <a:rPr lang="en-US" dirty="0"/>
+                  <a:t>the remaining eigenvectors:</a:t>
+                </a:r>
+                <a:endParaRPr lang="fr-FR" dirty="0"/>
+              </a:p>
+              <a:p>
+                <a:pPr algn="just"/>
+                <a14:m>
+                  <m:oMath xmlns:m="http://schemas.openxmlformats.org/officeDocument/2006/math">
+                    <m:sSub>
+                      <m:sSubPr>
+                        <m:ctrlPr>
+                          <a:rPr lang="fr-FR" i="1">
+                            <a:latin typeface="Cambria Math" panose="02040503050406030204" pitchFamily="18" charset="0"/>
+                          </a:rPr>
+                        </m:ctrlPr>
+                      </m:sSubPr>
+                      <m:e>
+                        <m:r>
+                          <a:rPr lang="en-US" i="1">
+                            <a:latin typeface="Cambria Math" panose="02040503050406030204" pitchFamily="18" charset="0"/>
+                          </a:rPr>
+                          <m:t>𝑅</m:t>
+                        </m:r>
+                      </m:e>
+                      <m:sub>
+                        <m:r>
+                          <a:rPr lang="en-US" i="1">
+                            <a:latin typeface="Cambria Math" panose="02040503050406030204" pitchFamily="18" charset="0"/>
+                          </a:rPr>
+                          <m:t>𝑞</m:t>
+                        </m:r>
+                        <m:r>
+                          <a:rPr lang="en-US" i="1">
+                            <a:latin typeface="Cambria Math" panose="02040503050406030204" pitchFamily="18" charset="0"/>
+                          </a:rPr>
+                          <m:t>,</m:t>
+                        </m:r>
+                        <m:r>
+                          <a:rPr lang="en-US" i="1">
+                            <a:latin typeface="Cambria Math" panose="02040503050406030204" pitchFamily="18" charset="0"/>
+                          </a:rPr>
+                          <m:t>𝑡</m:t>
+                        </m:r>
+                      </m:sub>
+                    </m:sSub>
+                    <m:r>
+                      <a:rPr lang="en-US" i="1">
+                        <a:latin typeface="Cambria Math" panose="02040503050406030204" pitchFamily="18" charset="0"/>
+                      </a:rPr>
+                      <m:t>= </m:t>
+                    </m:r>
+                    <m:nary>
+                      <m:naryPr>
+                        <m:chr m:val="∑"/>
+                        <m:limLoc m:val="undOvr"/>
+                        <m:supHide m:val="on"/>
+                        <m:ctrlPr>
+                          <a:rPr lang="fr-FR" i="1">
+                            <a:latin typeface="Cambria Math" panose="02040503050406030204" pitchFamily="18" charset="0"/>
+                          </a:rPr>
+                        </m:ctrlPr>
+                      </m:naryPr>
+                      <m:sub>
+                        <m:r>
+                          <a:rPr lang="en-US" i="1">
+                            <a:latin typeface="Cambria Math" panose="02040503050406030204" pitchFamily="18" charset="0"/>
+                          </a:rPr>
+                          <m:t>𝑡</m:t>
+                        </m:r>
+                      </m:sub>
+                      <m:sup/>
+                      <m:e>
+                        <m:sSub>
+                          <m:sSubPr>
+                            <m:ctrlPr>
+                              <a:rPr lang="fr-FR" i="1">
+                                <a:latin typeface="Cambria Math" panose="02040503050406030204" pitchFamily="18" charset="0"/>
+                              </a:rPr>
+                            </m:ctrlPr>
+                          </m:sSubPr>
+                          <m:e>
+                            <m:r>
+                              <a:rPr lang="en-US" i="1">
+                                <a:latin typeface="Cambria Math" panose="02040503050406030204" pitchFamily="18" charset="0"/>
+                              </a:rPr>
+                              <m:t>𝑉</m:t>
+                            </m:r>
+                          </m:e>
+                          <m:sub>
+                            <m:r>
+                              <a:rPr lang="en-US" i="1">
+                                <a:latin typeface="Cambria Math" panose="02040503050406030204" pitchFamily="18" charset="0"/>
+                              </a:rPr>
+                              <m:t>𝑗</m:t>
+                            </m:r>
+                            <m:r>
+                              <a:rPr lang="en-US" i="1">
+                                <a:latin typeface="Cambria Math" panose="02040503050406030204" pitchFamily="18" charset="0"/>
+                              </a:rPr>
+                              <m:t>,</m:t>
+                            </m:r>
+                            <m:r>
+                              <a:rPr lang="en-US" i="1">
+                                <a:latin typeface="Cambria Math" panose="02040503050406030204" pitchFamily="18" charset="0"/>
+                              </a:rPr>
+                              <m:t>𝑞</m:t>
+                            </m:r>
+                          </m:sub>
+                        </m:sSub>
+                      </m:e>
+                    </m:nary>
+                    <m:r>
+                      <a:rPr lang="en-US" i="1">
+                        <a:latin typeface="Cambria Math" panose="02040503050406030204" pitchFamily="18" charset="0"/>
+                      </a:rPr>
+                      <m:t> ×</m:t>
+                    </m:r>
+                    <m:sSub>
+                      <m:sSubPr>
+                        <m:ctrlPr>
+                          <a:rPr lang="fr-FR" i="1">
+                            <a:latin typeface="Cambria Math" panose="02040503050406030204" pitchFamily="18" charset="0"/>
+                          </a:rPr>
+                        </m:ctrlPr>
+                      </m:sSubPr>
+                      <m:e>
+                        <m:r>
+                          <a:rPr lang="en-US" i="1">
+                            <a:latin typeface="Cambria Math" panose="02040503050406030204" pitchFamily="18" charset="0"/>
+                          </a:rPr>
+                          <m:t>𝑍</m:t>
+                        </m:r>
+                      </m:e>
+                      <m:sub>
+                        <m:r>
+                          <a:rPr lang="en-US" i="1">
+                            <a:latin typeface="Cambria Math" panose="02040503050406030204" pitchFamily="18" charset="0"/>
+                          </a:rPr>
+                          <m:t>𝑗</m:t>
+                        </m:r>
+                        <m:r>
+                          <a:rPr lang="en-US" i="1">
+                            <a:latin typeface="Cambria Math" panose="02040503050406030204" pitchFamily="18" charset="0"/>
+                          </a:rPr>
+                          <m:t>,</m:t>
+                        </m:r>
+                        <m:r>
+                          <a:rPr lang="en-US" i="1">
+                            <a:latin typeface="Cambria Math" panose="02040503050406030204" pitchFamily="18" charset="0"/>
+                          </a:rPr>
+                          <m:t>𝑡</m:t>
+                        </m:r>
+                      </m:sub>
+                    </m:sSub>
+                  </m:oMath>
+                </a14:m>
+                <a:r>
+                  <a:rPr lang="en-US" dirty="0"/>
+                  <a:t> with </a:t>
+                </a:r>
+                <a14:m>
+                  <m:oMath xmlns:m="http://schemas.openxmlformats.org/officeDocument/2006/math">
+                    <m:r>
+                      <a:rPr lang="en-US" i="1">
+                        <a:latin typeface="Cambria Math" panose="02040503050406030204" pitchFamily="18" charset="0"/>
+                      </a:rPr>
+                      <m:t>𝑗</m:t>
+                    </m:r>
+                    <m:r>
+                      <a:rPr lang="en-US" i="1">
+                        <a:latin typeface="Cambria Math" panose="02040503050406030204" pitchFamily="18" charset="0"/>
+                      </a:rPr>
+                      <m:t>=</m:t>
+                    </m:r>
+                    <m:d>
+                      <m:dPr>
+                        <m:ctrlPr>
+                          <a:rPr lang="fr-FR" i="1">
+                            <a:latin typeface="Cambria Math" panose="02040503050406030204" pitchFamily="18" charset="0"/>
+                          </a:rPr>
+                        </m:ctrlPr>
+                      </m:dPr>
+                      <m:e>
+                        <m:r>
+                          <a:rPr lang="en-US" i="1">
+                            <a:latin typeface="Cambria Math" panose="02040503050406030204" pitchFamily="18" charset="0"/>
+                          </a:rPr>
+                          <m:t>𝐾</m:t>
+                        </m:r>
+                        <m:r>
+                          <a:rPr lang="en-US" i="1">
+                            <a:latin typeface="Cambria Math" panose="02040503050406030204" pitchFamily="18" charset="0"/>
+                          </a:rPr>
+                          <m:t>+1</m:t>
+                        </m:r>
+                      </m:e>
+                    </m:d>
+                    <m:r>
+                      <a:rPr lang="en-US" i="1">
+                        <a:latin typeface="Cambria Math" panose="02040503050406030204" pitchFamily="18" charset="0"/>
+                      </a:rPr>
+                      <m:t>:</m:t>
+                    </m:r>
+                    <m:r>
+                      <a:rPr lang="en-US" i="1">
+                        <a:latin typeface="Cambria Math" panose="02040503050406030204" pitchFamily="18" charset="0"/>
+                      </a:rPr>
+                      <m:t>𝐽</m:t>
+                    </m:r>
+                  </m:oMath>
+                </a14:m>
+                <a:endParaRPr lang="fr-FR" dirty="0"/>
+              </a:p>
+              <a:p>
+                <a:pPr algn="just"/>
+                <a:r>
+                  <a:rPr lang="en-US" dirty="0"/>
+                  <a:t>Finally we can </a:t>
+                </a:r>
+                <a:r>
+                  <a:rPr lang="en-US" dirty="0" smtClean="0"/>
+                  <a:t>project </a:t>
+                </a:r>
+                <a:r>
+                  <a:rPr lang="en-US" smtClean="0"/>
+                  <a:t>the </a:t>
+                </a:r>
+                <a:r>
+                  <a:rPr lang="en-US" smtClean="0"/>
+                  <a:t>data back </a:t>
+                </a:r>
+                <a:r>
+                  <a:rPr lang="en-US" dirty="0" smtClean="0"/>
+                  <a:t>into the </a:t>
+                </a:r>
+                <a:r>
+                  <a:rPr lang="en-US" dirty="0"/>
+                  <a:t>channel space:</a:t>
+                </a:r>
+                <a:endParaRPr lang="fr-FR" dirty="0"/>
+              </a:p>
+              <a:p>
+                <a:pPr algn="just"/>
+                <a14:m>
+                  <m:oMathPara xmlns:m="http://schemas.openxmlformats.org/officeDocument/2006/math">
+                    <m:oMathParaPr>
+                      <m:jc m:val="centerGroup"/>
+                    </m:oMathParaPr>
+                    <m:oMath xmlns:m="http://schemas.openxmlformats.org/officeDocument/2006/math">
+                      <m:sSub>
+                        <m:sSubPr>
+                          <m:ctrlPr>
+                            <a:rPr lang="fr-FR" i="1">
+                              <a:latin typeface="Cambria Math" panose="02040503050406030204" pitchFamily="18" charset="0"/>
+                            </a:rPr>
+                          </m:ctrlPr>
+                        </m:sSubPr>
+                        <m:e>
+                          <m:sSub>
+                            <m:sSubPr>
+                              <m:ctrlPr>
+                                <a:rPr lang="fr-FR" i="1">
+                                  <a:latin typeface="Cambria Math" panose="02040503050406030204" pitchFamily="18" charset="0"/>
+                                </a:rPr>
+                              </m:ctrlPr>
+                            </m:sSubPr>
+                            <m:e>
+                              <m:r>
+                                <a:rPr lang="en-US" i="1">
+                                  <a:latin typeface="Cambria Math" panose="02040503050406030204" pitchFamily="18" charset="0"/>
+                                </a:rPr>
+                                <m:t>𝑍</m:t>
+                              </m:r>
+                            </m:e>
+                            <m:sub>
+                              <m:r>
+                                <a:rPr lang="en-US" i="1">
+                                  <a:latin typeface="Cambria Math" panose="02040503050406030204" pitchFamily="18" charset="0"/>
+                                </a:rPr>
+                                <m:t>𝑟𝑒𝑐𝑜𝑛𝑠𝑡𝑟𝑢𝑐𝑡𝑒𝑑</m:t>
+                              </m:r>
+                            </m:sub>
+                          </m:sSub>
+                        </m:e>
+                        <m:sub>
+                          <m:r>
+                            <a:rPr lang="en-US" i="1">
+                              <a:latin typeface="Cambria Math" panose="02040503050406030204" pitchFamily="18" charset="0"/>
+                            </a:rPr>
+                            <m:t>𝑗</m:t>
+                          </m:r>
+                          <m:r>
+                            <a:rPr lang="en-US" i="1">
+                              <a:latin typeface="Cambria Math" panose="02040503050406030204" pitchFamily="18" charset="0"/>
+                            </a:rPr>
+                            <m:t>,</m:t>
+                          </m:r>
+                          <m:r>
+                            <a:rPr lang="en-US" i="1">
+                              <a:latin typeface="Cambria Math" panose="02040503050406030204" pitchFamily="18" charset="0"/>
+                            </a:rPr>
+                            <m:t>𝑡</m:t>
+                          </m:r>
+                        </m:sub>
+                      </m:sSub>
+                      <m:r>
+                        <a:rPr lang="en-US" i="1">
+                          <a:latin typeface="Cambria Math" panose="02040503050406030204" pitchFamily="18" charset="0"/>
+                        </a:rPr>
+                        <m:t>= </m:t>
+                      </m:r>
+                      <m:nary>
+                        <m:naryPr>
+                          <m:chr m:val="∑"/>
+                          <m:limLoc m:val="undOvr"/>
+                          <m:supHide m:val="on"/>
+                          <m:ctrlPr>
+                            <a:rPr lang="fr-FR" i="1">
+                              <a:latin typeface="Cambria Math" panose="02040503050406030204" pitchFamily="18" charset="0"/>
+                            </a:rPr>
+                          </m:ctrlPr>
+                        </m:naryPr>
+                        <m:sub>
+                          <m:r>
+                            <a:rPr lang="en-US" i="1">
+                              <a:latin typeface="Cambria Math" panose="02040503050406030204" pitchFamily="18" charset="0"/>
+                            </a:rPr>
+                            <m:t>𝑞</m:t>
+                          </m:r>
+                        </m:sub>
+                        <m:sup/>
+                        <m:e>
+                          <m:sSub>
+                            <m:sSubPr>
+                              <m:ctrlPr>
+                                <a:rPr lang="fr-FR" i="1">
+                                  <a:latin typeface="Cambria Math" panose="02040503050406030204" pitchFamily="18" charset="0"/>
+                                </a:rPr>
+                              </m:ctrlPr>
+                            </m:sSubPr>
+                            <m:e>
+                              <m:r>
+                                <a:rPr lang="en-US" i="1">
+                                  <a:latin typeface="Cambria Math" panose="02040503050406030204" pitchFamily="18" charset="0"/>
+                                </a:rPr>
+                                <m:t>𝑉</m:t>
+                              </m:r>
+                            </m:e>
+                            <m:sub>
+                              <m:r>
+                                <a:rPr lang="en-US" i="1">
+                                  <a:latin typeface="Cambria Math" panose="02040503050406030204" pitchFamily="18" charset="0"/>
+                                </a:rPr>
+                                <m:t>𝑗</m:t>
+                              </m:r>
+                              <m:r>
+                                <a:rPr lang="en-US" i="1">
+                                  <a:latin typeface="Cambria Math" panose="02040503050406030204" pitchFamily="18" charset="0"/>
+                                </a:rPr>
+                                <m:t>,</m:t>
+                              </m:r>
+                              <m:r>
+                                <a:rPr lang="en-US" i="1">
+                                  <a:latin typeface="Cambria Math" panose="02040503050406030204" pitchFamily="18" charset="0"/>
+                                </a:rPr>
+                                <m:t>𝑞</m:t>
+                              </m:r>
+                            </m:sub>
+                          </m:sSub>
+                          <m:r>
+                            <a:rPr lang="en-US" i="1">
+                              <a:latin typeface="Cambria Math" panose="02040503050406030204" pitchFamily="18" charset="0"/>
+                            </a:rPr>
+                            <m:t>×</m:t>
+                          </m:r>
+                          <m:sSub>
+                            <m:sSubPr>
+                              <m:ctrlPr>
+                                <a:rPr lang="fr-FR" i="1">
+                                  <a:latin typeface="Cambria Math" panose="02040503050406030204" pitchFamily="18" charset="0"/>
+                                </a:rPr>
+                              </m:ctrlPr>
+                            </m:sSubPr>
+                            <m:e>
+                              <m:r>
+                                <a:rPr lang="en-US" i="1">
+                                  <a:latin typeface="Cambria Math" panose="02040503050406030204" pitchFamily="18" charset="0"/>
+                                </a:rPr>
+                                <m:t>𝑅</m:t>
+                              </m:r>
+                            </m:e>
+                            <m:sub>
+                              <m:r>
+                                <a:rPr lang="en-US" i="1">
+                                  <a:latin typeface="Cambria Math" panose="02040503050406030204" pitchFamily="18" charset="0"/>
+                                </a:rPr>
+                                <m:t>𝑞</m:t>
+                              </m:r>
+                              <m:r>
+                                <a:rPr lang="en-US" i="1">
+                                  <a:latin typeface="Cambria Math" panose="02040503050406030204" pitchFamily="18" charset="0"/>
+                                </a:rPr>
+                                <m:t>,</m:t>
+                              </m:r>
+                              <m:r>
+                                <a:rPr lang="en-US" i="1">
+                                  <a:latin typeface="Cambria Math" panose="02040503050406030204" pitchFamily="18" charset="0"/>
+                                </a:rPr>
+                                <m:t>𝑡</m:t>
+                              </m:r>
+                            </m:sub>
+                          </m:sSub>
+                        </m:e>
+                      </m:nary>
+                    </m:oMath>
+                  </m:oMathPara>
+                </a14:m>
+                <a:endParaRPr lang="fr-FR" dirty="0"/>
+              </a:p>
+              <a:p>
+                <a:pPr algn="just"/>
+                <a:r>
+                  <a:rPr lang="en-US" dirty="0"/>
+                  <a:t>And we </a:t>
+                </a:r>
+                <a:r>
+                  <a:rPr lang="en-US" dirty="0" smtClean="0"/>
+                  <a:t>add </a:t>
+                </a:r>
+                <a:r>
+                  <a:rPr lang="en-US" dirty="0"/>
+                  <a:t>the mean back</a:t>
+                </a:r>
+                <a:r>
+                  <a:rPr lang="en-US" dirty="0" smtClean="0"/>
+                  <a:t>:</a:t>
+                </a:r>
+              </a:p>
+              <a:p>
+                <a:pPr algn="just"/>
+                <a:r>
+                  <a:rPr lang="en-US" dirty="0" smtClean="0"/>
+                  <a:t> </a:t>
+                </a:r>
+                <a14:m>
+                  <m:oMath xmlns:m="http://schemas.openxmlformats.org/officeDocument/2006/math">
+                    <m:sSub>
+                      <m:sSubPr>
+                        <m:ctrlPr>
+                          <a:rPr lang="fr-FR" i="1">
+                            <a:latin typeface="Cambria Math" panose="02040503050406030204" pitchFamily="18" charset="0"/>
+                          </a:rPr>
+                        </m:ctrlPr>
+                      </m:sSubPr>
+                      <m:e>
+                        <m:r>
+                          <a:rPr lang="en-US" i="1">
+                            <a:latin typeface="Cambria Math" panose="02040503050406030204" pitchFamily="18" charset="0"/>
+                          </a:rPr>
+                          <m:t>𝑌</m:t>
+                        </m:r>
+                      </m:e>
+                      <m:sub>
+                        <m:r>
+                          <a:rPr lang="en-US" i="1">
+                            <a:latin typeface="Cambria Math" panose="02040503050406030204" pitchFamily="18" charset="0"/>
+                          </a:rPr>
+                          <m:t>𝑟𝑒𝑐𝑜𝑛𝑠𝑡𝑟𝑢𝑐𝑡𝑒</m:t>
+                        </m:r>
+                        <m:sSub>
+                          <m:sSubPr>
+                            <m:ctrlPr>
+                              <a:rPr lang="fr-FR" i="1">
+                                <a:latin typeface="Cambria Math" panose="02040503050406030204" pitchFamily="18" charset="0"/>
+                              </a:rPr>
+                            </m:ctrlPr>
+                          </m:sSubPr>
+                          <m:e>
+                            <m:r>
+                              <a:rPr lang="en-US" i="1">
+                                <a:latin typeface="Cambria Math" panose="02040503050406030204" pitchFamily="18" charset="0"/>
+                              </a:rPr>
+                              <m:t>𝑑</m:t>
+                            </m:r>
+                          </m:e>
+                          <m:sub>
+                            <m:r>
+                              <a:rPr lang="en-US" i="1">
+                                <a:latin typeface="Cambria Math" panose="02040503050406030204" pitchFamily="18" charset="0"/>
+                              </a:rPr>
+                              <m:t>𝑗</m:t>
+                            </m:r>
+                            <m:r>
+                              <a:rPr lang="en-US" i="1">
+                                <a:latin typeface="Cambria Math" panose="02040503050406030204" pitchFamily="18" charset="0"/>
+                              </a:rPr>
+                              <m:t>,</m:t>
+                            </m:r>
+                            <m:r>
+                              <a:rPr lang="en-US" i="1">
+                                <a:latin typeface="Cambria Math" panose="02040503050406030204" pitchFamily="18" charset="0"/>
+                              </a:rPr>
+                              <m:t>𝑡</m:t>
+                            </m:r>
+                          </m:sub>
+                        </m:sSub>
+                      </m:sub>
+                    </m:sSub>
+                    <m:r>
+                      <a:rPr lang="en-US" i="1">
+                        <a:latin typeface="Cambria Math" panose="02040503050406030204" pitchFamily="18" charset="0"/>
+                      </a:rPr>
+                      <m:t>= </m:t>
+                    </m:r>
+                    <m:sSub>
+                      <m:sSubPr>
+                        <m:ctrlPr>
+                          <a:rPr lang="fr-FR" i="1">
+                            <a:latin typeface="Cambria Math" panose="02040503050406030204" pitchFamily="18" charset="0"/>
+                          </a:rPr>
+                        </m:ctrlPr>
+                      </m:sSubPr>
+                      <m:e>
+                        <m:r>
+                          <a:rPr lang="en-US" i="1">
+                            <a:latin typeface="Cambria Math" panose="02040503050406030204" pitchFamily="18" charset="0"/>
+                          </a:rPr>
+                          <m:t>µ</m:t>
+                        </m:r>
+                      </m:e>
+                      <m:sub>
+                        <m:r>
+                          <a:rPr lang="en-US" i="1">
+                            <a:latin typeface="Cambria Math" panose="02040503050406030204" pitchFamily="18" charset="0"/>
+                          </a:rPr>
+                          <m:t>𝑗</m:t>
+                        </m:r>
+                      </m:sub>
+                    </m:sSub>
+                    <m:r>
+                      <a:rPr lang="en-US" i="1">
+                        <a:latin typeface="Cambria Math" panose="02040503050406030204" pitchFamily="18" charset="0"/>
+                      </a:rPr>
+                      <m:t>+</m:t>
+                    </m:r>
+                    <m:sSub>
+                      <m:sSubPr>
+                        <m:ctrlPr>
+                          <a:rPr lang="fr-FR" i="1">
+                            <a:latin typeface="Cambria Math" panose="02040503050406030204" pitchFamily="18" charset="0"/>
+                          </a:rPr>
+                        </m:ctrlPr>
+                      </m:sSubPr>
+                      <m:e>
+                        <m:r>
+                          <a:rPr lang="en-US" i="1">
+                            <a:latin typeface="Cambria Math" panose="02040503050406030204" pitchFamily="18" charset="0"/>
+                          </a:rPr>
+                          <m:t>𝑍</m:t>
+                        </m:r>
+                      </m:e>
+                      <m:sub>
+                        <m:r>
+                          <a:rPr lang="en-US" i="1">
+                            <a:latin typeface="Cambria Math" panose="02040503050406030204" pitchFamily="18" charset="0"/>
+                          </a:rPr>
+                          <m:t>𝑟𝑒𝑐𝑜𝑛𝑠𝑡𝑟𝑢𝑐𝑡𝑒</m:t>
+                        </m:r>
+                        <m:sSub>
+                          <m:sSubPr>
+                            <m:ctrlPr>
+                              <a:rPr lang="fr-FR" i="1">
+                                <a:latin typeface="Cambria Math" panose="02040503050406030204" pitchFamily="18" charset="0"/>
+                              </a:rPr>
+                            </m:ctrlPr>
+                          </m:sSubPr>
+                          <m:e>
+                            <m:r>
+                              <a:rPr lang="en-US" i="1">
+                                <a:latin typeface="Cambria Math" panose="02040503050406030204" pitchFamily="18" charset="0"/>
+                              </a:rPr>
+                              <m:t>𝑑</m:t>
+                            </m:r>
+                          </m:e>
+                          <m:sub>
+                            <m:r>
+                              <a:rPr lang="en-US" i="1">
+                                <a:latin typeface="Cambria Math" panose="02040503050406030204" pitchFamily="18" charset="0"/>
+                              </a:rPr>
+                              <m:t>𝑗</m:t>
+                            </m:r>
+                          </m:sub>
+                        </m:sSub>
+                        <m:r>
+                          <a:rPr lang="en-US" i="1">
+                            <a:latin typeface="Cambria Math" panose="02040503050406030204" pitchFamily="18" charset="0"/>
+                          </a:rPr>
+                          <m:t>,</m:t>
+                        </m:r>
+                        <m:r>
+                          <a:rPr lang="en-US" i="1">
+                            <a:latin typeface="Cambria Math" panose="02040503050406030204" pitchFamily="18" charset="0"/>
+                          </a:rPr>
+                          <m:t>𝑡</m:t>
+                        </m:r>
+                      </m:sub>
+                    </m:sSub>
+                  </m:oMath>
+                </a14:m>
+                <a:endParaRPr lang="fr-FR" dirty="0"/>
+              </a:p>
+            </p:txBody>
+          </p:sp>
+        </mc:Choice>
+        <mc:Fallback>
+          <p:sp>
+            <p:nvSpPr>
+              <p:cNvPr id="2" name="ZoneTexte 1"/>
+              <p:cNvSpPr txBox="1">
+                <a:spLocks noRot="1" noChangeAspect="1" noMove="1" noResize="1" noEditPoints="1" noAdjustHandles="1" noChangeArrowheads="1" noChangeShapeType="1" noTextEdit="1"/>
+              </p:cNvSpPr>
+              <p:nvPr/>
+            </p:nvSpPr>
+            <p:spPr>
+              <a:xfrm>
+                <a:off x="465790" y="0"/>
+                <a:ext cx="11485804" cy="6970241"/>
+              </a:xfrm>
+              <a:prstGeom prst="rect">
+                <a:avLst/>
+              </a:prstGeom>
+              <a:blipFill rotWithShape="0">
+                <a:blip r:embed="rId2"/>
+                <a:stretch>
+                  <a:fillRect l="-371" t="-349" r="-371"/>
+                </a:stretch>
+              </a:blipFill>
+              <a:ln>
+                <a:solidFill>
+                  <a:schemeClr val="accent1"/>
+                </a:solidFill>
+              </a:ln>
+            </p:spPr>
+            <p:txBody>
+              <a:bodyPr/>
+              <a:lstStyle/>
+              <a:p>
+                <a:r>
+                  <a:rPr lang="fr-FR">
+                    <a:noFill/>
+                  </a:rPr>
+                  <a:t> </a:t>
+                </a:r>
+              </a:p>
+            </p:txBody>
+          </p:sp>
+        </mc:Fallback>
+      </mc:AlternateContent>
+    </p:spTree>
+    <p:extLst>
+      <p:ext uri="{BB962C8B-B14F-4D97-AF65-F5344CB8AC3E}">
+        <p14:creationId xmlns:p14="http://schemas.microsoft.com/office/powerpoint/2010/main" val="2497503269"/>
+      </p:ext>
+    </p:extLst>
+  </p:cSld>
+  <p:clrMapOvr>
+    <a:masterClrMapping/>
+  </p:clrMapOvr>
+  <p:timing>
+    <p:tnLst>
+      <p:par>
+        <p:cTn id="1" dur="indefinite" restart="never" nodeType="tmRoot"/>
+      </p:par>
+    </p:tnLst>
+  </p:timing>
+</p:sld>
+</file>
+
 <file path=ppt/theme/theme1.xml><?xml version="1.0" encoding="utf-8"?>
 <a:theme xmlns:a="http://schemas.openxmlformats.org/drawingml/2006/main" name="Thème Office">
   <a:themeElements>
